--- a/APIS_2.1.pptx
+++ b/APIS_2.1.pptx
@@ -5,7 +5,7 @@
     <p:sldMasterId id="2147483648" r:id="rId1"/>
   </p:sldMasterIdLst>
   <p:notesMasterIdLst>
-    <p:notesMasterId r:id="rId28"/>
+    <p:notesMasterId r:id="rId27"/>
   </p:notesMasterIdLst>
   <p:sldIdLst>
     <p:sldId id="256" r:id="rId2"/>
@@ -26,14 +26,13 @@
     <p:sldId id="283" r:id="rId17"/>
     <p:sldId id="281" r:id="rId18"/>
     <p:sldId id="262" r:id="rId19"/>
-    <p:sldId id="289" r:id="rId20"/>
-    <p:sldId id="263" r:id="rId21"/>
-    <p:sldId id="296" r:id="rId22"/>
-    <p:sldId id="290" r:id="rId23"/>
-    <p:sldId id="291" r:id="rId24"/>
-    <p:sldId id="293" r:id="rId25"/>
-    <p:sldId id="294" r:id="rId26"/>
-    <p:sldId id="295" r:id="rId27"/>
+    <p:sldId id="263" r:id="rId20"/>
+    <p:sldId id="296" r:id="rId21"/>
+    <p:sldId id="290" r:id="rId22"/>
+    <p:sldId id="291" r:id="rId23"/>
+    <p:sldId id="293" r:id="rId24"/>
+    <p:sldId id="294" r:id="rId25"/>
+    <p:sldId id="295" r:id="rId26"/>
   </p:sldIdLst>
   <p:sldSz cx="12192000" cy="6858000"/>
   <p:notesSz cx="6858000" cy="9144000"/>
@@ -155,7 +154,6 @@
             <p14:sldId id="283"/>
             <p14:sldId id="281"/>
             <p14:sldId id="262"/>
-            <p14:sldId id="289"/>
             <p14:sldId id="263"/>
             <p14:sldId id="296"/>
             <p14:sldId id="290"/>
@@ -256,7 +254,7 @@
           <a:p>
             <a:fld id="{13C45AC0-8913-4584-9330-E7BF571A4CBA}" type="datetimeFigureOut">
               <a:rPr lang="bg-BG" smtClean="0"/>
-              <a:t>18.5.2017 г.</a:t>
+              <a:t>04.06.2017 г.</a:t>
             </a:fld>
             <a:endParaRPr lang="bg-BG"/>
           </a:p>
@@ -1304,7 +1302,7 @@
             <a:fld id="{B61BEF0D-F0BB-DE4B-95CE-6DB70DBA9567}" type="datetimeFigureOut">
               <a:rPr lang="en-US" dirty="0"/>
               <a:pPr/>
-              <a:t>5/18/2017</a:t>
+              <a:t>6/4/2017</a:t>
             </a:fld>
             <a:endParaRPr lang="en-US" dirty="0"/>
           </a:p>
@@ -1737,7 +1735,7 @@
             <a:fld id="{B61BEF0D-F0BB-DE4B-95CE-6DB70DBA9567}" type="datetimeFigureOut">
               <a:rPr lang="en-US" dirty="0"/>
               <a:pPr/>
-              <a:t>5/18/2017</a:t>
+              <a:t>6/4/2017</a:t>
             </a:fld>
             <a:endParaRPr lang="en-US" dirty="0"/>
           </a:p>
@@ -1984,7 +1982,7 @@
             <a:fld id="{B61BEF0D-F0BB-DE4B-95CE-6DB70DBA9567}" type="datetimeFigureOut">
               <a:rPr lang="en-US" dirty="0"/>
               <a:pPr/>
-              <a:t>5/18/2017</a:t>
+              <a:t>6/4/2017</a:t>
             </a:fld>
             <a:endParaRPr lang="en-US" dirty="0"/>
           </a:p>
@@ -2289,7 +2287,7 @@
             <a:fld id="{B61BEF0D-F0BB-DE4B-95CE-6DB70DBA9567}" type="datetimeFigureOut">
               <a:rPr lang="en-US" dirty="0"/>
               <a:pPr/>
-              <a:t>5/18/2017</a:t>
+              <a:t>6/4/2017</a:t>
             </a:fld>
             <a:endParaRPr lang="en-US" dirty="0"/>
           </a:p>
@@ -2604,7 +2602,7 @@
             <a:fld id="{B61BEF0D-F0BB-DE4B-95CE-6DB70DBA9567}" type="datetimeFigureOut">
               <a:rPr lang="en-US" dirty="0"/>
               <a:pPr/>
-              <a:t>5/18/2017</a:t>
+              <a:t>6/4/2017</a:t>
             </a:fld>
             <a:endParaRPr lang="en-US" dirty="0"/>
           </a:p>
@@ -2903,7 +2901,7 @@
             <a:fld id="{B61BEF0D-F0BB-DE4B-95CE-6DB70DBA9567}" type="datetimeFigureOut">
               <a:rPr lang="en-US" dirty="0"/>
               <a:pPr/>
-              <a:t>5/18/2017</a:t>
+              <a:t>6/4/2017</a:t>
             </a:fld>
             <a:endParaRPr lang="en-US" dirty="0"/>
           </a:p>
@@ -3267,7 +3265,7 @@
             <a:fld id="{B61BEF0D-F0BB-DE4B-95CE-6DB70DBA9567}" type="datetimeFigureOut">
               <a:rPr lang="en-US" dirty="0"/>
               <a:pPr/>
-              <a:t>5/18/2017</a:t>
+              <a:t>6/4/2017</a:t>
             </a:fld>
             <a:endParaRPr lang="en-US" dirty="0"/>
           </a:p>
@@ -3438,7 +3436,7 @@
             <a:fld id="{B61BEF0D-F0BB-DE4B-95CE-6DB70DBA9567}" type="datetimeFigureOut">
               <a:rPr lang="en-US" dirty="0"/>
               <a:pPr/>
-              <a:t>5/18/2017</a:t>
+              <a:t>6/4/2017</a:t>
             </a:fld>
             <a:endParaRPr lang="en-US" dirty="0"/>
           </a:p>
@@ -3615,7 +3613,7 @@
             <a:fld id="{B61BEF0D-F0BB-DE4B-95CE-6DB70DBA9567}" type="datetimeFigureOut">
               <a:rPr lang="en-US" dirty="0"/>
               <a:pPr/>
-              <a:t>5/18/2017</a:t>
+              <a:t>6/4/2017</a:t>
             </a:fld>
             <a:endParaRPr lang="en-US" dirty="0"/>
           </a:p>
@@ -3782,7 +3780,7 @@
             <a:fld id="{B61BEF0D-F0BB-DE4B-95CE-6DB70DBA9567}" type="datetimeFigureOut">
               <a:rPr lang="en-US" dirty="0"/>
               <a:pPr/>
-              <a:t>5/18/2017</a:t>
+              <a:t>6/4/2017</a:t>
             </a:fld>
             <a:endParaRPr lang="en-US" dirty="0"/>
           </a:p>
@@ -4029,7 +4027,7 @@
             <a:fld id="{B61BEF0D-F0BB-DE4B-95CE-6DB70DBA9567}" type="datetimeFigureOut">
               <a:rPr lang="en-US" dirty="0"/>
               <a:pPr/>
-              <a:t>5/18/2017</a:t>
+              <a:t>6/4/2017</a:t>
             </a:fld>
             <a:endParaRPr lang="en-US" dirty="0"/>
           </a:p>
@@ -4262,7 +4260,7 @@
             <a:fld id="{B61BEF0D-F0BB-DE4B-95CE-6DB70DBA9567}" type="datetimeFigureOut">
               <a:rPr lang="en-US" dirty="0"/>
               <a:pPr/>
-              <a:t>5/18/2017</a:t>
+              <a:t>6/4/2017</a:t>
             </a:fld>
             <a:endParaRPr lang="en-US" dirty="0"/>
           </a:p>
@@ -4641,7 +4639,7 @@
             <a:fld id="{B61BEF0D-F0BB-DE4B-95CE-6DB70DBA9567}" type="datetimeFigureOut">
               <a:rPr lang="en-US" dirty="0"/>
               <a:pPr/>
-              <a:t>5/18/2017</a:t>
+              <a:t>6/4/2017</a:t>
             </a:fld>
             <a:endParaRPr lang="en-US" dirty="0"/>
           </a:p>
@@ -4756,7 +4754,7 @@
             <a:fld id="{B61BEF0D-F0BB-DE4B-95CE-6DB70DBA9567}" type="datetimeFigureOut">
               <a:rPr lang="en-US" dirty="0"/>
               <a:pPr/>
-              <a:t>5/18/2017</a:t>
+              <a:t>6/4/2017</a:t>
             </a:fld>
             <a:endParaRPr lang="en-US" dirty="0"/>
           </a:p>
@@ -4848,7 +4846,7 @@
             <a:fld id="{B61BEF0D-F0BB-DE4B-95CE-6DB70DBA9567}" type="datetimeFigureOut">
               <a:rPr lang="en-US" dirty="0"/>
               <a:pPr/>
-              <a:t>5/18/2017</a:t>
+              <a:t>6/4/2017</a:t>
             </a:fld>
             <a:endParaRPr lang="en-US" dirty="0"/>
           </a:p>
@@ -5100,7 +5098,7 @@
             <a:fld id="{B61BEF0D-F0BB-DE4B-95CE-6DB70DBA9567}" type="datetimeFigureOut">
               <a:rPr lang="en-US" dirty="0"/>
               <a:pPr/>
-              <a:t>5/18/2017</a:t>
+              <a:t>6/4/2017</a:t>
             </a:fld>
             <a:endParaRPr lang="en-US" dirty="0"/>
           </a:p>
@@ -5380,7 +5378,7 @@
             <a:fld id="{B61BEF0D-F0BB-DE4B-95CE-6DB70DBA9567}" type="datetimeFigureOut">
               <a:rPr lang="en-US" dirty="0"/>
               <a:pPr/>
-              <a:t>5/18/2017</a:t>
+              <a:t>6/4/2017</a:t>
             </a:fld>
             <a:endParaRPr lang="en-US" dirty="0"/>
           </a:p>
@@ -5783,7 +5781,7 @@
             <a:fld id="{B61BEF0D-F0BB-DE4B-95CE-6DB70DBA9567}" type="datetimeFigureOut">
               <a:rPr lang="en-US" dirty="0"/>
               <a:pPr/>
-              <a:t>5/18/2017</a:t>
+              <a:t>6/4/2017</a:t>
             </a:fld>
             <a:endParaRPr lang="en-US" dirty="0"/>
           </a:p>
@@ -6460,6 +6458,16 @@
             </a:r>
           </a:p>
           <a:p>
+            <a:r>
+              <a:rPr lang="ru-RU" sz="1600" dirty="0">
+                <a:solidFill>
+                  <a:schemeClr val="tx1">
+                    <a:lumMod val="85000"/>
+                  </a:schemeClr>
+                </a:solidFill>
+              </a:rPr>
+              <a:t/>
+            </a:r>
             <a:br>
               <a:rPr lang="ru-RU" sz="1600" dirty="0">
                 <a:solidFill>
@@ -9591,25 +9599,6 @@
           </a:p>
         </p:txBody>
       </p:sp>
-      <p:sp>
-        <p:nvSpPr>
-          <p:cNvPr id="2" name="Content Placeholder 1"/>
-          <p:cNvSpPr>
-            <a:spLocks noGrp="1"/>
-          </p:cNvSpPr>
-          <p:nvPr>
-            <p:ph idx="1"/>
-          </p:nvPr>
-        </p:nvSpPr>
-        <p:spPr/>
-        <p:txBody>
-          <a:bodyPr/>
-          <a:lstStyle/>
-          <a:p>
-            <a:endParaRPr lang="en-US"/>
-          </a:p>
-        </p:txBody>
-      </p:sp>
     </p:spTree>
     <p:extLst>
       <p:ext uri="{BB962C8B-B14F-4D97-AF65-F5344CB8AC3E}">
@@ -10589,9 +10578,9 @@
       </p:sp>
       <p:pic>
         <p:nvPicPr>
-          <p:cNvPr id="2054" name="Picture 6" descr="https://scontent-frx5-1.xx.fbcdn.net/v/t35.0-12/18553926_735224246647680_128422450_o.png?oh=339136987ac3d1da981b28876bb35685&amp;oe=591CAA0C"/>
+          <p:cNvPr id="5" name="Picture 4"/>
           <p:cNvPicPr>
-            <a:picLocks noChangeAspect="1" noChangeArrowheads="1"/>
+            <a:picLocks noChangeAspect="1"/>
           </p:cNvPicPr>
           <p:nvPr/>
         </p:nvPicPr>
@@ -10603,29 +10592,18 @@
               </a:ext>
             </a:extLst>
           </a:blip>
-          <a:srcRect/>
           <a:stretch>
             <a:fillRect/>
           </a:stretch>
         </p:blipFill>
-        <p:spPr bwMode="auto">
+        <p:spPr>
           <a:xfrm>
-            <a:off x="1404580" y="1586785"/>
-            <a:ext cx="8451029" cy="4842072"/>
+            <a:off x="0" y="1370950"/>
+            <a:ext cx="12192000" cy="5348998"/>
           </a:xfrm>
           <a:prstGeom prst="rect">
             <a:avLst/>
           </a:prstGeom>
-          <a:noFill/>
-          <a:extLst>
-            <a:ext uri="{909E8E84-426E-40DD-AFC4-6F175D3DCCD1}">
-              <a14:hiddenFill xmlns:a14="http://schemas.microsoft.com/office/drawing/2010/main">
-                <a:solidFill>
-                  <a:srgbClr val="FFFFFF"/>
-                </a:solidFill>
-              </a14:hiddenFill>
-            </a:ext>
-          </a:extLst>
         </p:spPr>
       </p:pic>
     </p:spTree>
@@ -10670,68 +10648,889 @@
         </p:nvSpPr>
         <p:spPr>
           <a:xfrm>
-            <a:off x="1588338" y="79718"/>
-            <a:ext cx="10021460" cy="1507067"/>
+            <a:off x="1054082" y="285202"/>
+            <a:ext cx="8534400" cy="1507067"/>
           </a:xfrm>
         </p:spPr>
         <p:txBody>
-          <a:bodyPr/>
+          <a:bodyPr>
+            <a:normAutofit fontScale="90000"/>
+          </a:bodyPr>
           <a:lstStyle/>
           <a:p>
             <a:r>
               <a:rPr lang="bg-BG" dirty="0"/>
-              <a:t>Модели на Потребителски случаи</a:t>
-            </a:r>
+              <a:t>списък на потребителските случаи</a:t>
+            </a:r>
+            <a:br>
+              <a:rPr lang="bg-BG" dirty="0"/>
+            </a:br>
+            <a:endParaRPr lang="bg-BG" dirty="0"/>
           </a:p>
         </p:txBody>
       </p:sp>
-      <p:pic>
-        <p:nvPicPr>
-          <p:cNvPr id="10242" name="Picture 2" descr="https://scontent-frx5-1.xx.fbcdn.net/v/t35.0-12/18493855_735224249981013_1234472701_o.png?oh=27af7df41a9d7be8f354751a7466540a&amp;oe=591BB7C0"/>
-          <p:cNvPicPr>
-            <a:picLocks noGrp="1" noChangeAspect="1" noChangeArrowheads="1"/>
-          </p:cNvPicPr>
+      <p:sp>
+        <p:nvSpPr>
+          <p:cNvPr id="3" name="Content Placeholder 2"/>
+          <p:cNvSpPr>
+            <a:spLocks noGrp="1"/>
+          </p:cNvSpPr>
           <p:nvPr>
             <p:ph idx="1"/>
           </p:nvPr>
-        </p:nvPicPr>
-        <p:blipFill>
-          <a:blip r:embed="rId2">
-            <a:extLst>
-              <a:ext uri="{28A0092B-C50C-407E-A947-70E740481C1C}">
-                <a14:useLocalDpi xmlns:a14="http://schemas.microsoft.com/office/drawing/2010/main" val="0"/>
-              </a:ext>
-            </a:extLst>
-          </a:blip>
-          <a:srcRect/>
-          <a:stretch>
-            <a:fillRect/>
-          </a:stretch>
-        </p:blipFill>
-        <p:spPr bwMode="auto">
+        </p:nvSpPr>
+        <p:spPr>
           <a:xfrm>
-            <a:off x="893851" y="1329381"/>
-            <a:ext cx="9308387" cy="5333301"/>
+            <a:off x="776680" y="1458931"/>
+            <a:ext cx="8534400" cy="4311342"/>
           </a:xfrm>
-          <a:prstGeom prst="rect">
-            <a:avLst/>
-          </a:prstGeom>
-          <a:noFill/>
-          <a:extLst>
-            <a:ext uri="{909E8E84-426E-40DD-AFC4-6F175D3DCCD1}">
-              <a14:hiddenFill xmlns:a14="http://schemas.microsoft.com/office/drawing/2010/main">
-                <a:solidFill>
-                  <a:srgbClr val="FFFFFF"/>
-                </a:solidFill>
-              </a14:hiddenFill>
-            </a:ext>
-          </a:extLst>
         </p:spPr>
-      </p:pic>
+        <p:txBody>
+          <a:bodyPr>
+            <a:normAutofit lnSpcReduction="10000"/>
+          </a:bodyPr>
+          <a:lstStyle/>
+          <a:p>
+            <a:r>
+              <a:rPr lang="bg-BG" b="1" dirty="0">
+                <a:solidFill>
+                  <a:schemeClr val="tx1">
+                    <a:lumMod val="95000"/>
+                  </a:schemeClr>
+                </a:solidFill>
+              </a:rPr>
+              <a:t>Най – важна функционалност: </a:t>
+            </a:r>
+          </a:p>
+          <a:p>
+            <a:pPr lvl="1" fontAlgn="base"/>
+            <a:r>
+              <a:rPr lang="en-US" b="1" dirty="0" err="1">
+                <a:solidFill>
+                  <a:schemeClr val="tx1">
+                    <a:lumMod val="95000"/>
+                  </a:schemeClr>
+                </a:solidFill>
+              </a:rPr>
+              <a:t>Поискване</a:t>
+            </a:r>
+            <a:r>
+              <a:rPr lang="en-US" b="1" dirty="0">
+                <a:solidFill>
+                  <a:schemeClr val="tx1">
+                    <a:lumMod val="95000"/>
+                  </a:schemeClr>
+                </a:solidFill>
+              </a:rPr>
+              <a:t> </a:t>
+            </a:r>
+            <a:r>
+              <a:rPr lang="en-US" b="1" dirty="0" err="1">
+                <a:solidFill>
+                  <a:schemeClr val="tx1">
+                    <a:lumMod val="95000"/>
+                  </a:schemeClr>
+                </a:solidFill>
+              </a:rPr>
+              <a:t>на</a:t>
+            </a:r>
+            <a:r>
+              <a:rPr lang="en-US" b="1" dirty="0">
+                <a:solidFill>
+                  <a:schemeClr val="tx1">
+                    <a:lumMod val="95000"/>
+                  </a:schemeClr>
+                </a:solidFill>
+              </a:rPr>
+              <a:t> </a:t>
+            </a:r>
+            <a:r>
+              <a:rPr lang="en-US" b="1" dirty="0" err="1">
+                <a:solidFill>
+                  <a:schemeClr val="tx1">
+                    <a:lumMod val="95000"/>
+                  </a:schemeClr>
+                </a:solidFill>
+              </a:rPr>
+              <a:t>резервация</a:t>
+            </a:r>
+            <a:r>
+              <a:rPr lang="en-US" b="1" dirty="0">
+                <a:solidFill>
+                  <a:schemeClr val="tx1">
+                    <a:lumMod val="95000"/>
+                  </a:schemeClr>
+                </a:solidFill>
+              </a:rPr>
+              <a:t> </a:t>
+            </a:r>
+            <a:r>
+              <a:rPr lang="en-US" b="1" dirty="0" err="1">
+                <a:solidFill>
+                  <a:schemeClr val="tx1">
+                    <a:lumMod val="95000"/>
+                  </a:schemeClr>
+                </a:solidFill>
+              </a:rPr>
+              <a:t>на</a:t>
+            </a:r>
+            <a:r>
+              <a:rPr lang="en-US" b="1" dirty="0">
+                <a:solidFill>
+                  <a:schemeClr val="tx1">
+                    <a:lumMod val="95000"/>
+                  </a:schemeClr>
+                </a:solidFill>
+              </a:rPr>
+              <a:t> </a:t>
+            </a:r>
+            <a:r>
+              <a:rPr lang="en-US" b="1" dirty="0" err="1">
+                <a:solidFill>
+                  <a:schemeClr val="tx1">
+                    <a:lumMod val="95000"/>
+                  </a:schemeClr>
+                </a:solidFill>
+              </a:rPr>
+              <a:t>зала</a:t>
+            </a:r>
+            <a:r>
+              <a:rPr lang="en-US" b="1" dirty="0">
+                <a:solidFill>
+                  <a:schemeClr val="tx1">
+                    <a:lumMod val="95000"/>
+                  </a:schemeClr>
+                </a:solidFill>
+              </a:rPr>
+              <a:t> </a:t>
+            </a:r>
+            <a:r>
+              <a:rPr lang="en-US" b="1" dirty="0" err="1">
+                <a:solidFill>
+                  <a:schemeClr val="tx1">
+                    <a:lumMod val="95000"/>
+                  </a:schemeClr>
+                </a:solidFill>
+              </a:rPr>
+              <a:t>от</a:t>
+            </a:r>
+            <a:r>
+              <a:rPr lang="en-US" b="1" dirty="0">
+                <a:solidFill>
+                  <a:schemeClr val="tx1">
+                    <a:lumMod val="95000"/>
+                  </a:schemeClr>
+                </a:solidFill>
+              </a:rPr>
+              <a:t> </a:t>
+            </a:r>
+            <a:r>
+              <a:rPr lang="en-US" b="1" dirty="0" err="1">
+                <a:solidFill>
+                  <a:schemeClr val="tx1">
+                    <a:lumMod val="95000"/>
+                  </a:schemeClr>
+                </a:solidFill>
+              </a:rPr>
+              <a:t>лектор</a:t>
+            </a:r>
+            <a:endParaRPr lang="bg-BG" dirty="0">
+              <a:solidFill>
+                <a:schemeClr val="tx1">
+                  <a:lumMod val="95000"/>
+                </a:schemeClr>
+              </a:solidFill>
+            </a:endParaRPr>
+          </a:p>
+          <a:p>
+            <a:pPr lvl="1" fontAlgn="base"/>
+            <a:r>
+              <a:rPr lang="en-US" dirty="0" err="1">
+                <a:solidFill>
+                  <a:schemeClr val="tx1">
+                    <a:lumMod val="95000"/>
+                  </a:schemeClr>
+                </a:solidFill>
+              </a:rPr>
+              <a:t>Всеки</a:t>
+            </a:r>
+            <a:r>
+              <a:rPr lang="en-US" dirty="0">
+                <a:solidFill>
+                  <a:schemeClr val="tx1">
+                    <a:lumMod val="95000"/>
+                  </a:schemeClr>
+                </a:solidFill>
+              </a:rPr>
+              <a:t> </a:t>
+            </a:r>
+            <a:r>
+              <a:rPr lang="en-US" dirty="0" err="1">
+                <a:solidFill>
+                  <a:schemeClr val="tx1">
+                    <a:lumMod val="95000"/>
+                  </a:schemeClr>
+                </a:solidFill>
+              </a:rPr>
+              <a:t>лектор</a:t>
+            </a:r>
+            <a:r>
+              <a:rPr lang="en-US" dirty="0">
+                <a:solidFill>
+                  <a:schemeClr val="tx1">
+                    <a:lumMod val="95000"/>
+                  </a:schemeClr>
+                </a:solidFill>
+              </a:rPr>
+              <a:t> в </a:t>
+            </a:r>
+            <a:r>
+              <a:rPr lang="en-US" dirty="0" err="1">
+                <a:solidFill>
+                  <a:schemeClr val="tx1">
+                    <a:lumMod val="95000"/>
+                  </a:schemeClr>
+                </a:solidFill>
+              </a:rPr>
+              <a:t>системата</a:t>
+            </a:r>
+            <a:r>
+              <a:rPr lang="en-US" dirty="0">
+                <a:solidFill>
+                  <a:schemeClr val="tx1">
+                    <a:lumMod val="95000"/>
+                  </a:schemeClr>
+                </a:solidFill>
+              </a:rPr>
+              <a:t> </a:t>
+            </a:r>
+            <a:r>
+              <a:rPr lang="en-US" dirty="0" err="1">
+                <a:solidFill>
+                  <a:schemeClr val="tx1">
+                    <a:lumMod val="95000"/>
+                  </a:schemeClr>
+                </a:solidFill>
+              </a:rPr>
+              <a:t>има</a:t>
+            </a:r>
+            <a:r>
+              <a:rPr lang="en-US" dirty="0">
+                <a:solidFill>
+                  <a:schemeClr val="tx1">
+                    <a:lumMod val="95000"/>
+                  </a:schemeClr>
+                </a:solidFill>
+              </a:rPr>
+              <a:t> </a:t>
+            </a:r>
+            <a:r>
+              <a:rPr lang="en-US" dirty="0" err="1">
+                <a:solidFill>
+                  <a:schemeClr val="tx1">
+                    <a:lumMod val="95000"/>
+                  </a:schemeClr>
+                </a:solidFill>
+              </a:rPr>
+              <a:t>право</a:t>
+            </a:r>
+            <a:r>
+              <a:rPr lang="en-US" dirty="0">
+                <a:solidFill>
+                  <a:schemeClr val="tx1">
+                    <a:lumMod val="95000"/>
+                  </a:schemeClr>
+                </a:solidFill>
+              </a:rPr>
+              <a:t> </a:t>
+            </a:r>
+            <a:r>
+              <a:rPr lang="en-US" dirty="0" err="1">
+                <a:solidFill>
+                  <a:schemeClr val="tx1">
+                    <a:lumMod val="95000"/>
+                  </a:schemeClr>
+                </a:solidFill>
+              </a:rPr>
+              <a:t>да</a:t>
+            </a:r>
+            <a:r>
+              <a:rPr lang="en-US" dirty="0">
+                <a:solidFill>
+                  <a:schemeClr val="tx1">
+                    <a:lumMod val="95000"/>
+                  </a:schemeClr>
+                </a:solidFill>
+              </a:rPr>
+              <a:t> </a:t>
+            </a:r>
+            <a:r>
+              <a:rPr lang="bg-BG" dirty="0">
+                <a:solidFill>
+                  <a:schemeClr val="tx1">
+                    <a:lumMod val="95000"/>
+                  </a:schemeClr>
+                </a:solidFill>
+              </a:rPr>
+              <a:t>поиска да </a:t>
+            </a:r>
+            <a:r>
+              <a:rPr lang="en-US" dirty="0" err="1">
+                <a:solidFill>
+                  <a:schemeClr val="tx1">
+                    <a:lumMod val="95000"/>
+                  </a:schemeClr>
+                </a:solidFill>
+              </a:rPr>
+              <a:t>запази</a:t>
+            </a:r>
+            <a:r>
+              <a:rPr lang="en-US" dirty="0">
+                <a:solidFill>
+                  <a:schemeClr val="tx1">
+                    <a:lumMod val="95000"/>
+                  </a:schemeClr>
+                </a:solidFill>
+              </a:rPr>
+              <a:t> </a:t>
+            </a:r>
+            <a:r>
+              <a:rPr lang="en-US" dirty="0" err="1">
+                <a:solidFill>
+                  <a:schemeClr val="tx1">
+                    <a:lumMod val="95000"/>
+                  </a:schemeClr>
+                </a:solidFill>
+              </a:rPr>
+              <a:t>зала</a:t>
+            </a:r>
+            <a:r>
+              <a:rPr lang="en-US" dirty="0">
+                <a:solidFill>
+                  <a:schemeClr val="tx1">
+                    <a:lumMod val="95000"/>
+                  </a:schemeClr>
+                </a:solidFill>
+              </a:rPr>
+              <a:t>. </a:t>
+            </a:r>
+            <a:r>
+              <a:rPr lang="en-US" dirty="0" err="1">
+                <a:solidFill>
+                  <a:schemeClr val="tx1">
+                    <a:lumMod val="95000"/>
+                  </a:schemeClr>
+                </a:solidFill>
+              </a:rPr>
+              <a:t>Когато</a:t>
+            </a:r>
+            <a:r>
+              <a:rPr lang="en-US" dirty="0">
+                <a:solidFill>
+                  <a:schemeClr val="tx1">
+                    <a:lumMod val="95000"/>
+                  </a:schemeClr>
+                </a:solidFill>
+              </a:rPr>
+              <a:t> </a:t>
+            </a:r>
+            <a:r>
+              <a:rPr lang="en-US" dirty="0" err="1">
+                <a:solidFill>
+                  <a:schemeClr val="tx1">
+                    <a:lumMod val="95000"/>
+                  </a:schemeClr>
+                </a:solidFill>
+              </a:rPr>
+              <a:t>той</a:t>
+            </a:r>
+            <a:r>
+              <a:rPr lang="en-US" dirty="0">
+                <a:solidFill>
+                  <a:schemeClr val="tx1">
+                    <a:lumMod val="95000"/>
+                  </a:schemeClr>
+                </a:solidFill>
+              </a:rPr>
+              <a:t> </a:t>
+            </a:r>
+            <a:r>
+              <a:rPr lang="en-US" dirty="0" err="1">
+                <a:solidFill>
+                  <a:schemeClr val="tx1">
+                    <a:lumMod val="95000"/>
+                  </a:schemeClr>
+                </a:solidFill>
+              </a:rPr>
+              <a:t>избере</a:t>
+            </a:r>
+            <a:r>
+              <a:rPr lang="en-US" dirty="0">
+                <a:solidFill>
+                  <a:schemeClr val="tx1">
+                    <a:lumMod val="95000"/>
+                  </a:schemeClr>
+                </a:solidFill>
+              </a:rPr>
+              <a:t> </a:t>
+            </a:r>
+            <a:r>
+              <a:rPr lang="en-US" dirty="0" err="1">
+                <a:solidFill>
+                  <a:schemeClr val="tx1">
+                    <a:lumMod val="95000"/>
+                  </a:schemeClr>
+                </a:solidFill>
+              </a:rPr>
+              <a:t>час</a:t>
+            </a:r>
+            <a:r>
+              <a:rPr lang="en-US" dirty="0">
+                <a:solidFill>
+                  <a:schemeClr val="tx1">
+                    <a:lumMod val="95000"/>
+                  </a:schemeClr>
+                </a:solidFill>
+              </a:rPr>
+              <a:t>,</a:t>
+            </a:r>
+            <a:r>
+              <a:rPr lang="bg-BG" dirty="0">
+                <a:solidFill>
+                  <a:schemeClr val="tx1">
+                    <a:lumMod val="95000"/>
+                  </a:schemeClr>
+                </a:solidFill>
+              </a:rPr>
+              <a:t> периодичност</a:t>
+            </a:r>
+            <a:r>
+              <a:rPr lang="en-US" dirty="0">
+                <a:solidFill>
+                  <a:schemeClr val="tx1">
+                    <a:lumMod val="95000"/>
+                  </a:schemeClr>
+                </a:solidFill>
+              </a:rPr>
+              <a:t> и </a:t>
+            </a:r>
+            <a:r>
+              <a:rPr lang="en-US" dirty="0" err="1">
+                <a:solidFill>
+                  <a:schemeClr val="tx1">
+                    <a:lumMod val="95000"/>
+                  </a:schemeClr>
+                </a:solidFill>
+              </a:rPr>
+              <a:t>зала</a:t>
+            </a:r>
+            <a:r>
+              <a:rPr lang="en-US" dirty="0">
+                <a:solidFill>
+                  <a:schemeClr val="tx1">
+                    <a:lumMod val="95000"/>
+                  </a:schemeClr>
+                </a:solidFill>
+              </a:rPr>
+              <a:t>, </a:t>
+            </a:r>
+            <a:r>
+              <a:rPr lang="en-US" dirty="0" err="1">
+                <a:solidFill>
+                  <a:schemeClr val="tx1">
+                    <a:lumMod val="95000"/>
+                  </a:schemeClr>
+                </a:solidFill>
+              </a:rPr>
+              <a:t>трябва</a:t>
+            </a:r>
+            <a:r>
+              <a:rPr lang="en-US" dirty="0">
+                <a:solidFill>
+                  <a:schemeClr val="tx1">
+                    <a:lumMod val="95000"/>
+                  </a:schemeClr>
+                </a:solidFill>
+              </a:rPr>
+              <a:t> </a:t>
+            </a:r>
+            <a:r>
+              <a:rPr lang="en-US" dirty="0" err="1">
+                <a:solidFill>
+                  <a:schemeClr val="tx1">
+                    <a:lumMod val="95000"/>
+                  </a:schemeClr>
+                </a:solidFill>
+              </a:rPr>
+              <a:t>да</a:t>
+            </a:r>
+            <a:r>
+              <a:rPr lang="en-US" dirty="0">
+                <a:solidFill>
+                  <a:schemeClr val="tx1">
+                    <a:lumMod val="95000"/>
+                  </a:schemeClr>
+                </a:solidFill>
+              </a:rPr>
+              <a:t> </a:t>
+            </a:r>
+            <a:r>
+              <a:rPr lang="en-US" dirty="0" err="1">
+                <a:solidFill>
+                  <a:schemeClr val="tx1">
+                    <a:lumMod val="95000"/>
+                  </a:schemeClr>
+                </a:solidFill>
+              </a:rPr>
+              <a:t>попълни</a:t>
+            </a:r>
+            <a:r>
+              <a:rPr lang="en-US" dirty="0">
+                <a:solidFill>
+                  <a:schemeClr val="tx1">
+                    <a:lumMod val="95000"/>
+                  </a:schemeClr>
+                </a:solidFill>
+              </a:rPr>
+              <a:t> </a:t>
+            </a:r>
+            <a:r>
+              <a:rPr lang="en-US" dirty="0" err="1">
+                <a:solidFill>
+                  <a:schemeClr val="tx1">
+                    <a:lumMod val="95000"/>
+                  </a:schemeClr>
+                </a:solidFill>
+              </a:rPr>
+              <a:t>заглавие</a:t>
+            </a:r>
+            <a:r>
+              <a:rPr lang="en-US" dirty="0">
+                <a:solidFill>
+                  <a:schemeClr val="tx1">
+                    <a:lumMod val="95000"/>
+                  </a:schemeClr>
+                </a:solidFill>
+              </a:rPr>
+              <a:t> </a:t>
+            </a:r>
+            <a:r>
+              <a:rPr lang="en-US" dirty="0" err="1">
+                <a:solidFill>
+                  <a:schemeClr val="tx1">
+                    <a:lumMod val="95000"/>
+                  </a:schemeClr>
+                </a:solidFill>
+              </a:rPr>
+              <a:t>на</a:t>
+            </a:r>
+            <a:r>
+              <a:rPr lang="en-US" dirty="0">
+                <a:solidFill>
+                  <a:schemeClr val="tx1">
+                    <a:lumMod val="95000"/>
+                  </a:schemeClr>
+                </a:solidFill>
+              </a:rPr>
+              <a:t> </a:t>
+            </a:r>
+            <a:r>
+              <a:rPr lang="en-US" dirty="0" err="1">
+                <a:solidFill>
+                  <a:schemeClr val="tx1">
+                    <a:lumMod val="95000"/>
+                  </a:schemeClr>
+                </a:solidFill>
+              </a:rPr>
+              <a:t>заниманието</a:t>
+            </a:r>
+            <a:r>
+              <a:rPr lang="en-US" dirty="0">
+                <a:solidFill>
+                  <a:schemeClr val="tx1">
+                    <a:lumMod val="95000"/>
+                  </a:schemeClr>
+                </a:solidFill>
+              </a:rPr>
+              <a:t>, </a:t>
+            </a:r>
+            <a:r>
+              <a:rPr lang="en-US" dirty="0" err="1">
+                <a:solidFill>
+                  <a:schemeClr val="tx1">
+                    <a:lumMod val="95000"/>
+                  </a:schemeClr>
+                </a:solidFill>
+              </a:rPr>
+              <a:t>което</a:t>
+            </a:r>
+            <a:r>
+              <a:rPr lang="en-US" dirty="0">
+                <a:solidFill>
+                  <a:schemeClr val="tx1">
+                    <a:lumMod val="95000"/>
+                  </a:schemeClr>
+                </a:solidFill>
+              </a:rPr>
+              <a:t> </a:t>
+            </a:r>
+            <a:r>
+              <a:rPr lang="en-US" dirty="0" err="1">
+                <a:solidFill>
+                  <a:schemeClr val="tx1">
+                    <a:lumMod val="95000"/>
+                  </a:schemeClr>
+                </a:solidFill>
+              </a:rPr>
+              <a:t>ще</a:t>
+            </a:r>
+            <a:r>
+              <a:rPr lang="en-US" dirty="0">
+                <a:solidFill>
+                  <a:schemeClr val="tx1">
+                    <a:lumMod val="95000"/>
+                  </a:schemeClr>
+                </a:solidFill>
+              </a:rPr>
+              <a:t> </a:t>
+            </a:r>
+            <a:r>
+              <a:rPr lang="en-US" dirty="0" err="1">
+                <a:solidFill>
+                  <a:schemeClr val="tx1">
+                    <a:lumMod val="95000"/>
+                  </a:schemeClr>
+                </a:solidFill>
+              </a:rPr>
+              <a:t>се</a:t>
+            </a:r>
+            <a:r>
+              <a:rPr lang="en-US" dirty="0">
+                <a:solidFill>
+                  <a:schemeClr val="tx1">
+                    <a:lumMod val="95000"/>
+                  </a:schemeClr>
+                </a:solidFill>
+              </a:rPr>
+              <a:t> </a:t>
+            </a:r>
+            <a:r>
+              <a:rPr lang="en-US" dirty="0" err="1">
+                <a:solidFill>
+                  <a:schemeClr val="tx1">
+                    <a:lumMod val="95000"/>
+                  </a:schemeClr>
+                </a:solidFill>
+              </a:rPr>
+              <a:t>провежда</a:t>
+            </a:r>
+            <a:r>
+              <a:rPr lang="en-US" dirty="0">
+                <a:solidFill>
+                  <a:schemeClr val="tx1">
+                    <a:lumMod val="95000"/>
+                  </a:schemeClr>
+                </a:solidFill>
+              </a:rPr>
+              <a:t>, </a:t>
+            </a:r>
+            <a:r>
+              <a:rPr lang="en-US" dirty="0" err="1">
+                <a:solidFill>
+                  <a:schemeClr val="tx1">
+                    <a:lumMod val="95000"/>
+                  </a:schemeClr>
+                </a:solidFill>
+              </a:rPr>
+              <a:t>курс</a:t>
+            </a:r>
+            <a:r>
+              <a:rPr lang="en-US" dirty="0">
+                <a:solidFill>
+                  <a:schemeClr val="tx1">
+                    <a:lumMod val="95000"/>
+                  </a:schemeClr>
+                </a:solidFill>
+              </a:rPr>
+              <a:t> и </a:t>
+            </a:r>
+            <a:r>
+              <a:rPr lang="en-US" dirty="0" err="1">
+                <a:solidFill>
+                  <a:schemeClr val="tx1">
+                    <a:lumMod val="95000"/>
+                  </a:schemeClr>
+                </a:solidFill>
+              </a:rPr>
+              <a:t>специалност</a:t>
+            </a:r>
+            <a:r>
+              <a:rPr lang="en-US" dirty="0">
+                <a:solidFill>
+                  <a:schemeClr val="tx1">
+                    <a:lumMod val="95000"/>
+                  </a:schemeClr>
+                </a:solidFill>
+              </a:rPr>
+              <a:t>. В </a:t>
+            </a:r>
+            <a:r>
+              <a:rPr lang="en-US" dirty="0" err="1">
+                <a:solidFill>
+                  <a:schemeClr val="tx1">
+                    <a:lumMod val="95000"/>
+                  </a:schemeClr>
+                </a:solidFill>
+              </a:rPr>
+              <a:t>резултат</a:t>
+            </a:r>
+            <a:r>
+              <a:rPr lang="en-US" dirty="0">
+                <a:solidFill>
+                  <a:schemeClr val="tx1">
+                    <a:lumMod val="95000"/>
+                  </a:schemeClr>
+                </a:solidFill>
+              </a:rPr>
+              <a:t> </a:t>
+            </a:r>
+            <a:r>
+              <a:rPr lang="en-US" dirty="0" err="1">
+                <a:solidFill>
+                  <a:schemeClr val="tx1">
+                    <a:lumMod val="95000"/>
+                  </a:schemeClr>
+                </a:solidFill>
+              </a:rPr>
+              <a:t>системата</a:t>
+            </a:r>
+            <a:r>
+              <a:rPr lang="en-US" dirty="0">
+                <a:solidFill>
+                  <a:schemeClr val="tx1">
+                    <a:lumMod val="95000"/>
+                  </a:schemeClr>
+                </a:solidFill>
+              </a:rPr>
+              <a:t> </a:t>
+            </a:r>
+            <a:r>
+              <a:rPr lang="bg-BG" dirty="0">
+                <a:solidFill>
+                  <a:schemeClr val="tx1">
+                    <a:lumMod val="95000"/>
+                  </a:schemeClr>
+                </a:solidFill>
+              </a:rPr>
+              <a:t>изпраща до администратора поискването на лектора и той преценява дали да запази тази зала за него или не.</a:t>
+            </a:r>
+          </a:p>
+          <a:p>
+            <a:endParaRPr lang="bg-BG" b="1" dirty="0">
+              <a:solidFill>
+                <a:schemeClr val="tx1">
+                  <a:lumMod val="95000"/>
+                </a:schemeClr>
+              </a:solidFill>
+            </a:endParaRPr>
+          </a:p>
+          <a:p>
+            <a:r>
+              <a:rPr lang="bg-BG" b="1" dirty="0">
+                <a:solidFill>
+                  <a:schemeClr val="tx1">
+                    <a:lumMod val="95000"/>
+                  </a:schemeClr>
+                </a:solidFill>
+              </a:rPr>
+              <a:t>Екипно р</a:t>
+            </a:r>
+            <a:r>
+              <a:rPr lang="en-US" b="1" dirty="0" err="1">
+                <a:solidFill>
+                  <a:schemeClr val="tx1">
+                    <a:lumMod val="95000"/>
+                  </a:schemeClr>
+                </a:solidFill>
+              </a:rPr>
+              <a:t>ешихме</a:t>
+            </a:r>
+            <a:r>
+              <a:rPr lang="en-US" b="1" dirty="0">
+                <a:solidFill>
+                  <a:schemeClr val="tx1">
+                    <a:lumMod val="95000"/>
+                  </a:schemeClr>
+                </a:solidFill>
+              </a:rPr>
+              <a:t> </a:t>
+            </a:r>
+            <a:r>
+              <a:rPr lang="en-US" b="1" dirty="0" err="1">
+                <a:solidFill>
+                  <a:schemeClr val="tx1">
+                    <a:lumMod val="95000"/>
+                  </a:schemeClr>
+                </a:solidFill>
+              </a:rPr>
+              <a:t>да</a:t>
+            </a:r>
+            <a:r>
+              <a:rPr lang="en-US" b="1" dirty="0">
+                <a:solidFill>
+                  <a:schemeClr val="tx1">
+                    <a:lumMod val="95000"/>
+                  </a:schemeClr>
+                </a:solidFill>
+              </a:rPr>
+              <a:t> </a:t>
+            </a:r>
+            <a:r>
+              <a:rPr lang="en-US" b="1" dirty="0" err="1">
+                <a:solidFill>
+                  <a:schemeClr val="tx1">
+                    <a:lumMod val="95000"/>
+                  </a:schemeClr>
+                </a:solidFill>
+              </a:rPr>
+              <a:t>приоритизираме</a:t>
+            </a:r>
+            <a:r>
+              <a:rPr lang="en-US" b="1" dirty="0">
+                <a:solidFill>
+                  <a:schemeClr val="tx1">
+                    <a:lumMod val="95000"/>
+                  </a:schemeClr>
+                </a:solidFill>
+              </a:rPr>
+              <a:t> </a:t>
+            </a:r>
+            <a:r>
+              <a:rPr lang="bg-BG" b="1" dirty="0">
+                <a:solidFill>
+                  <a:schemeClr val="tx1">
+                    <a:lumMod val="95000"/>
+                  </a:schemeClr>
+                </a:solidFill>
+              </a:rPr>
+              <a:t>всички пълни описания на потребителските случаи по това колко често ще се използват в информационната система за разпределение на зали</a:t>
+            </a:r>
+          </a:p>
+          <a:p>
+            <a:endParaRPr lang="bg-BG" dirty="0">
+              <a:solidFill>
+                <a:schemeClr val="tx1">
+                  <a:lumMod val="95000"/>
+                </a:schemeClr>
+              </a:solidFill>
+            </a:endParaRPr>
+          </a:p>
+        </p:txBody>
+      </p:sp>
     </p:spTree>
     <p:extLst>
       <p:ext uri="{BB962C8B-B14F-4D97-AF65-F5344CB8AC3E}">
-        <p14:creationId xmlns:p14="http://schemas.microsoft.com/office/powerpoint/2010/main" val="1453874193"/>
+        <p14:creationId xmlns:p14="http://schemas.microsoft.com/office/powerpoint/2010/main" val="3210001123"/>
       </p:ext>
     </p:extLst>
   </p:cSld>
@@ -11033,12 +11832,12 @@
         <p:spPr>
           <a:xfrm>
             <a:off x="776680" y="1458931"/>
-            <a:ext cx="8534400" cy="4311342"/>
+            <a:ext cx="8534400" cy="5061942"/>
           </a:xfrm>
         </p:spPr>
         <p:txBody>
           <a:bodyPr>
-            <a:normAutofit lnSpcReduction="10000"/>
+            <a:normAutofit fontScale="92500" lnSpcReduction="10000"/>
           </a:bodyPr>
           <a:lstStyle/>
           <a:p>
@@ -11050,33 +11849,93 @@
                   </a:schemeClr>
                 </a:solidFill>
               </a:rPr>
-              <a:t>Най – важна функционалност: </a:t>
-            </a:r>
-          </a:p>
-          <a:p>
-            <a:pPr lvl="1" fontAlgn="base"/>
-            <a:r>
-              <a:rPr lang="en-US" b="1" dirty="0" err="1">
-                <a:solidFill>
-                  <a:schemeClr val="tx1">
-                    <a:lumMod val="95000"/>
-                  </a:schemeClr>
-                </a:solidFill>
-              </a:rPr>
-              <a:t>Поискване</a:t>
-            </a:r>
-            <a:r>
-              <a:rPr lang="en-US" b="1" dirty="0">
-                <a:solidFill>
-                  <a:schemeClr val="tx1">
-                    <a:lumMod val="95000"/>
-                  </a:schemeClr>
-                </a:solidFill>
-              </a:rPr>
-              <a:t> </a:t>
-            </a:r>
-            <a:r>
-              <a:rPr lang="en-US" b="1" dirty="0" err="1">
+              <a:t>Други функционалности: </a:t>
+            </a:r>
+          </a:p>
+          <a:p>
+            <a:pPr lvl="1"/>
+            <a:r>
+              <a:rPr lang="en-US" sz="2000" b="1" dirty="0" err="1">
+                <a:solidFill>
+                  <a:schemeClr val="tx1">
+                    <a:lumMod val="95000"/>
+                  </a:schemeClr>
+                </a:solidFill>
+              </a:rPr>
+              <a:t>Вход</a:t>
+            </a:r>
+            <a:r>
+              <a:rPr lang="en-US" sz="2000" b="1" dirty="0">
+                <a:solidFill>
+                  <a:schemeClr val="tx1">
+                    <a:lumMod val="95000"/>
+                  </a:schemeClr>
+                </a:solidFill>
+              </a:rPr>
+              <a:t> в </a:t>
+            </a:r>
+            <a:r>
+              <a:rPr lang="en-US" sz="2000" b="1" dirty="0" err="1">
+                <a:solidFill>
+                  <a:schemeClr val="tx1">
+                    <a:lumMod val="95000"/>
+                  </a:schemeClr>
+                </a:solidFill>
+              </a:rPr>
+              <a:t>системата</a:t>
+            </a:r>
+            <a:endParaRPr lang="en-US" sz="2000" dirty="0">
+              <a:solidFill>
+                <a:schemeClr val="tx1">
+                  <a:lumMod val="95000"/>
+                </a:schemeClr>
+              </a:solidFill>
+            </a:endParaRPr>
+          </a:p>
+          <a:p>
+            <a:pPr lvl="1"/>
+            <a:r>
+              <a:rPr lang="en-US" sz="2000" dirty="0" err="1">
+                <a:solidFill>
+                  <a:schemeClr val="tx1">
+                    <a:lumMod val="95000"/>
+                  </a:schemeClr>
+                </a:solidFill>
+              </a:rPr>
+              <a:t>Всеки</a:t>
+            </a:r>
+            <a:r>
+              <a:rPr lang="en-US" sz="2000" dirty="0">
+                <a:solidFill>
+                  <a:schemeClr val="tx1">
+                    <a:lumMod val="95000"/>
+                  </a:schemeClr>
+                </a:solidFill>
+              </a:rPr>
+              <a:t> </a:t>
+            </a:r>
+            <a:r>
+              <a:rPr lang="en-US" sz="2000" dirty="0" err="1">
+                <a:solidFill>
+                  <a:schemeClr val="tx1">
+                    <a:lumMod val="95000"/>
+                  </a:schemeClr>
+                </a:solidFill>
+              </a:rPr>
+              <a:t>потребител</a:t>
+            </a:r>
+            <a:r>
+              <a:rPr lang="en-US" sz="2000" dirty="0">
+                <a:solidFill>
+                  <a:schemeClr val="tx1">
+                    <a:lumMod val="95000"/>
+                  </a:schemeClr>
+                </a:solidFill>
+              </a:rPr>
+              <a:t> </a:t>
+            </a:r>
+            <a:r>
+              <a:rPr lang="en-US" sz="2000" dirty="0" err="1">
                 <a:solidFill>
                   <a:schemeClr val="tx1">
                     <a:lumMod val="95000"/>
@@ -11086,17 +11945,469 @@
               <a:t>на</a:t>
             </a:r>
             <a:r>
-              <a:rPr lang="en-US" b="1" dirty="0">
-                <a:solidFill>
-                  <a:schemeClr val="tx1">
-                    <a:lumMod val="95000"/>
-                  </a:schemeClr>
-                </a:solidFill>
-              </a:rPr>
-              <a:t> </a:t>
-            </a:r>
-            <a:r>
-              <a:rPr lang="en-US" b="1" dirty="0" err="1">
+              <a:rPr lang="en-US" sz="2000" dirty="0">
+                <a:solidFill>
+                  <a:schemeClr val="tx1">
+                    <a:lumMod val="95000"/>
+                  </a:schemeClr>
+                </a:solidFill>
+              </a:rPr>
+              <a:t> </a:t>
+            </a:r>
+            <a:r>
+              <a:rPr lang="en-US" sz="2000" dirty="0" err="1">
+                <a:solidFill>
+                  <a:schemeClr val="tx1">
+                    <a:lumMod val="95000"/>
+                  </a:schemeClr>
+                </a:solidFill>
+              </a:rPr>
+              <a:t>информационната</a:t>
+            </a:r>
+            <a:r>
+              <a:rPr lang="en-US" sz="2000" dirty="0">
+                <a:solidFill>
+                  <a:schemeClr val="tx1">
+                    <a:lumMod val="95000"/>
+                  </a:schemeClr>
+                </a:solidFill>
+              </a:rPr>
+              <a:t> </a:t>
+            </a:r>
+            <a:r>
+              <a:rPr lang="en-US" sz="2000" dirty="0" err="1">
+                <a:solidFill>
+                  <a:schemeClr val="tx1">
+                    <a:lumMod val="95000"/>
+                  </a:schemeClr>
+                </a:solidFill>
+              </a:rPr>
+              <a:t>система</a:t>
+            </a:r>
+            <a:r>
+              <a:rPr lang="en-US" sz="2000" dirty="0">
+                <a:solidFill>
+                  <a:schemeClr val="tx1">
+                    <a:lumMod val="95000"/>
+                  </a:schemeClr>
+                </a:solidFill>
+              </a:rPr>
+              <a:t> </a:t>
+            </a:r>
+            <a:r>
+              <a:rPr lang="en-US" sz="2000" dirty="0" err="1">
+                <a:solidFill>
+                  <a:schemeClr val="tx1">
+                    <a:lumMod val="95000"/>
+                  </a:schemeClr>
+                </a:solidFill>
+              </a:rPr>
+              <a:t>трябва</a:t>
+            </a:r>
+            <a:r>
+              <a:rPr lang="en-US" sz="2000" dirty="0">
+                <a:solidFill>
+                  <a:schemeClr val="tx1">
+                    <a:lumMod val="95000"/>
+                  </a:schemeClr>
+                </a:solidFill>
+              </a:rPr>
+              <a:t> </a:t>
+            </a:r>
+            <a:r>
+              <a:rPr lang="en-US" sz="2000" dirty="0" err="1">
+                <a:solidFill>
+                  <a:schemeClr val="tx1">
+                    <a:lumMod val="95000"/>
+                  </a:schemeClr>
+                </a:solidFill>
+              </a:rPr>
+              <a:t>да</a:t>
+            </a:r>
+            <a:r>
+              <a:rPr lang="en-US" sz="2000" dirty="0">
+                <a:solidFill>
+                  <a:schemeClr val="tx1">
+                    <a:lumMod val="95000"/>
+                  </a:schemeClr>
+                </a:solidFill>
+              </a:rPr>
+              <a:t> </a:t>
+            </a:r>
+            <a:r>
+              <a:rPr lang="en-US" sz="2000" dirty="0" err="1">
+                <a:solidFill>
+                  <a:schemeClr val="tx1">
+                    <a:lumMod val="95000"/>
+                  </a:schemeClr>
+                </a:solidFill>
+              </a:rPr>
+              <a:t>може</a:t>
+            </a:r>
+            <a:r>
+              <a:rPr lang="en-US" sz="2000" dirty="0">
+                <a:solidFill>
+                  <a:schemeClr val="tx1">
+                    <a:lumMod val="95000"/>
+                  </a:schemeClr>
+                </a:solidFill>
+              </a:rPr>
+              <a:t> </a:t>
+            </a:r>
+            <a:r>
+              <a:rPr lang="en-US" sz="2000" dirty="0" err="1">
+                <a:solidFill>
+                  <a:schemeClr val="tx1">
+                    <a:lumMod val="95000"/>
+                  </a:schemeClr>
+                </a:solidFill>
+              </a:rPr>
+              <a:t>да</a:t>
+            </a:r>
+            <a:r>
+              <a:rPr lang="en-US" sz="2000" dirty="0">
+                <a:solidFill>
+                  <a:schemeClr val="tx1">
+                    <a:lumMod val="95000"/>
+                  </a:schemeClr>
+                </a:solidFill>
+              </a:rPr>
+              <a:t> </a:t>
+            </a:r>
+            <a:r>
+              <a:rPr lang="en-US" sz="2000" dirty="0" err="1">
+                <a:solidFill>
+                  <a:schemeClr val="tx1">
+                    <a:lumMod val="95000"/>
+                  </a:schemeClr>
+                </a:solidFill>
+              </a:rPr>
+              <a:t>влезе</a:t>
+            </a:r>
+            <a:r>
+              <a:rPr lang="en-US" sz="2000" dirty="0">
+                <a:solidFill>
+                  <a:schemeClr val="tx1">
+                    <a:lumMod val="95000"/>
+                  </a:schemeClr>
+                </a:solidFill>
+              </a:rPr>
+              <a:t> в </a:t>
+            </a:r>
+            <a:r>
+              <a:rPr lang="en-US" sz="2000" dirty="0" err="1">
+                <a:solidFill>
+                  <a:schemeClr val="tx1">
+                    <a:lumMod val="95000"/>
+                  </a:schemeClr>
+                </a:solidFill>
+              </a:rPr>
+              <a:t>нея</a:t>
+            </a:r>
+            <a:r>
+              <a:rPr lang="en-US" sz="2000" dirty="0">
+                <a:solidFill>
+                  <a:schemeClr val="tx1">
+                    <a:lumMod val="95000"/>
+                  </a:schemeClr>
+                </a:solidFill>
+              </a:rPr>
+              <a:t>. </a:t>
+            </a:r>
+            <a:r>
+              <a:rPr lang="en-US" sz="2000" dirty="0" err="1">
+                <a:solidFill>
+                  <a:schemeClr val="tx1">
+                    <a:lumMod val="95000"/>
+                  </a:schemeClr>
+                </a:solidFill>
+              </a:rPr>
+              <a:t>След</a:t>
+            </a:r>
+            <a:r>
+              <a:rPr lang="en-US" sz="2000" dirty="0">
+                <a:solidFill>
+                  <a:schemeClr val="tx1">
+                    <a:lumMod val="95000"/>
+                  </a:schemeClr>
+                </a:solidFill>
+              </a:rPr>
+              <a:t> </a:t>
+            </a:r>
+            <a:r>
+              <a:rPr lang="en-US" sz="2000" dirty="0" err="1">
+                <a:solidFill>
+                  <a:schemeClr val="tx1">
+                    <a:lumMod val="95000"/>
+                  </a:schemeClr>
+                </a:solidFill>
+              </a:rPr>
+              <a:t>успешно</a:t>
+            </a:r>
+            <a:r>
+              <a:rPr lang="en-US" sz="2000" dirty="0">
+                <a:solidFill>
+                  <a:schemeClr val="tx1">
+                    <a:lumMod val="95000"/>
+                  </a:schemeClr>
+                </a:solidFill>
+              </a:rPr>
+              <a:t> </a:t>
+            </a:r>
+            <a:r>
+              <a:rPr lang="en-US" sz="2000" dirty="0" err="1">
+                <a:solidFill>
+                  <a:schemeClr val="tx1">
+                    <a:lumMod val="95000"/>
+                  </a:schemeClr>
+                </a:solidFill>
+              </a:rPr>
+              <a:t>влизане</a:t>
+            </a:r>
+            <a:r>
+              <a:rPr lang="en-US" sz="2000" dirty="0">
+                <a:solidFill>
+                  <a:schemeClr val="tx1">
+                    <a:lumMod val="95000"/>
+                  </a:schemeClr>
+                </a:solidFill>
+              </a:rPr>
+              <a:t> в </a:t>
+            </a:r>
+            <a:r>
+              <a:rPr lang="en-US" sz="2000" dirty="0" err="1">
+                <a:solidFill>
+                  <a:schemeClr val="tx1">
+                    <a:lumMod val="95000"/>
+                  </a:schemeClr>
+                </a:solidFill>
+              </a:rPr>
+              <a:t>системата</a:t>
+            </a:r>
+            <a:r>
+              <a:rPr lang="en-US" sz="2000" dirty="0">
+                <a:solidFill>
+                  <a:schemeClr val="tx1">
+                    <a:lumMod val="95000"/>
+                  </a:schemeClr>
+                </a:solidFill>
+              </a:rPr>
+              <a:t>, в </a:t>
+            </a:r>
+            <a:r>
+              <a:rPr lang="en-US" sz="2000" dirty="0" err="1">
+                <a:solidFill>
+                  <a:schemeClr val="tx1">
+                    <a:lumMod val="95000"/>
+                  </a:schemeClr>
+                </a:solidFill>
+              </a:rPr>
+              <a:t>зависимост</a:t>
+            </a:r>
+            <a:r>
+              <a:rPr lang="en-US" sz="2000" dirty="0">
+                <a:solidFill>
+                  <a:schemeClr val="tx1">
+                    <a:lumMod val="95000"/>
+                  </a:schemeClr>
+                </a:solidFill>
+              </a:rPr>
+              <a:t> </a:t>
+            </a:r>
+            <a:r>
+              <a:rPr lang="en-US" sz="2000" dirty="0" err="1">
+                <a:solidFill>
+                  <a:schemeClr val="tx1">
+                    <a:lumMod val="95000"/>
+                  </a:schemeClr>
+                </a:solidFill>
+              </a:rPr>
+              <a:t>от</a:t>
+            </a:r>
+            <a:r>
+              <a:rPr lang="en-US" sz="2000" dirty="0">
+                <a:solidFill>
+                  <a:schemeClr val="tx1">
+                    <a:lumMod val="95000"/>
+                  </a:schemeClr>
+                </a:solidFill>
+              </a:rPr>
+              <a:t> </a:t>
+            </a:r>
+            <a:r>
+              <a:rPr lang="en-US" sz="2000" dirty="0" err="1">
+                <a:solidFill>
+                  <a:schemeClr val="tx1">
+                    <a:lumMod val="95000"/>
+                  </a:schemeClr>
+                </a:solidFill>
+              </a:rPr>
+              <a:t>ролята</a:t>
+            </a:r>
+            <a:r>
+              <a:rPr lang="en-US" sz="2000" dirty="0">
+                <a:solidFill>
+                  <a:schemeClr val="tx1">
+                    <a:lumMod val="95000"/>
+                  </a:schemeClr>
+                </a:solidFill>
+              </a:rPr>
+              <a:t>, </a:t>
+            </a:r>
+            <a:r>
+              <a:rPr lang="en-US" sz="2000" dirty="0" err="1">
+                <a:solidFill>
+                  <a:schemeClr val="tx1">
+                    <a:lumMod val="95000"/>
+                  </a:schemeClr>
+                </a:solidFill>
+              </a:rPr>
+              <a:t>потребителят</a:t>
+            </a:r>
+            <a:r>
+              <a:rPr lang="en-US" sz="2000" dirty="0">
+                <a:solidFill>
+                  <a:schemeClr val="tx1">
+                    <a:lumMod val="95000"/>
+                  </a:schemeClr>
+                </a:solidFill>
+              </a:rPr>
+              <a:t> </a:t>
+            </a:r>
+            <a:r>
+              <a:rPr lang="en-US" sz="2000" dirty="0" err="1">
+                <a:solidFill>
+                  <a:schemeClr val="tx1">
+                    <a:lumMod val="95000"/>
+                  </a:schemeClr>
+                </a:solidFill>
+              </a:rPr>
+              <a:t>има</a:t>
+            </a:r>
+            <a:r>
+              <a:rPr lang="en-US" sz="2000" dirty="0">
+                <a:solidFill>
+                  <a:schemeClr val="tx1">
+                    <a:lumMod val="95000"/>
+                  </a:schemeClr>
+                </a:solidFill>
+              </a:rPr>
+              <a:t> </a:t>
+            </a:r>
+            <a:r>
+              <a:rPr lang="en-US" sz="2000" dirty="0" err="1">
+                <a:solidFill>
+                  <a:schemeClr val="tx1">
+                    <a:lumMod val="95000"/>
+                  </a:schemeClr>
+                </a:solidFill>
+              </a:rPr>
+              <a:t>различни</a:t>
+            </a:r>
+            <a:r>
+              <a:rPr lang="en-US" sz="2000" dirty="0">
+                <a:solidFill>
+                  <a:schemeClr val="tx1">
+                    <a:lumMod val="95000"/>
+                  </a:schemeClr>
+                </a:solidFill>
+              </a:rPr>
+              <a:t> </a:t>
+            </a:r>
+            <a:r>
+              <a:rPr lang="en-US" sz="2000" dirty="0" err="1">
+                <a:solidFill>
+                  <a:schemeClr val="tx1">
+                    <a:lumMod val="95000"/>
+                  </a:schemeClr>
+                </a:solidFill>
+              </a:rPr>
+              <a:t>възможности</a:t>
+            </a:r>
+            <a:r>
+              <a:rPr lang="en-US" sz="2000" dirty="0">
+                <a:solidFill>
+                  <a:schemeClr val="tx1">
+                    <a:lumMod val="95000"/>
+                  </a:schemeClr>
+                </a:solidFill>
+              </a:rPr>
+              <a:t> и </a:t>
+            </a:r>
+            <a:r>
+              <a:rPr lang="en-US" sz="2000" dirty="0" err="1">
+                <a:solidFill>
+                  <a:schemeClr val="tx1">
+                    <a:lumMod val="95000"/>
+                  </a:schemeClr>
+                </a:solidFill>
+              </a:rPr>
+              <a:t>права</a:t>
+            </a:r>
+            <a:r>
+              <a:rPr lang="en-US" sz="2000" dirty="0">
+                <a:solidFill>
+                  <a:schemeClr val="tx1">
+                    <a:lumMod val="95000"/>
+                  </a:schemeClr>
+                </a:solidFill>
+              </a:rPr>
+              <a:t>.</a:t>
+            </a:r>
+          </a:p>
+          <a:p>
+            <a:endParaRPr lang="bg-BG" b="1" dirty="0">
+              <a:solidFill>
+                <a:schemeClr val="tx1">
+                  <a:lumMod val="95000"/>
+                </a:schemeClr>
+              </a:solidFill>
+            </a:endParaRPr>
+          </a:p>
+          <a:p>
+            <a:pPr lvl="1"/>
+            <a:r>
+              <a:rPr lang="en-US" sz="2100" b="1" dirty="0" err="1">
+                <a:solidFill>
+                  <a:schemeClr val="tx1">
+                    <a:lumMod val="95000"/>
+                  </a:schemeClr>
+                </a:solidFill>
+              </a:rPr>
+              <a:t>Редактиране</a:t>
+            </a:r>
+            <a:r>
+              <a:rPr lang="en-US" sz="2100" b="1" dirty="0">
+                <a:solidFill>
+                  <a:schemeClr val="tx1">
+                    <a:lumMod val="95000"/>
+                  </a:schemeClr>
+                </a:solidFill>
+              </a:rPr>
+              <a:t> </a:t>
+            </a:r>
+            <a:r>
+              <a:rPr lang="en-US" sz="2100" b="1" dirty="0" err="1">
+                <a:solidFill>
+                  <a:schemeClr val="tx1">
+                    <a:lumMod val="95000"/>
+                  </a:schemeClr>
+                </a:solidFill>
+              </a:rPr>
+              <a:t>на</a:t>
+            </a:r>
+            <a:r>
+              <a:rPr lang="en-US" sz="2100" b="1" dirty="0">
+                <a:solidFill>
+                  <a:schemeClr val="tx1">
+                    <a:lumMod val="95000"/>
+                  </a:schemeClr>
+                </a:solidFill>
+              </a:rPr>
+              <a:t> </a:t>
+            </a:r>
+            <a:r>
+              <a:rPr lang="en-US" sz="2100" b="1" dirty="0" err="1">
                 <a:solidFill>
                   <a:schemeClr val="tx1">
                     <a:lumMod val="95000"/>
@@ -11106,17 +12417,607 @@
               <a:t>резервация</a:t>
             </a:r>
             <a:r>
-              <a:rPr lang="en-US" b="1" dirty="0">
-                <a:solidFill>
-                  <a:schemeClr val="tx1">
-                    <a:lumMod val="95000"/>
-                  </a:schemeClr>
-                </a:solidFill>
-              </a:rPr>
-              <a:t> </a:t>
-            </a:r>
-            <a:r>
-              <a:rPr lang="en-US" b="1" dirty="0" err="1">
+              <a:rPr lang="en-US" sz="2100" b="1" dirty="0">
+                <a:solidFill>
+                  <a:schemeClr val="tx1">
+                    <a:lumMod val="95000"/>
+                  </a:schemeClr>
+                </a:solidFill>
+              </a:rPr>
+              <a:t> </a:t>
+            </a:r>
+            <a:r>
+              <a:rPr lang="en-US" sz="2100" b="1" dirty="0" err="1">
+                <a:solidFill>
+                  <a:schemeClr val="tx1">
+                    <a:lumMod val="95000"/>
+                  </a:schemeClr>
+                </a:solidFill>
+              </a:rPr>
+              <a:t>от</a:t>
+            </a:r>
+            <a:r>
+              <a:rPr lang="en-US" sz="2100" b="1" dirty="0">
+                <a:solidFill>
+                  <a:schemeClr val="tx1">
+                    <a:lumMod val="95000"/>
+                  </a:schemeClr>
+                </a:solidFill>
+              </a:rPr>
+              <a:t> </a:t>
+            </a:r>
+            <a:r>
+              <a:rPr lang="en-US" sz="2100" b="1" dirty="0" err="1">
+                <a:solidFill>
+                  <a:schemeClr val="tx1">
+                    <a:lumMod val="95000"/>
+                  </a:schemeClr>
+                </a:solidFill>
+              </a:rPr>
+              <a:t>лектор</a:t>
+            </a:r>
+            <a:r>
+              <a:rPr lang="en-US" sz="2100" b="1" dirty="0">
+                <a:solidFill>
+                  <a:schemeClr val="tx1">
+                    <a:lumMod val="95000"/>
+                  </a:schemeClr>
+                </a:solidFill>
+              </a:rPr>
+              <a:t>.</a:t>
+            </a:r>
+            <a:endParaRPr lang="en-US" sz="2100" dirty="0">
+              <a:solidFill>
+                <a:schemeClr val="tx1">
+                  <a:lumMod val="95000"/>
+                </a:schemeClr>
+              </a:solidFill>
+            </a:endParaRPr>
+          </a:p>
+          <a:p>
+            <a:pPr lvl="1"/>
+            <a:r>
+              <a:rPr lang="en-US" sz="2100" dirty="0" err="1">
+                <a:solidFill>
+                  <a:schemeClr val="tx1">
+                    <a:lumMod val="95000"/>
+                  </a:schemeClr>
+                </a:solidFill>
+              </a:rPr>
+              <a:t>Лекторът</a:t>
+            </a:r>
+            <a:r>
+              <a:rPr lang="en-US" sz="2100" dirty="0">
+                <a:solidFill>
+                  <a:schemeClr val="tx1">
+                    <a:lumMod val="95000"/>
+                  </a:schemeClr>
+                </a:solidFill>
+              </a:rPr>
+              <a:t>, </a:t>
+            </a:r>
+            <a:r>
+              <a:rPr lang="en-US" sz="2100" dirty="0" err="1">
+                <a:solidFill>
+                  <a:schemeClr val="tx1">
+                    <a:lumMod val="95000"/>
+                  </a:schemeClr>
+                </a:solidFill>
+              </a:rPr>
+              <a:t>който</a:t>
+            </a:r>
+            <a:r>
+              <a:rPr lang="en-US" sz="2100" dirty="0">
+                <a:solidFill>
+                  <a:schemeClr val="tx1">
+                    <a:lumMod val="95000"/>
+                  </a:schemeClr>
+                </a:solidFill>
+              </a:rPr>
+              <a:t> е </a:t>
+            </a:r>
+            <a:r>
+              <a:rPr lang="en-US" sz="2100" dirty="0" err="1">
+                <a:solidFill>
+                  <a:schemeClr val="tx1">
+                    <a:lumMod val="95000"/>
+                  </a:schemeClr>
+                </a:solidFill>
+              </a:rPr>
+              <a:t>запазил</a:t>
+            </a:r>
+            <a:r>
+              <a:rPr lang="en-US" sz="2100" dirty="0">
+                <a:solidFill>
+                  <a:schemeClr val="tx1">
+                    <a:lumMod val="95000"/>
+                  </a:schemeClr>
+                </a:solidFill>
+              </a:rPr>
+              <a:t> </a:t>
+            </a:r>
+            <a:r>
+              <a:rPr lang="en-US" sz="2100" dirty="0" err="1">
+                <a:solidFill>
+                  <a:schemeClr val="tx1">
+                    <a:lumMod val="95000"/>
+                  </a:schemeClr>
+                </a:solidFill>
+              </a:rPr>
+              <a:t>зала</a:t>
+            </a:r>
+            <a:r>
+              <a:rPr lang="en-US" sz="2100" dirty="0">
+                <a:solidFill>
+                  <a:schemeClr val="tx1">
+                    <a:lumMod val="95000"/>
+                  </a:schemeClr>
+                </a:solidFill>
+              </a:rPr>
+              <a:t>, </a:t>
+            </a:r>
+            <a:r>
+              <a:rPr lang="en-US" sz="2100" dirty="0" err="1">
+                <a:solidFill>
+                  <a:schemeClr val="tx1">
+                    <a:lumMod val="95000"/>
+                  </a:schemeClr>
+                </a:solidFill>
+              </a:rPr>
+              <a:t>има</a:t>
+            </a:r>
+            <a:r>
+              <a:rPr lang="en-US" sz="2100" dirty="0">
+                <a:solidFill>
+                  <a:schemeClr val="tx1">
+                    <a:lumMod val="95000"/>
+                  </a:schemeClr>
+                </a:solidFill>
+              </a:rPr>
+              <a:t> </a:t>
+            </a:r>
+            <a:r>
+              <a:rPr lang="en-US" sz="2100" dirty="0" err="1">
+                <a:solidFill>
+                  <a:schemeClr val="tx1">
+                    <a:lumMod val="95000"/>
+                  </a:schemeClr>
+                </a:solidFill>
+              </a:rPr>
+              <a:t>възможност</a:t>
+            </a:r>
+            <a:r>
+              <a:rPr lang="en-US" sz="2100" dirty="0">
+                <a:solidFill>
+                  <a:schemeClr val="tx1">
+                    <a:lumMod val="95000"/>
+                  </a:schemeClr>
+                </a:solidFill>
+              </a:rPr>
+              <a:t> </a:t>
+            </a:r>
+            <a:r>
+              <a:rPr lang="en-US" sz="2100" dirty="0" err="1">
+                <a:solidFill>
+                  <a:schemeClr val="tx1">
+                    <a:lumMod val="95000"/>
+                  </a:schemeClr>
+                </a:solidFill>
+              </a:rPr>
+              <a:t>да</a:t>
+            </a:r>
+            <a:r>
+              <a:rPr lang="en-US" sz="2100" dirty="0">
+                <a:solidFill>
+                  <a:schemeClr val="tx1">
+                    <a:lumMod val="95000"/>
+                  </a:schemeClr>
+                </a:solidFill>
+              </a:rPr>
+              <a:t> </a:t>
+            </a:r>
+            <a:r>
+              <a:rPr lang="en-US" sz="2100" dirty="0" err="1">
+                <a:solidFill>
+                  <a:schemeClr val="tx1">
+                    <a:lumMod val="95000"/>
+                  </a:schemeClr>
+                </a:solidFill>
+              </a:rPr>
+              <a:t>променя</a:t>
+            </a:r>
+            <a:r>
+              <a:rPr lang="en-US" sz="2100" dirty="0">
+                <a:solidFill>
+                  <a:schemeClr val="tx1">
+                    <a:lumMod val="95000"/>
+                  </a:schemeClr>
+                </a:solidFill>
+              </a:rPr>
+              <a:t> </a:t>
+            </a:r>
+            <a:r>
+              <a:rPr lang="en-US" sz="2100" dirty="0" err="1">
+                <a:solidFill>
+                  <a:schemeClr val="tx1">
+                    <a:lumMod val="95000"/>
+                  </a:schemeClr>
+                </a:solidFill>
+              </a:rPr>
+              <a:t>детайлите</a:t>
+            </a:r>
+            <a:r>
+              <a:rPr lang="en-US" sz="2100" dirty="0">
+                <a:solidFill>
+                  <a:schemeClr val="tx1">
+                    <a:lumMod val="95000"/>
+                  </a:schemeClr>
+                </a:solidFill>
+              </a:rPr>
+              <a:t> </a:t>
+            </a:r>
+            <a:r>
+              <a:rPr lang="en-US" sz="2100" dirty="0" err="1">
+                <a:solidFill>
+                  <a:schemeClr val="tx1">
+                    <a:lumMod val="95000"/>
+                  </a:schemeClr>
+                </a:solidFill>
+              </a:rPr>
+              <a:t>по</a:t>
+            </a:r>
+            <a:r>
+              <a:rPr lang="en-US" sz="2100" dirty="0">
+                <a:solidFill>
+                  <a:schemeClr val="tx1">
+                    <a:lumMod val="95000"/>
+                  </a:schemeClr>
+                </a:solidFill>
+              </a:rPr>
+              <a:t> </a:t>
+            </a:r>
+            <a:r>
+              <a:rPr lang="en-US" sz="2100" dirty="0" err="1">
+                <a:solidFill>
+                  <a:schemeClr val="tx1">
+                    <a:lumMod val="95000"/>
+                  </a:schemeClr>
+                </a:solidFill>
+              </a:rPr>
+              <a:t>тази</a:t>
+            </a:r>
+            <a:r>
+              <a:rPr lang="en-US" sz="2100" dirty="0">
+                <a:solidFill>
+                  <a:schemeClr val="tx1">
+                    <a:lumMod val="95000"/>
+                  </a:schemeClr>
+                </a:solidFill>
+              </a:rPr>
+              <a:t> </a:t>
+            </a:r>
+            <a:r>
+              <a:rPr lang="en-US" sz="2100" dirty="0" err="1">
+                <a:solidFill>
+                  <a:schemeClr val="tx1">
+                    <a:lumMod val="95000"/>
+                  </a:schemeClr>
+                </a:solidFill>
+              </a:rPr>
+              <a:t>резервация</a:t>
+            </a:r>
+            <a:r>
+              <a:rPr lang="en-US" sz="2100" dirty="0">
+                <a:solidFill>
+                  <a:schemeClr val="tx1">
+                    <a:lumMod val="95000"/>
+                  </a:schemeClr>
+                </a:solidFill>
+              </a:rPr>
+              <a:t>. </a:t>
+            </a:r>
+            <a:r>
+              <a:rPr lang="en-US" sz="2100" dirty="0" err="1">
+                <a:solidFill>
+                  <a:schemeClr val="tx1">
+                    <a:lumMod val="95000"/>
+                  </a:schemeClr>
+                </a:solidFill>
+              </a:rPr>
+              <a:t>Това</a:t>
+            </a:r>
+            <a:r>
+              <a:rPr lang="en-US" sz="2100" dirty="0">
+                <a:solidFill>
+                  <a:schemeClr val="tx1">
+                    <a:lumMod val="95000"/>
+                  </a:schemeClr>
+                </a:solidFill>
+              </a:rPr>
+              <a:t> </a:t>
+            </a:r>
+            <a:r>
+              <a:rPr lang="en-US" sz="2100" dirty="0" err="1">
+                <a:solidFill>
+                  <a:schemeClr val="tx1">
+                    <a:lumMod val="95000"/>
+                  </a:schemeClr>
+                </a:solidFill>
+              </a:rPr>
+              <a:t>се</a:t>
+            </a:r>
+            <a:r>
+              <a:rPr lang="en-US" sz="2100" dirty="0">
+                <a:solidFill>
+                  <a:schemeClr val="tx1">
+                    <a:lumMod val="95000"/>
+                  </a:schemeClr>
+                </a:solidFill>
+              </a:rPr>
+              <a:t> </a:t>
+            </a:r>
+            <a:r>
+              <a:rPr lang="en-US" sz="2100" dirty="0" err="1">
+                <a:solidFill>
+                  <a:schemeClr val="tx1">
+                    <a:lumMod val="95000"/>
+                  </a:schemeClr>
+                </a:solidFill>
+              </a:rPr>
+              <a:t>прави</a:t>
+            </a:r>
+            <a:r>
+              <a:rPr lang="en-US" sz="2100" dirty="0">
+                <a:solidFill>
+                  <a:schemeClr val="tx1">
+                    <a:lumMod val="95000"/>
+                  </a:schemeClr>
+                </a:solidFill>
+              </a:rPr>
+              <a:t> с </a:t>
+            </a:r>
+            <a:r>
+              <a:rPr lang="en-US" sz="2100" dirty="0" err="1">
+                <a:solidFill>
+                  <a:schemeClr val="tx1">
+                    <a:lumMod val="95000"/>
+                  </a:schemeClr>
+                </a:solidFill>
+              </a:rPr>
+              <a:t>цел</a:t>
+            </a:r>
+            <a:r>
+              <a:rPr lang="en-US" sz="2100" dirty="0">
+                <a:solidFill>
+                  <a:schemeClr val="tx1">
+                    <a:lumMod val="95000"/>
+                  </a:schemeClr>
+                </a:solidFill>
+              </a:rPr>
+              <a:t> </a:t>
+            </a:r>
+            <a:r>
+              <a:rPr lang="en-US" sz="2100" dirty="0" err="1">
+                <a:solidFill>
+                  <a:schemeClr val="tx1">
+                    <a:lumMod val="95000"/>
+                  </a:schemeClr>
+                </a:solidFill>
+              </a:rPr>
+              <a:t>ако</a:t>
+            </a:r>
+            <a:r>
+              <a:rPr lang="en-US" sz="2100" dirty="0">
+                <a:solidFill>
+                  <a:schemeClr val="tx1">
+                    <a:lumMod val="95000"/>
+                  </a:schemeClr>
+                </a:solidFill>
+              </a:rPr>
+              <a:t> </a:t>
+            </a:r>
+            <a:r>
+              <a:rPr lang="en-US" sz="2100" dirty="0" err="1">
+                <a:solidFill>
+                  <a:schemeClr val="tx1">
+                    <a:lumMod val="95000"/>
+                  </a:schemeClr>
+                </a:solidFill>
+              </a:rPr>
+              <a:t>трябва</a:t>
+            </a:r>
+            <a:r>
+              <a:rPr lang="en-US" sz="2100" dirty="0">
+                <a:solidFill>
+                  <a:schemeClr val="tx1">
+                    <a:lumMod val="95000"/>
+                  </a:schemeClr>
+                </a:solidFill>
+              </a:rPr>
+              <a:t> </a:t>
+            </a:r>
+            <a:r>
+              <a:rPr lang="en-US" sz="2100" dirty="0" err="1">
+                <a:solidFill>
+                  <a:schemeClr val="tx1">
+                    <a:lumMod val="95000"/>
+                  </a:schemeClr>
+                </a:solidFill>
+              </a:rPr>
+              <a:t>да</a:t>
+            </a:r>
+            <a:r>
+              <a:rPr lang="en-US" sz="2100" dirty="0">
+                <a:solidFill>
+                  <a:schemeClr val="tx1">
+                    <a:lumMod val="95000"/>
+                  </a:schemeClr>
+                </a:solidFill>
+              </a:rPr>
+              <a:t> </a:t>
+            </a:r>
+            <a:r>
+              <a:rPr lang="en-US" sz="2100" dirty="0" err="1">
+                <a:solidFill>
+                  <a:schemeClr val="tx1">
+                    <a:lumMod val="95000"/>
+                  </a:schemeClr>
+                </a:solidFill>
+              </a:rPr>
+              <a:t>се</a:t>
+            </a:r>
+            <a:r>
+              <a:rPr lang="en-US" sz="2100" dirty="0">
+                <a:solidFill>
+                  <a:schemeClr val="tx1">
+                    <a:lumMod val="95000"/>
+                  </a:schemeClr>
+                </a:solidFill>
+              </a:rPr>
+              <a:t> </a:t>
+            </a:r>
+            <a:r>
+              <a:rPr lang="en-US" sz="2100" dirty="0" err="1">
+                <a:solidFill>
+                  <a:schemeClr val="tx1">
+                    <a:lumMod val="95000"/>
+                  </a:schemeClr>
+                </a:solidFill>
+              </a:rPr>
+              <a:t>променят</a:t>
+            </a:r>
+            <a:r>
+              <a:rPr lang="en-US" sz="2100" dirty="0">
+                <a:solidFill>
+                  <a:schemeClr val="tx1">
+                    <a:lumMod val="95000"/>
+                  </a:schemeClr>
+                </a:solidFill>
+              </a:rPr>
+              <a:t> </a:t>
+            </a:r>
+            <a:r>
+              <a:rPr lang="en-US" sz="2100" dirty="0" err="1">
+                <a:solidFill>
+                  <a:schemeClr val="tx1">
+                    <a:lumMod val="95000"/>
+                  </a:schemeClr>
+                </a:solidFill>
+              </a:rPr>
+              <a:t>часа</a:t>
+            </a:r>
+            <a:r>
+              <a:rPr lang="en-US" sz="2100" dirty="0">
+                <a:solidFill>
+                  <a:schemeClr val="tx1">
+                    <a:lumMod val="95000"/>
+                  </a:schemeClr>
+                </a:solidFill>
+              </a:rPr>
+              <a:t> </a:t>
+            </a:r>
+            <a:r>
+              <a:rPr lang="en-US" sz="2100" dirty="0" err="1">
+                <a:solidFill>
+                  <a:schemeClr val="tx1">
+                    <a:lumMod val="95000"/>
+                  </a:schemeClr>
+                </a:solidFill>
+              </a:rPr>
+              <a:t>или</a:t>
+            </a:r>
+            <a:r>
+              <a:rPr lang="en-US" sz="2100" dirty="0">
+                <a:solidFill>
+                  <a:schemeClr val="tx1">
+                    <a:lumMod val="95000"/>
+                  </a:schemeClr>
+                </a:solidFill>
+              </a:rPr>
+              <a:t> </a:t>
+            </a:r>
+            <a:r>
+              <a:rPr lang="en-US" sz="2100" dirty="0" err="1">
+                <a:solidFill>
+                  <a:schemeClr val="tx1">
+                    <a:lumMod val="95000"/>
+                  </a:schemeClr>
+                </a:solidFill>
+              </a:rPr>
+              <a:t>залата</a:t>
+            </a:r>
+            <a:r>
+              <a:rPr lang="en-US" sz="2100" dirty="0">
+                <a:solidFill>
+                  <a:schemeClr val="tx1">
+                    <a:lumMod val="95000"/>
+                  </a:schemeClr>
+                </a:solidFill>
+              </a:rPr>
+              <a:t> </a:t>
+            </a:r>
+            <a:r>
+              <a:rPr lang="en-US" sz="2100" dirty="0" err="1">
+                <a:solidFill>
+                  <a:schemeClr val="tx1">
+                    <a:lumMod val="95000"/>
+                  </a:schemeClr>
+                </a:solidFill>
+              </a:rPr>
+              <a:t>за</a:t>
+            </a:r>
+            <a:r>
+              <a:rPr lang="en-US" sz="2100" dirty="0">
+                <a:solidFill>
+                  <a:schemeClr val="tx1">
+                    <a:lumMod val="95000"/>
+                  </a:schemeClr>
+                </a:solidFill>
+              </a:rPr>
+              <a:t> </a:t>
+            </a:r>
+            <a:r>
+              <a:rPr lang="en-US" sz="2100" dirty="0" err="1">
+                <a:solidFill>
+                  <a:schemeClr val="tx1">
+                    <a:lumMod val="95000"/>
+                  </a:schemeClr>
+                </a:solidFill>
+              </a:rPr>
+              <a:t>занятието</a:t>
+            </a:r>
+            <a:r>
+              <a:rPr lang="en-US" sz="2100" dirty="0">
+                <a:solidFill>
+                  <a:schemeClr val="tx1">
+                    <a:lumMod val="95000"/>
+                  </a:schemeClr>
+                </a:solidFill>
+              </a:rPr>
+              <a:t>. В </a:t>
+            </a:r>
+            <a:r>
+              <a:rPr lang="en-US" sz="2100" dirty="0" err="1">
+                <a:solidFill>
+                  <a:schemeClr val="tx1">
+                    <a:lumMod val="95000"/>
+                  </a:schemeClr>
+                </a:solidFill>
+              </a:rPr>
+              <a:t>резултат</a:t>
+            </a:r>
+            <a:r>
+              <a:rPr lang="en-US" sz="2100" dirty="0">
+                <a:solidFill>
+                  <a:schemeClr val="tx1">
+                    <a:lumMod val="95000"/>
+                  </a:schemeClr>
+                </a:solidFill>
+              </a:rPr>
+              <a:t> </a:t>
+            </a:r>
+            <a:r>
+              <a:rPr lang="en-US" sz="2100" dirty="0" err="1">
                 <a:solidFill>
                   <a:schemeClr val="tx1">
                     <a:lumMod val="95000"/>
@@ -11126,65 +13027,377 @@
               <a:t>на</a:t>
             </a:r>
             <a:r>
-              <a:rPr lang="en-US" b="1" dirty="0">
-                <a:solidFill>
-                  <a:schemeClr val="tx1">
-                    <a:lumMod val="95000"/>
-                  </a:schemeClr>
-                </a:solidFill>
-              </a:rPr>
-              <a:t> </a:t>
-            </a:r>
-            <a:r>
-              <a:rPr lang="en-US" b="1" dirty="0" err="1">
-                <a:solidFill>
-                  <a:schemeClr val="tx1">
-                    <a:lumMod val="95000"/>
-                  </a:schemeClr>
-                </a:solidFill>
-              </a:rPr>
-              <a:t>зала</a:t>
-            </a:r>
-            <a:r>
-              <a:rPr lang="en-US" b="1" dirty="0">
-                <a:solidFill>
-                  <a:schemeClr val="tx1">
-                    <a:lumMod val="95000"/>
-                  </a:schemeClr>
-                </a:solidFill>
-              </a:rPr>
-              <a:t> </a:t>
-            </a:r>
-            <a:r>
-              <a:rPr lang="en-US" b="1" dirty="0" err="1">
-                <a:solidFill>
-                  <a:schemeClr val="tx1">
-                    <a:lumMod val="95000"/>
-                  </a:schemeClr>
-                </a:solidFill>
-              </a:rPr>
-              <a:t>от</a:t>
-            </a:r>
-            <a:r>
-              <a:rPr lang="en-US" b="1" dirty="0">
-                <a:solidFill>
-                  <a:schemeClr val="tx1">
-                    <a:lumMod val="95000"/>
-                  </a:schemeClr>
-                </a:solidFill>
-              </a:rPr>
-              <a:t> </a:t>
-            </a:r>
-            <a:r>
-              <a:rPr lang="en-US" b="1" dirty="0" err="1">
-                <a:solidFill>
-                  <a:schemeClr val="tx1">
-                    <a:lumMod val="95000"/>
-                  </a:schemeClr>
-                </a:solidFill>
-              </a:rPr>
-              <a:t>лектор</a:t>
-            </a:r>
+              <a:rPr lang="en-US" sz="2100" dirty="0">
+                <a:solidFill>
+                  <a:schemeClr val="tx1">
+                    <a:lumMod val="95000"/>
+                  </a:schemeClr>
+                </a:solidFill>
+              </a:rPr>
+              <a:t> </a:t>
+            </a:r>
+            <a:r>
+              <a:rPr lang="en-US" sz="2100" dirty="0" err="1">
+                <a:solidFill>
+                  <a:schemeClr val="tx1">
+                    <a:lumMod val="95000"/>
+                  </a:schemeClr>
+                </a:solidFill>
+              </a:rPr>
+              <a:t>промяната</a:t>
+            </a:r>
+            <a:r>
+              <a:rPr lang="en-US" sz="2100" dirty="0">
+                <a:solidFill>
+                  <a:schemeClr val="tx1">
+                    <a:lumMod val="95000"/>
+                  </a:schemeClr>
+                </a:solidFill>
+              </a:rPr>
+              <a:t> </a:t>
+            </a:r>
+            <a:r>
+              <a:rPr lang="en-US" sz="2100" dirty="0" err="1">
+                <a:solidFill>
+                  <a:schemeClr val="tx1">
+                    <a:lumMod val="95000"/>
+                  </a:schemeClr>
+                </a:solidFill>
+              </a:rPr>
+              <a:t>има</a:t>
+            </a:r>
+            <a:r>
+              <a:rPr lang="en-US" sz="2100" dirty="0">
+                <a:solidFill>
+                  <a:schemeClr val="tx1">
+                    <a:lumMod val="95000"/>
+                  </a:schemeClr>
+                </a:solidFill>
+              </a:rPr>
+              <a:t> </a:t>
+            </a:r>
+            <a:r>
+              <a:rPr lang="en-US" sz="2100" dirty="0" err="1">
+                <a:solidFill>
+                  <a:schemeClr val="tx1">
+                    <a:lumMod val="95000"/>
+                  </a:schemeClr>
+                </a:solidFill>
+              </a:rPr>
+              <a:t>проверка</a:t>
+            </a:r>
+            <a:r>
+              <a:rPr lang="en-US" sz="2100" dirty="0">
+                <a:solidFill>
+                  <a:schemeClr val="tx1">
+                    <a:lumMod val="95000"/>
+                  </a:schemeClr>
+                </a:solidFill>
+              </a:rPr>
+              <a:t> </a:t>
+            </a:r>
+            <a:r>
+              <a:rPr lang="en-US" sz="2100" dirty="0" err="1">
+                <a:solidFill>
+                  <a:schemeClr val="tx1">
+                    <a:lumMod val="95000"/>
+                  </a:schemeClr>
+                </a:solidFill>
+              </a:rPr>
+              <a:t>дали</a:t>
+            </a:r>
+            <a:r>
+              <a:rPr lang="en-US" sz="2100" dirty="0">
+                <a:solidFill>
+                  <a:schemeClr val="tx1">
+                    <a:lumMod val="95000"/>
+                  </a:schemeClr>
+                </a:solidFill>
+              </a:rPr>
+              <a:t> </a:t>
+            </a:r>
+            <a:r>
+              <a:rPr lang="en-US" sz="2100" dirty="0" err="1">
+                <a:solidFill>
+                  <a:schemeClr val="tx1">
+                    <a:lumMod val="95000"/>
+                  </a:schemeClr>
+                </a:solidFill>
+              </a:rPr>
+              <a:t>залата</a:t>
+            </a:r>
+            <a:r>
+              <a:rPr lang="en-US" sz="2100" dirty="0">
+                <a:solidFill>
+                  <a:schemeClr val="tx1">
+                    <a:lumMod val="95000"/>
+                  </a:schemeClr>
+                </a:solidFill>
+              </a:rPr>
+              <a:t> е </a:t>
+            </a:r>
+            <a:r>
+              <a:rPr lang="en-US" sz="2100" dirty="0" err="1">
+                <a:solidFill>
+                  <a:schemeClr val="tx1">
+                    <a:lumMod val="95000"/>
+                  </a:schemeClr>
+                </a:solidFill>
+              </a:rPr>
+              <a:t>свободна</a:t>
+            </a:r>
+            <a:r>
+              <a:rPr lang="en-US" sz="2100" dirty="0">
+                <a:solidFill>
+                  <a:schemeClr val="tx1">
+                    <a:lumMod val="95000"/>
+                  </a:schemeClr>
+                </a:solidFill>
+              </a:rPr>
+              <a:t> </a:t>
+            </a:r>
+            <a:r>
+              <a:rPr lang="en-US" sz="2100" dirty="0" err="1">
+                <a:solidFill>
+                  <a:schemeClr val="tx1">
+                    <a:lumMod val="95000"/>
+                  </a:schemeClr>
+                </a:solidFill>
+              </a:rPr>
+              <a:t>за</a:t>
+            </a:r>
+            <a:r>
+              <a:rPr lang="en-US" sz="2100" dirty="0">
+                <a:solidFill>
+                  <a:schemeClr val="tx1">
+                    <a:lumMod val="95000"/>
+                  </a:schemeClr>
+                </a:solidFill>
+              </a:rPr>
+              <a:t> </a:t>
+            </a:r>
+            <a:r>
+              <a:rPr lang="en-US" sz="2100" dirty="0" err="1">
+                <a:solidFill>
+                  <a:schemeClr val="tx1">
+                    <a:lumMod val="95000"/>
+                  </a:schemeClr>
+                </a:solidFill>
+              </a:rPr>
+              <a:t>указаната</a:t>
+            </a:r>
+            <a:r>
+              <a:rPr lang="en-US" sz="2100" dirty="0">
+                <a:solidFill>
+                  <a:schemeClr val="tx1">
+                    <a:lumMod val="95000"/>
+                  </a:schemeClr>
+                </a:solidFill>
+              </a:rPr>
+              <a:t> </a:t>
+            </a:r>
+            <a:r>
+              <a:rPr lang="en-US" sz="2100" dirty="0" err="1">
+                <a:solidFill>
+                  <a:schemeClr val="tx1">
+                    <a:lumMod val="95000"/>
+                  </a:schemeClr>
+                </a:solidFill>
+              </a:rPr>
+              <a:t>дата</a:t>
+            </a:r>
+            <a:r>
+              <a:rPr lang="en-US" sz="2100" dirty="0">
+                <a:solidFill>
+                  <a:schemeClr val="tx1">
+                    <a:lumMod val="95000"/>
+                  </a:schemeClr>
+                </a:solidFill>
+              </a:rPr>
+              <a:t>. </a:t>
+            </a:r>
+            <a:r>
+              <a:rPr lang="en-US" sz="2100" dirty="0" err="1">
+                <a:solidFill>
+                  <a:schemeClr val="tx1">
+                    <a:lumMod val="95000"/>
+                  </a:schemeClr>
+                </a:solidFill>
+              </a:rPr>
+              <a:t>Ако</a:t>
+            </a:r>
+            <a:r>
+              <a:rPr lang="en-US" sz="2100" dirty="0">
+                <a:solidFill>
+                  <a:schemeClr val="tx1">
+                    <a:lumMod val="95000"/>
+                  </a:schemeClr>
+                </a:solidFill>
+              </a:rPr>
+              <a:t> е </a:t>
+            </a:r>
+            <a:r>
+              <a:rPr lang="en-US" sz="2100" dirty="0" err="1">
+                <a:solidFill>
+                  <a:schemeClr val="tx1">
+                    <a:lumMod val="95000"/>
+                  </a:schemeClr>
+                </a:solidFill>
+              </a:rPr>
+              <a:t>свободна</a:t>
+            </a:r>
+            <a:r>
+              <a:rPr lang="en-US" sz="2100" dirty="0">
+                <a:solidFill>
+                  <a:schemeClr val="tx1">
+                    <a:lumMod val="95000"/>
+                  </a:schemeClr>
+                </a:solidFill>
+              </a:rPr>
+              <a:t> </a:t>
+            </a:r>
+            <a:r>
+              <a:rPr lang="bg-BG" sz="2100" dirty="0">
+                <a:solidFill>
+                  <a:schemeClr val="tx1">
+                    <a:lumMod val="95000"/>
+                  </a:schemeClr>
+                </a:solidFill>
+              </a:rPr>
+              <a:t>се изпраща запитване към администратора</a:t>
+            </a:r>
+            <a:r>
+              <a:rPr lang="en-US" sz="2100" dirty="0">
+                <a:solidFill>
+                  <a:schemeClr val="tx1">
+                    <a:lumMod val="95000"/>
+                  </a:schemeClr>
+                </a:solidFill>
+              </a:rPr>
+              <a:t>, </a:t>
+            </a:r>
+            <a:r>
+              <a:rPr lang="en-US" sz="2100" dirty="0" err="1">
+                <a:solidFill>
+                  <a:schemeClr val="tx1">
+                    <a:lumMod val="95000"/>
+                  </a:schemeClr>
+                </a:solidFill>
+              </a:rPr>
+              <a:t>ако</a:t>
+            </a:r>
+            <a:r>
+              <a:rPr lang="en-US" sz="2100" dirty="0">
+                <a:solidFill>
+                  <a:schemeClr val="tx1">
+                    <a:lumMod val="95000"/>
+                  </a:schemeClr>
+                </a:solidFill>
+              </a:rPr>
+              <a:t> </a:t>
+            </a:r>
+            <a:r>
+              <a:rPr lang="en-US" sz="2100" dirty="0" err="1">
+                <a:solidFill>
+                  <a:schemeClr val="tx1">
+                    <a:lumMod val="95000"/>
+                  </a:schemeClr>
+                </a:solidFill>
+              </a:rPr>
+              <a:t>не</a:t>
+            </a:r>
+            <a:r>
+              <a:rPr lang="en-US" sz="2100" dirty="0">
+                <a:solidFill>
+                  <a:schemeClr val="tx1">
+                    <a:lumMod val="95000"/>
+                  </a:schemeClr>
+                </a:solidFill>
+              </a:rPr>
+              <a:t> е </a:t>
+            </a:r>
+            <a:r>
+              <a:rPr lang="en-US" sz="2100" dirty="0" err="1">
+                <a:solidFill>
+                  <a:schemeClr val="tx1">
+                    <a:lumMod val="95000"/>
+                  </a:schemeClr>
+                </a:solidFill>
+              </a:rPr>
+              <a:t>се</a:t>
+            </a:r>
+            <a:r>
+              <a:rPr lang="en-US" sz="2100" dirty="0">
+                <a:solidFill>
+                  <a:schemeClr val="tx1">
+                    <a:lumMod val="95000"/>
+                  </a:schemeClr>
+                </a:solidFill>
+              </a:rPr>
+              <a:t> </a:t>
+            </a:r>
+            <a:r>
+              <a:rPr lang="en-US" sz="2100" dirty="0" err="1">
+                <a:solidFill>
+                  <a:schemeClr val="tx1">
+                    <a:lumMod val="95000"/>
+                  </a:schemeClr>
+                </a:solidFill>
+              </a:rPr>
+              <a:t>съобщава</a:t>
+            </a:r>
+            <a:r>
+              <a:rPr lang="en-US" sz="2100" dirty="0">
+                <a:solidFill>
+                  <a:schemeClr val="tx1">
+                    <a:lumMod val="95000"/>
+                  </a:schemeClr>
+                </a:solidFill>
+              </a:rPr>
+              <a:t> </a:t>
+            </a:r>
+            <a:r>
+              <a:rPr lang="en-US" sz="2100" dirty="0" err="1">
+                <a:solidFill>
+                  <a:schemeClr val="tx1">
+                    <a:lumMod val="95000"/>
+                  </a:schemeClr>
+                </a:solidFill>
+              </a:rPr>
+              <a:t>на</a:t>
+            </a:r>
+            <a:r>
+              <a:rPr lang="en-US" sz="2100" dirty="0">
+                <a:solidFill>
+                  <a:schemeClr val="tx1">
+                    <a:lumMod val="95000"/>
+                  </a:schemeClr>
+                </a:solidFill>
+              </a:rPr>
+              <a:t> </a:t>
+            </a:r>
+            <a:r>
+              <a:rPr lang="en-US" sz="2100" dirty="0" err="1">
+                <a:solidFill>
+                  <a:schemeClr val="tx1">
+                    <a:lumMod val="95000"/>
+                  </a:schemeClr>
+                </a:solidFill>
+              </a:rPr>
+              <a:t>потребителя</a:t>
+            </a:r>
+            <a:r>
+              <a:rPr lang="en-US" sz="2100" dirty="0">
+                <a:solidFill>
+                  <a:schemeClr val="tx1">
+                    <a:lumMod val="95000"/>
+                  </a:schemeClr>
+                </a:solidFill>
+              </a:rPr>
+              <a:t>.</a:t>
+            </a:r>
+          </a:p>
+          <a:p>
             <a:endParaRPr lang="bg-BG" dirty="0">
               <a:solidFill>
                 <a:schemeClr val="tx1">
@@ -11193,695 +13406,12 @@
               </a:solidFill>
             </a:endParaRPr>
           </a:p>
-          <a:p>
-            <a:pPr lvl="1" fontAlgn="base"/>
-            <a:r>
-              <a:rPr lang="en-US" dirty="0" err="1">
-                <a:solidFill>
-                  <a:schemeClr val="tx1">
-                    <a:lumMod val="95000"/>
-                  </a:schemeClr>
-                </a:solidFill>
-              </a:rPr>
-              <a:t>Всеки</a:t>
-            </a:r>
-            <a:r>
-              <a:rPr lang="en-US" dirty="0">
-                <a:solidFill>
-                  <a:schemeClr val="tx1">
-                    <a:lumMod val="95000"/>
-                  </a:schemeClr>
-                </a:solidFill>
-              </a:rPr>
-              <a:t> </a:t>
-            </a:r>
-            <a:r>
-              <a:rPr lang="en-US" dirty="0" err="1">
-                <a:solidFill>
-                  <a:schemeClr val="tx1">
-                    <a:lumMod val="95000"/>
-                  </a:schemeClr>
-                </a:solidFill>
-              </a:rPr>
-              <a:t>лектор</a:t>
-            </a:r>
-            <a:r>
-              <a:rPr lang="en-US" dirty="0">
-                <a:solidFill>
-                  <a:schemeClr val="tx1">
-                    <a:lumMod val="95000"/>
-                  </a:schemeClr>
-                </a:solidFill>
-              </a:rPr>
-              <a:t> в </a:t>
-            </a:r>
-            <a:r>
-              <a:rPr lang="en-US" dirty="0" err="1">
-                <a:solidFill>
-                  <a:schemeClr val="tx1">
-                    <a:lumMod val="95000"/>
-                  </a:schemeClr>
-                </a:solidFill>
-              </a:rPr>
-              <a:t>системата</a:t>
-            </a:r>
-            <a:r>
-              <a:rPr lang="en-US" dirty="0">
-                <a:solidFill>
-                  <a:schemeClr val="tx1">
-                    <a:lumMod val="95000"/>
-                  </a:schemeClr>
-                </a:solidFill>
-              </a:rPr>
-              <a:t> </a:t>
-            </a:r>
-            <a:r>
-              <a:rPr lang="en-US" dirty="0" err="1">
-                <a:solidFill>
-                  <a:schemeClr val="tx1">
-                    <a:lumMod val="95000"/>
-                  </a:schemeClr>
-                </a:solidFill>
-              </a:rPr>
-              <a:t>има</a:t>
-            </a:r>
-            <a:r>
-              <a:rPr lang="en-US" dirty="0">
-                <a:solidFill>
-                  <a:schemeClr val="tx1">
-                    <a:lumMod val="95000"/>
-                  </a:schemeClr>
-                </a:solidFill>
-              </a:rPr>
-              <a:t> </a:t>
-            </a:r>
-            <a:r>
-              <a:rPr lang="en-US" dirty="0" err="1">
-                <a:solidFill>
-                  <a:schemeClr val="tx1">
-                    <a:lumMod val="95000"/>
-                  </a:schemeClr>
-                </a:solidFill>
-              </a:rPr>
-              <a:t>право</a:t>
-            </a:r>
-            <a:r>
-              <a:rPr lang="en-US" dirty="0">
-                <a:solidFill>
-                  <a:schemeClr val="tx1">
-                    <a:lumMod val="95000"/>
-                  </a:schemeClr>
-                </a:solidFill>
-              </a:rPr>
-              <a:t> </a:t>
-            </a:r>
-            <a:r>
-              <a:rPr lang="en-US" dirty="0" err="1">
-                <a:solidFill>
-                  <a:schemeClr val="tx1">
-                    <a:lumMod val="95000"/>
-                  </a:schemeClr>
-                </a:solidFill>
-              </a:rPr>
-              <a:t>да</a:t>
-            </a:r>
-            <a:r>
-              <a:rPr lang="en-US" dirty="0">
-                <a:solidFill>
-                  <a:schemeClr val="tx1">
-                    <a:lumMod val="95000"/>
-                  </a:schemeClr>
-                </a:solidFill>
-              </a:rPr>
-              <a:t> </a:t>
-            </a:r>
-            <a:r>
-              <a:rPr lang="bg-BG" dirty="0">
-                <a:solidFill>
-                  <a:schemeClr val="tx1">
-                    <a:lumMod val="95000"/>
-                  </a:schemeClr>
-                </a:solidFill>
-              </a:rPr>
-              <a:t>поиска да </a:t>
-            </a:r>
-            <a:r>
-              <a:rPr lang="en-US" dirty="0" err="1">
-                <a:solidFill>
-                  <a:schemeClr val="tx1">
-                    <a:lumMod val="95000"/>
-                  </a:schemeClr>
-                </a:solidFill>
-              </a:rPr>
-              <a:t>запази</a:t>
-            </a:r>
-            <a:r>
-              <a:rPr lang="en-US" dirty="0">
-                <a:solidFill>
-                  <a:schemeClr val="tx1">
-                    <a:lumMod val="95000"/>
-                  </a:schemeClr>
-                </a:solidFill>
-              </a:rPr>
-              <a:t> </a:t>
-            </a:r>
-            <a:r>
-              <a:rPr lang="en-US" dirty="0" err="1">
-                <a:solidFill>
-                  <a:schemeClr val="tx1">
-                    <a:lumMod val="95000"/>
-                  </a:schemeClr>
-                </a:solidFill>
-              </a:rPr>
-              <a:t>зала</a:t>
-            </a:r>
-            <a:r>
-              <a:rPr lang="en-US" dirty="0">
-                <a:solidFill>
-                  <a:schemeClr val="tx1">
-                    <a:lumMod val="95000"/>
-                  </a:schemeClr>
-                </a:solidFill>
-              </a:rPr>
-              <a:t>. </a:t>
-            </a:r>
-            <a:r>
-              <a:rPr lang="en-US" dirty="0" err="1">
-                <a:solidFill>
-                  <a:schemeClr val="tx1">
-                    <a:lumMod val="95000"/>
-                  </a:schemeClr>
-                </a:solidFill>
-              </a:rPr>
-              <a:t>Когато</a:t>
-            </a:r>
-            <a:r>
-              <a:rPr lang="en-US" dirty="0">
-                <a:solidFill>
-                  <a:schemeClr val="tx1">
-                    <a:lumMod val="95000"/>
-                  </a:schemeClr>
-                </a:solidFill>
-              </a:rPr>
-              <a:t> </a:t>
-            </a:r>
-            <a:r>
-              <a:rPr lang="en-US" dirty="0" err="1">
-                <a:solidFill>
-                  <a:schemeClr val="tx1">
-                    <a:lumMod val="95000"/>
-                  </a:schemeClr>
-                </a:solidFill>
-              </a:rPr>
-              <a:t>той</a:t>
-            </a:r>
-            <a:r>
-              <a:rPr lang="en-US" dirty="0">
-                <a:solidFill>
-                  <a:schemeClr val="tx1">
-                    <a:lumMod val="95000"/>
-                  </a:schemeClr>
-                </a:solidFill>
-              </a:rPr>
-              <a:t> </a:t>
-            </a:r>
-            <a:r>
-              <a:rPr lang="en-US" dirty="0" err="1">
-                <a:solidFill>
-                  <a:schemeClr val="tx1">
-                    <a:lumMod val="95000"/>
-                  </a:schemeClr>
-                </a:solidFill>
-              </a:rPr>
-              <a:t>избере</a:t>
-            </a:r>
-            <a:r>
-              <a:rPr lang="en-US" dirty="0">
-                <a:solidFill>
-                  <a:schemeClr val="tx1">
-                    <a:lumMod val="95000"/>
-                  </a:schemeClr>
-                </a:solidFill>
-              </a:rPr>
-              <a:t> </a:t>
-            </a:r>
-            <a:r>
-              <a:rPr lang="en-US" dirty="0" err="1">
-                <a:solidFill>
-                  <a:schemeClr val="tx1">
-                    <a:lumMod val="95000"/>
-                  </a:schemeClr>
-                </a:solidFill>
-              </a:rPr>
-              <a:t>час</a:t>
-            </a:r>
-            <a:r>
-              <a:rPr lang="en-US" dirty="0">
-                <a:solidFill>
-                  <a:schemeClr val="tx1">
-                    <a:lumMod val="95000"/>
-                  </a:schemeClr>
-                </a:solidFill>
-              </a:rPr>
-              <a:t>,</a:t>
-            </a:r>
-            <a:r>
-              <a:rPr lang="bg-BG" dirty="0">
-                <a:solidFill>
-                  <a:schemeClr val="tx1">
-                    <a:lumMod val="95000"/>
-                  </a:schemeClr>
-                </a:solidFill>
-              </a:rPr>
-              <a:t> периодичност</a:t>
-            </a:r>
-            <a:r>
-              <a:rPr lang="en-US" dirty="0">
-                <a:solidFill>
-                  <a:schemeClr val="tx1">
-                    <a:lumMod val="95000"/>
-                  </a:schemeClr>
-                </a:solidFill>
-              </a:rPr>
-              <a:t> и </a:t>
-            </a:r>
-            <a:r>
-              <a:rPr lang="en-US" dirty="0" err="1">
-                <a:solidFill>
-                  <a:schemeClr val="tx1">
-                    <a:lumMod val="95000"/>
-                  </a:schemeClr>
-                </a:solidFill>
-              </a:rPr>
-              <a:t>зала</a:t>
-            </a:r>
-            <a:r>
-              <a:rPr lang="en-US" dirty="0">
-                <a:solidFill>
-                  <a:schemeClr val="tx1">
-                    <a:lumMod val="95000"/>
-                  </a:schemeClr>
-                </a:solidFill>
-              </a:rPr>
-              <a:t>, </a:t>
-            </a:r>
-            <a:r>
-              <a:rPr lang="en-US" dirty="0" err="1">
-                <a:solidFill>
-                  <a:schemeClr val="tx1">
-                    <a:lumMod val="95000"/>
-                  </a:schemeClr>
-                </a:solidFill>
-              </a:rPr>
-              <a:t>трябва</a:t>
-            </a:r>
-            <a:r>
-              <a:rPr lang="en-US" dirty="0">
-                <a:solidFill>
-                  <a:schemeClr val="tx1">
-                    <a:lumMod val="95000"/>
-                  </a:schemeClr>
-                </a:solidFill>
-              </a:rPr>
-              <a:t> </a:t>
-            </a:r>
-            <a:r>
-              <a:rPr lang="en-US" dirty="0" err="1">
-                <a:solidFill>
-                  <a:schemeClr val="tx1">
-                    <a:lumMod val="95000"/>
-                  </a:schemeClr>
-                </a:solidFill>
-              </a:rPr>
-              <a:t>да</a:t>
-            </a:r>
-            <a:r>
-              <a:rPr lang="en-US" dirty="0">
-                <a:solidFill>
-                  <a:schemeClr val="tx1">
-                    <a:lumMod val="95000"/>
-                  </a:schemeClr>
-                </a:solidFill>
-              </a:rPr>
-              <a:t> </a:t>
-            </a:r>
-            <a:r>
-              <a:rPr lang="en-US" dirty="0" err="1">
-                <a:solidFill>
-                  <a:schemeClr val="tx1">
-                    <a:lumMod val="95000"/>
-                  </a:schemeClr>
-                </a:solidFill>
-              </a:rPr>
-              <a:t>попълни</a:t>
-            </a:r>
-            <a:r>
-              <a:rPr lang="en-US" dirty="0">
-                <a:solidFill>
-                  <a:schemeClr val="tx1">
-                    <a:lumMod val="95000"/>
-                  </a:schemeClr>
-                </a:solidFill>
-              </a:rPr>
-              <a:t> </a:t>
-            </a:r>
-            <a:r>
-              <a:rPr lang="en-US" dirty="0" err="1">
-                <a:solidFill>
-                  <a:schemeClr val="tx1">
-                    <a:lumMod val="95000"/>
-                  </a:schemeClr>
-                </a:solidFill>
-              </a:rPr>
-              <a:t>заглавие</a:t>
-            </a:r>
-            <a:r>
-              <a:rPr lang="en-US" dirty="0">
-                <a:solidFill>
-                  <a:schemeClr val="tx1">
-                    <a:lumMod val="95000"/>
-                  </a:schemeClr>
-                </a:solidFill>
-              </a:rPr>
-              <a:t> </a:t>
-            </a:r>
-            <a:r>
-              <a:rPr lang="en-US" dirty="0" err="1">
-                <a:solidFill>
-                  <a:schemeClr val="tx1">
-                    <a:lumMod val="95000"/>
-                  </a:schemeClr>
-                </a:solidFill>
-              </a:rPr>
-              <a:t>на</a:t>
-            </a:r>
-            <a:r>
-              <a:rPr lang="en-US" dirty="0">
-                <a:solidFill>
-                  <a:schemeClr val="tx1">
-                    <a:lumMod val="95000"/>
-                  </a:schemeClr>
-                </a:solidFill>
-              </a:rPr>
-              <a:t> </a:t>
-            </a:r>
-            <a:r>
-              <a:rPr lang="en-US" dirty="0" err="1">
-                <a:solidFill>
-                  <a:schemeClr val="tx1">
-                    <a:lumMod val="95000"/>
-                  </a:schemeClr>
-                </a:solidFill>
-              </a:rPr>
-              <a:t>заниманието</a:t>
-            </a:r>
-            <a:r>
-              <a:rPr lang="en-US" dirty="0">
-                <a:solidFill>
-                  <a:schemeClr val="tx1">
-                    <a:lumMod val="95000"/>
-                  </a:schemeClr>
-                </a:solidFill>
-              </a:rPr>
-              <a:t>, </a:t>
-            </a:r>
-            <a:r>
-              <a:rPr lang="en-US" dirty="0" err="1">
-                <a:solidFill>
-                  <a:schemeClr val="tx1">
-                    <a:lumMod val="95000"/>
-                  </a:schemeClr>
-                </a:solidFill>
-              </a:rPr>
-              <a:t>което</a:t>
-            </a:r>
-            <a:r>
-              <a:rPr lang="en-US" dirty="0">
-                <a:solidFill>
-                  <a:schemeClr val="tx1">
-                    <a:lumMod val="95000"/>
-                  </a:schemeClr>
-                </a:solidFill>
-              </a:rPr>
-              <a:t> </a:t>
-            </a:r>
-            <a:r>
-              <a:rPr lang="en-US" dirty="0" err="1">
-                <a:solidFill>
-                  <a:schemeClr val="tx1">
-                    <a:lumMod val="95000"/>
-                  </a:schemeClr>
-                </a:solidFill>
-              </a:rPr>
-              <a:t>ще</a:t>
-            </a:r>
-            <a:r>
-              <a:rPr lang="en-US" dirty="0">
-                <a:solidFill>
-                  <a:schemeClr val="tx1">
-                    <a:lumMod val="95000"/>
-                  </a:schemeClr>
-                </a:solidFill>
-              </a:rPr>
-              <a:t> </a:t>
-            </a:r>
-            <a:r>
-              <a:rPr lang="en-US" dirty="0" err="1">
-                <a:solidFill>
-                  <a:schemeClr val="tx1">
-                    <a:lumMod val="95000"/>
-                  </a:schemeClr>
-                </a:solidFill>
-              </a:rPr>
-              <a:t>се</a:t>
-            </a:r>
-            <a:r>
-              <a:rPr lang="en-US" dirty="0">
-                <a:solidFill>
-                  <a:schemeClr val="tx1">
-                    <a:lumMod val="95000"/>
-                  </a:schemeClr>
-                </a:solidFill>
-              </a:rPr>
-              <a:t> </a:t>
-            </a:r>
-            <a:r>
-              <a:rPr lang="en-US" dirty="0" err="1">
-                <a:solidFill>
-                  <a:schemeClr val="tx1">
-                    <a:lumMod val="95000"/>
-                  </a:schemeClr>
-                </a:solidFill>
-              </a:rPr>
-              <a:t>провежда</a:t>
-            </a:r>
-            <a:r>
-              <a:rPr lang="en-US" dirty="0">
-                <a:solidFill>
-                  <a:schemeClr val="tx1">
-                    <a:lumMod val="95000"/>
-                  </a:schemeClr>
-                </a:solidFill>
-              </a:rPr>
-              <a:t>, </a:t>
-            </a:r>
-            <a:r>
-              <a:rPr lang="en-US" dirty="0" err="1">
-                <a:solidFill>
-                  <a:schemeClr val="tx1">
-                    <a:lumMod val="95000"/>
-                  </a:schemeClr>
-                </a:solidFill>
-              </a:rPr>
-              <a:t>курс</a:t>
-            </a:r>
-            <a:r>
-              <a:rPr lang="en-US" dirty="0">
-                <a:solidFill>
-                  <a:schemeClr val="tx1">
-                    <a:lumMod val="95000"/>
-                  </a:schemeClr>
-                </a:solidFill>
-              </a:rPr>
-              <a:t> и </a:t>
-            </a:r>
-            <a:r>
-              <a:rPr lang="en-US" dirty="0" err="1">
-                <a:solidFill>
-                  <a:schemeClr val="tx1">
-                    <a:lumMod val="95000"/>
-                  </a:schemeClr>
-                </a:solidFill>
-              </a:rPr>
-              <a:t>специалност</a:t>
-            </a:r>
-            <a:r>
-              <a:rPr lang="en-US" dirty="0">
-                <a:solidFill>
-                  <a:schemeClr val="tx1">
-                    <a:lumMod val="95000"/>
-                  </a:schemeClr>
-                </a:solidFill>
-              </a:rPr>
-              <a:t>. В </a:t>
-            </a:r>
-            <a:r>
-              <a:rPr lang="en-US" dirty="0" err="1">
-                <a:solidFill>
-                  <a:schemeClr val="tx1">
-                    <a:lumMod val="95000"/>
-                  </a:schemeClr>
-                </a:solidFill>
-              </a:rPr>
-              <a:t>резултат</a:t>
-            </a:r>
-            <a:r>
-              <a:rPr lang="en-US" dirty="0">
-                <a:solidFill>
-                  <a:schemeClr val="tx1">
-                    <a:lumMod val="95000"/>
-                  </a:schemeClr>
-                </a:solidFill>
-              </a:rPr>
-              <a:t> </a:t>
-            </a:r>
-            <a:r>
-              <a:rPr lang="en-US" dirty="0" err="1">
-                <a:solidFill>
-                  <a:schemeClr val="tx1">
-                    <a:lumMod val="95000"/>
-                  </a:schemeClr>
-                </a:solidFill>
-              </a:rPr>
-              <a:t>системата</a:t>
-            </a:r>
-            <a:r>
-              <a:rPr lang="en-US" dirty="0">
-                <a:solidFill>
-                  <a:schemeClr val="tx1">
-                    <a:lumMod val="95000"/>
-                  </a:schemeClr>
-                </a:solidFill>
-              </a:rPr>
-              <a:t> </a:t>
-            </a:r>
-            <a:r>
-              <a:rPr lang="bg-BG" dirty="0">
-                <a:solidFill>
-                  <a:schemeClr val="tx1">
-                    <a:lumMod val="95000"/>
-                  </a:schemeClr>
-                </a:solidFill>
-              </a:rPr>
-              <a:t>изпраща до администратора поискването на лектора и той преценява дали да запази тази зала за него или не.</a:t>
-            </a:r>
-          </a:p>
-          <a:p>
-            <a:endParaRPr lang="bg-BG" b="1" dirty="0">
-              <a:solidFill>
-                <a:schemeClr val="tx1">
-                  <a:lumMod val="95000"/>
-                </a:schemeClr>
-              </a:solidFill>
-            </a:endParaRPr>
-          </a:p>
-          <a:p>
-            <a:r>
-              <a:rPr lang="bg-BG" b="1" dirty="0">
-                <a:solidFill>
-                  <a:schemeClr val="tx1">
-                    <a:lumMod val="95000"/>
-                  </a:schemeClr>
-                </a:solidFill>
-              </a:rPr>
-              <a:t>Екипно р</a:t>
-            </a:r>
-            <a:r>
-              <a:rPr lang="en-US" b="1" dirty="0" err="1">
-                <a:solidFill>
-                  <a:schemeClr val="tx1">
-                    <a:lumMod val="95000"/>
-                  </a:schemeClr>
-                </a:solidFill>
-              </a:rPr>
-              <a:t>ешихме</a:t>
-            </a:r>
-            <a:r>
-              <a:rPr lang="en-US" b="1" dirty="0">
-                <a:solidFill>
-                  <a:schemeClr val="tx1">
-                    <a:lumMod val="95000"/>
-                  </a:schemeClr>
-                </a:solidFill>
-              </a:rPr>
-              <a:t> </a:t>
-            </a:r>
-            <a:r>
-              <a:rPr lang="en-US" b="1" dirty="0" err="1">
-                <a:solidFill>
-                  <a:schemeClr val="tx1">
-                    <a:lumMod val="95000"/>
-                  </a:schemeClr>
-                </a:solidFill>
-              </a:rPr>
-              <a:t>да</a:t>
-            </a:r>
-            <a:r>
-              <a:rPr lang="en-US" b="1" dirty="0">
-                <a:solidFill>
-                  <a:schemeClr val="tx1">
-                    <a:lumMod val="95000"/>
-                  </a:schemeClr>
-                </a:solidFill>
-              </a:rPr>
-              <a:t> </a:t>
-            </a:r>
-            <a:r>
-              <a:rPr lang="en-US" b="1" dirty="0" err="1">
-                <a:solidFill>
-                  <a:schemeClr val="tx1">
-                    <a:lumMod val="95000"/>
-                  </a:schemeClr>
-                </a:solidFill>
-              </a:rPr>
-              <a:t>приоритизираме</a:t>
-            </a:r>
-            <a:r>
-              <a:rPr lang="en-US" b="1" dirty="0">
-                <a:solidFill>
-                  <a:schemeClr val="tx1">
-                    <a:lumMod val="95000"/>
-                  </a:schemeClr>
-                </a:solidFill>
-              </a:rPr>
-              <a:t> </a:t>
-            </a:r>
-            <a:r>
-              <a:rPr lang="bg-BG" b="1" dirty="0">
-                <a:solidFill>
-                  <a:schemeClr val="tx1">
-                    <a:lumMod val="95000"/>
-                  </a:schemeClr>
-                </a:solidFill>
-              </a:rPr>
-              <a:t>всички пълни описания на потребителските случаи по това колко често ще се използват в информационната система за разпределение на зали</a:t>
-            </a:r>
-          </a:p>
-          <a:p>
-            <a:endParaRPr lang="bg-BG" dirty="0">
-              <a:solidFill>
-                <a:schemeClr val="tx1">
-                  <a:lumMod val="95000"/>
-                </a:schemeClr>
-              </a:solidFill>
-            </a:endParaRPr>
-          </a:p>
         </p:txBody>
       </p:sp>
     </p:spTree>
     <p:extLst>
       <p:ext uri="{BB962C8B-B14F-4D97-AF65-F5344CB8AC3E}">
-        <p14:creationId xmlns:p14="http://schemas.microsoft.com/office/powerpoint/2010/main" val="3210001123"/>
+        <p14:creationId xmlns:p14="http://schemas.microsoft.com/office/powerpoint/2010/main" val="1685515373"/>
       </p:ext>
     </p:extLst>
   </p:cSld>
@@ -11920,1620 +13450,501 @@
         </p:nvSpPr>
         <p:spPr>
           <a:xfrm>
-            <a:off x="1054082" y="285202"/>
-            <a:ext cx="8534400" cy="1507067"/>
+            <a:off x="4645891" y="0"/>
+            <a:ext cx="5145375" cy="1507067"/>
           </a:xfrm>
         </p:spPr>
         <p:txBody>
-          <a:bodyPr>
-            <a:normAutofit fontScale="90000"/>
-          </a:bodyPr>
+          <a:bodyPr/>
           <a:lstStyle/>
           <a:p>
             <a:r>
-              <a:rPr lang="bg-BG" dirty="0"/>
-              <a:t>списък на потребителските случаи</a:t>
-            </a:r>
-            <a:br>
-              <a:rPr lang="bg-BG" dirty="0"/>
-            </a:br>
-            <a:endParaRPr lang="bg-BG" dirty="0"/>
+              <a:rPr lang="en-US" dirty="0"/>
+              <a:t>(F)URPS</a:t>
+            </a:r>
           </a:p>
         </p:txBody>
       </p:sp>
       <p:sp>
         <p:nvSpPr>
-          <p:cNvPr id="3" name="Content Placeholder 2"/>
-          <p:cNvSpPr>
-            <a:spLocks noGrp="1"/>
-          </p:cNvSpPr>
-          <p:nvPr>
-            <p:ph idx="1"/>
-          </p:nvPr>
+          <p:cNvPr id="4" name="TextBox 3"/>
+          <p:cNvSpPr txBox="1"/>
+          <p:nvPr/>
         </p:nvSpPr>
         <p:spPr>
           <a:xfrm>
-            <a:off x="776680" y="1458931"/>
-            <a:ext cx="8534400" cy="5061942"/>
+            <a:off x="1662545" y="1231515"/>
+            <a:ext cx="9347200" cy="646331"/>
           </a:xfrm>
+          <a:prstGeom prst="rect">
+            <a:avLst/>
+          </a:prstGeom>
+          <a:noFill/>
         </p:spPr>
         <p:txBody>
-          <a:bodyPr>
-            <a:normAutofit fontScale="92500" lnSpcReduction="10000"/>
+          <a:bodyPr wrap="square" rtlCol="0">
+            <a:spAutoFit/>
           </a:bodyPr>
           <a:lstStyle/>
           <a:p>
             <a:r>
-              <a:rPr lang="bg-BG" b="1" dirty="0">
-                <a:solidFill>
-                  <a:schemeClr val="tx1">
-                    <a:lumMod val="95000"/>
-                  </a:schemeClr>
-                </a:solidFill>
-              </a:rPr>
-              <a:t>Други функционалности: </a:t>
-            </a:r>
-          </a:p>
-          <a:p>
-            <a:pPr lvl="1"/>
-            <a:r>
-              <a:rPr lang="en-US" sz="2000" b="1" dirty="0" err="1">
-                <a:solidFill>
-                  <a:schemeClr val="tx1">
-                    <a:lumMod val="95000"/>
-                  </a:schemeClr>
-                </a:solidFill>
-              </a:rPr>
-              <a:t>Вход</a:t>
-            </a:r>
-            <a:r>
-              <a:rPr lang="en-US" sz="2000" b="1" dirty="0">
-                <a:solidFill>
-                  <a:schemeClr val="tx1">
-                    <a:lumMod val="95000"/>
-                  </a:schemeClr>
-                </a:solidFill>
-              </a:rPr>
-              <a:t> в </a:t>
-            </a:r>
-            <a:r>
-              <a:rPr lang="en-US" sz="2000" b="1" dirty="0" err="1">
-                <a:solidFill>
-                  <a:schemeClr val="tx1">
-                    <a:lumMod val="95000"/>
-                  </a:schemeClr>
-                </a:solidFill>
-              </a:rPr>
+              <a:rPr lang="en-US" b="1" dirty="0" err="1"/>
+              <a:t>Начално</a:t>
+            </a:r>
+            <a:r>
+              <a:rPr lang="en-US" b="1" dirty="0"/>
+              <a:t> </a:t>
+            </a:r>
+            <a:r>
+              <a:rPr lang="en-US" b="1" dirty="0" err="1"/>
+              <a:t>описание</a:t>
+            </a:r>
+            <a:r>
+              <a:rPr lang="en-US" b="1" dirty="0"/>
+              <a:t> </a:t>
+            </a:r>
+            <a:r>
+              <a:rPr lang="en-US" b="1" dirty="0" err="1"/>
+              <a:t>на</a:t>
+            </a:r>
+            <a:r>
+              <a:rPr lang="en-US" b="1" dirty="0"/>
+              <a:t> </a:t>
+            </a:r>
+            <a:r>
+              <a:rPr lang="en-US" b="1" dirty="0" err="1"/>
+              <a:t>нефункционалните</a:t>
+            </a:r>
+            <a:r>
+              <a:rPr lang="en-US" b="1" dirty="0"/>
+              <a:t> </a:t>
+            </a:r>
+            <a:r>
+              <a:rPr lang="en-US" b="1" dirty="0" err="1"/>
+              <a:t>изисквания</a:t>
+            </a:r>
+            <a:r>
+              <a:rPr lang="en-US" b="1" dirty="0"/>
+              <a:t> </a:t>
+            </a:r>
+            <a:r>
+              <a:rPr lang="en-US" b="1" dirty="0" err="1"/>
+              <a:t>по</a:t>
+            </a:r>
+            <a:r>
+              <a:rPr lang="en-US" b="1" dirty="0"/>
+              <a:t> </a:t>
+            </a:r>
+            <a:r>
+              <a:rPr lang="en-US" b="1" dirty="0" err="1"/>
+              <a:t>модела</a:t>
+            </a:r>
+            <a:r>
+              <a:rPr lang="en-US" b="1" dirty="0"/>
+              <a:t> FURPS</a:t>
+            </a:r>
+            <a:endParaRPr lang="en-US" dirty="0"/>
+          </a:p>
+          <a:p>
+            <a:endParaRPr lang="en-US" dirty="0"/>
+          </a:p>
+        </p:txBody>
+      </p:sp>
+      <p:sp>
+        <p:nvSpPr>
+          <p:cNvPr id="5" name="TextBox 4"/>
+          <p:cNvSpPr txBox="1"/>
+          <p:nvPr/>
+        </p:nvSpPr>
+        <p:spPr>
+          <a:xfrm>
+            <a:off x="1062181" y="2338232"/>
+            <a:ext cx="9855201" cy="4154984"/>
+          </a:xfrm>
+          <a:prstGeom prst="rect">
+            <a:avLst/>
+          </a:prstGeom>
+          <a:noFill/>
+        </p:spPr>
+        <p:txBody>
+          <a:bodyPr wrap="square" rtlCol="0">
+            <a:spAutoFit/>
+          </a:bodyPr>
+          <a:lstStyle/>
+          <a:p>
+            <a:r>
+              <a:rPr lang="en-US" sz="2400" b="1" dirty="0"/>
+              <a:t>1.Функционалност(Functionality)</a:t>
+            </a:r>
+            <a:endParaRPr lang="en-US" sz="2400" dirty="0"/>
+          </a:p>
+          <a:p>
+            <a:r>
+              <a:rPr lang="en-US" sz="2400" b="1" dirty="0"/>
+              <a:t> </a:t>
+            </a:r>
+            <a:endParaRPr lang="en-US" sz="2400" dirty="0"/>
+          </a:p>
+          <a:p>
+            <a:r>
+              <a:rPr lang="en-US" sz="2400" dirty="0"/>
+              <a:t>      1.1 </a:t>
+            </a:r>
+            <a:r>
+              <a:rPr lang="en-US" sz="2400" dirty="0" err="1"/>
+              <a:t>Изпращане</a:t>
+            </a:r>
+            <a:r>
+              <a:rPr lang="en-US" sz="2400" dirty="0"/>
+              <a:t> </a:t>
+            </a:r>
+            <a:r>
+              <a:rPr lang="en-US" sz="2400" dirty="0" err="1"/>
+              <a:t>на</a:t>
+            </a:r>
+            <a:r>
+              <a:rPr lang="en-US" sz="2400" dirty="0"/>
+              <a:t> </a:t>
+            </a:r>
+            <a:r>
+              <a:rPr lang="en-US" sz="2400" dirty="0" err="1"/>
+              <a:t>нова</a:t>
+            </a:r>
+            <a:r>
+              <a:rPr lang="en-US" sz="2400" dirty="0"/>
+              <a:t> </a:t>
+            </a:r>
+            <a:r>
+              <a:rPr lang="en-US" sz="2400" dirty="0" err="1"/>
+              <a:t>парола</a:t>
+            </a:r>
+            <a:r>
+              <a:rPr lang="en-US" sz="2400" dirty="0"/>
+              <a:t> - </a:t>
+            </a:r>
+            <a:r>
+              <a:rPr lang="en-US" sz="2400" dirty="0" err="1"/>
+              <a:t>при</a:t>
+            </a:r>
+            <a:r>
+              <a:rPr lang="en-US" sz="2400" dirty="0"/>
+              <a:t> </a:t>
+            </a:r>
+            <a:r>
+              <a:rPr lang="en-US" sz="2400" dirty="0" err="1"/>
+              <a:t>забравена</a:t>
+            </a:r>
+            <a:r>
+              <a:rPr lang="en-US" sz="2400" dirty="0"/>
+              <a:t> </a:t>
+            </a:r>
+            <a:r>
+              <a:rPr lang="en-US" sz="2400" dirty="0" err="1"/>
+              <a:t>парола</a:t>
+            </a:r>
+            <a:r>
+              <a:rPr lang="en-US" sz="2400" dirty="0"/>
+              <a:t>, </a:t>
+            </a:r>
+            <a:r>
+              <a:rPr lang="en-US" sz="2400" dirty="0" err="1"/>
               <a:t>системата</a:t>
             </a:r>
-            <a:endParaRPr lang="en-US" sz="2000" dirty="0">
-              <a:solidFill>
-                <a:schemeClr val="tx1">
-                  <a:lumMod val="95000"/>
-                </a:schemeClr>
-              </a:solidFill>
-            </a:endParaRPr>
-          </a:p>
-          <a:p>
-            <a:pPr lvl="1"/>
-            <a:r>
-              <a:rPr lang="en-US" sz="2000" dirty="0" err="1">
-                <a:solidFill>
-                  <a:schemeClr val="tx1">
-                    <a:lumMod val="95000"/>
-                  </a:schemeClr>
-                </a:solidFill>
-              </a:rPr>
-              <a:t>Всеки</a:t>
-            </a:r>
-            <a:r>
-              <a:rPr lang="en-US" sz="2000" dirty="0">
-                <a:solidFill>
-                  <a:schemeClr val="tx1">
-                    <a:lumMod val="95000"/>
-                  </a:schemeClr>
-                </a:solidFill>
-              </a:rPr>
-              <a:t> </a:t>
-            </a:r>
-            <a:r>
-              <a:rPr lang="en-US" sz="2000" dirty="0" err="1">
-                <a:solidFill>
-                  <a:schemeClr val="tx1">
-                    <a:lumMod val="95000"/>
-                  </a:schemeClr>
-                </a:solidFill>
-              </a:rPr>
-              <a:t>потребител</a:t>
-            </a:r>
-            <a:r>
-              <a:rPr lang="en-US" sz="2000" dirty="0">
-                <a:solidFill>
-                  <a:schemeClr val="tx1">
-                    <a:lumMod val="95000"/>
-                  </a:schemeClr>
-                </a:solidFill>
-              </a:rPr>
-              <a:t> </a:t>
-            </a:r>
-            <a:r>
-              <a:rPr lang="en-US" sz="2000" dirty="0" err="1">
-                <a:solidFill>
-                  <a:schemeClr val="tx1">
-                    <a:lumMod val="95000"/>
-                  </a:schemeClr>
-                </a:solidFill>
-              </a:rPr>
+            <a:r>
+              <a:rPr lang="en-US" sz="2400" dirty="0"/>
+              <a:t> </a:t>
+            </a:r>
+            <a:r>
+              <a:rPr lang="en-US" sz="2400" dirty="0" err="1"/>
+              <a:t>изпраща</a:t>
+            </a:r>
+            <a:r>
+              <a:rPr lang="en-US" sz="2400" dirty="0"/>
+              <a:t> </a:t>
+            </a:r>
+            <a:r>
+              <a:rPr lang="en-US" sz="2400" dirty="0" err="1"/>
+              <a:t>нова</a:t>
+            </a:r>
+            <a:r>
+              <a:rPr lang="en-US" sz="2400" dirty="0"/>
+              <a:t>,  </a:t>
+            </a:r>
+            <a:r>
+              <a:rPr lang="en-US" sz="2400" dirty="0" err="1"/>
+              <a:t>произволно</a:t>
+            </a:r>
+            <a:r>
+              <a:rPr lang="en-US" sz="2400" dirty="0"/>
+              <a:t> </a:t>
+            </a:r>
+            <a:r>
+              <a:rPr lang="en-US" sz="2400" dirty="0" err="1"/>
+              <a:t>генерирана</a:t>
+            </a:r>
+            <a:r>
+              <a:rPr lang="en-US" sz="2400" dirty="0"/>
+              <a:t> </a:t>
+            </a:r>
+            <a:r>
+              <a:rPr lang="en-US" sz="2400" dirty="0" err="1"/>
               <a:t>на</a:t>
             </a:r>
             <a:r>
-              <a:rPr lang="en-US" sz="2000" dirty="0">
-                <a:solidFill>
-                  <a:schemeClr val="tx1">
-                    <a:lumMod val="95000"/>
-                  </a:schemeClr>
-                </a:solidFill>
-              </a:rPr>
-              <a:t> </a:t>
-            </a:r>
-            <a:r>
-              <a:rPr lang="en-US" sz="2000" dirty="0" err="1">
-                <a:solidFill>
-                  <a:schemeClr val="tx1">
-                    <a:lumMod val="95000"/>
-                  </a:schemeClr>
-                </a:solidFill>
-              </a:rPr>
-              <a:t>информационната</a:t>
-            </a:r>
-            <a:r>
-              <a:rPr lang="en-US" sz="2000" dirty="0">
-                <a:solidFill>
-                  <a:schemeClr val="tx1">
-                    <a:lumMod val="95000"/>
-                  </a:schemeClr>
-                </a:solidFill>
-              </a:rPr>
-              <a:t> </a:t>
-            </a:r>
-            <a:r>
-              <a:rPr lang="en-US" sz="2000" dirty="0" err="1">
-                <a:solidFill>
-                  <a:schemeClr val="tx1">
-                    <a:lumMod val="95000"/>
-                  </a:schemeClr>
-                </a:solidFill>
-              </a:rPr>
-              <a:t>система</a:t>
-            </a:r>
-            <a:r>
-              <a:rPr lang="en-US" sz="2000" dirty="0">
-                <a:solidFill>
-                  <a:schemeClr val="tx1">
-                    <a:lumMod val="95000"/>
-                  </a:schemeClr>
-                </a:solidFill>
-              </a:rPr>
-              <a:t> </a:t>
-            </a:r>
-            <a:r>
-              <a:rPr lang="en-US" sz="2000" dirty="0" err="1">
-                <a:solidFill>
-                  <a:schemeClr val="tx1">
-                    <a:lumMod val="95000"/>
-                  </a:schemeClr>
-                </a:solidFill>
-              </a:rPr>
-              <a:t>трябва</a:t>
-            </a:r>
-            <a:r>
-              <a:rPr lang="en-US" sz="2000" dirty="0">
-                <a:solidFill>
-                  <a:schemeClr val="tx1">
-                    <a:lumMod val="95000"/>
-                  </a:schemeClr>
-                </a:solidFill>
-              </a:rPr>
-              <a:t> </a:t>
-            </a:r>
-            <a:r>
-              <a:rPr lang="en-US" sz="2000" dirty="0" err="1">
-                <a:solidFill>
-                  <a:schemeClr val="tx1">
-                    <a:lumMod val="95000"/>
-                  </a:schemeClr>
-                </a:solidFill>
-              </a:rPr>
+              <a:rPr lang="en-US" sz="2400" dirty="0"/>
+              <a:t> </a:t>
+            </a:r>
+            <a:r>
+              <a:rPr lang="en-US" sz="2400" dirty="0" err="1"/>
+              <a:t>имейла</a:t>
+            </a:r>
+            <a:r>
+              <a:rPr lang="en-US" sz="2400" dirty="0"/>
+              <a:t> </a:t>
+            </a:r>
+            <a:r>
+              <a:rPr lang="en-US" sz="2400" dirty="0" err="1"/>
+              <a:t>на</a:t>
+            </a:r>
+            <a:r>
+              <a:rPr lang="en-US" sz="2400" dirty="0"/>
+              <a:t> </a:t>
+            </a:r>
+            <a:r>
+              <a:rPr lang="en-US" sz="2400" dirty="0" err="1"/>
+              <a:t>потребителя</a:t>
+            </a:r>
+            <a:r>
+              <a:rPr lang="en-US" sz="2400" dirty="0"/>
+              <a:t>.</a:t>
+            </a:r>
+          </a:p>
+          <a:p>
+            <a:endParaRPr lang="en-US" sz="2000" dirty="0"/>
+          </a:p>
+          <a:p>
+            <a:r>
+              <a:rPr lang="en-US" sz="2400" dirty="0"/>
+              <a:t>      1.2 </a:t>
+            </a:r>
+            <a:r>
+              <a:rPr lang="en-US" sz="2400" dirty="0" err="1"/>
+              <a:t>Възможност</a:t>
+            </a:r>
+            <a:r>
+              <a:rPr lang="en-US" sz="2400" dirty="0"/>
+              <a:t> </a:t>
+            </a:r>
+            <a:r>
+              <a:rPr lang="en-US" sz="2400" dirty="0" err="1"/>
+              <a:t>за</a:t>
+            </a:r>
+            <a:r>
+              <a:rPr lang="en-US" sz="2400" dirty="0"/>
+              <a:t> </a:t>
+            </a:r>
+            <a:r>
+              <a:rPr lang="en-US" sz="2400" dirty="0" err="1"/>
+              <a:t>допълнително</a:t>
+            </a:r>
+            <a:r>
+              <a:rPr lang="en-US" sz="2400" dirty="0"/>
+              <a:t> </a:t>
+            </a:r>
+            <a:r>
+              <a:rPr lang="en-US" sz="2400" dirty="0" err="1"/>
+              <a:t>описание</a:t>
+            </a:r>
+            <a:r>
+              <a:rPr lang="en-US" sz="2400" dirty="0"/>
+              <a:t> </a:t>
+            </a:r>
+            <a:r>
+              <a:rPr lang="en-US" sz="2400" dirty="0" err="1"/>
+              <a:t>на</a:t>
+            </a:r>
+            <a:r>
+              <a:rPr lang="en-US" sz="2400" dirty="0"/>
+              <a:t> </a:t>
+            </a:r>
+            <a:r>
+              <a:rPr lang="en-US" sz="2400" dirty="0" err="1"/>
+              <a:t>резервация</a:t>
+            </a:r>
+            <a:r>
+              <a:rPr lang="en-US" sz="2400" dirty="0"/>
+              <a:t> - </a:t>
+            </a:r>
+            <a:r>
+              <a:rPr lang="en-US" sz="2400" dirty="0" err="1"/>
+              <a:t>при</a:t>
+            </a:r>
+            <a:r>
+              <a:rPr lang="en-US" sz="2400" dirty="0"/>
+              <a:t> </a:t>
+            </a:r>
+            <a:r>
+              <a:rPr lang="en-US" sz="2400" dirty="0" err="1"/>
+              <a:t>резервация</a:t>
+            </a:r>
+            <a:r>
+              <a:rPr lang="en-US" sz="2400" dirty="0"/>
+              <a:t> </a:t>
+            </a:r>
+            <a:r>
+              <a:rPr lang="en-US" sz="2400" dirty="0" err="1"/>
+              <a:t>на</a:t>
+            </a:r>
+            <a:r>
+              <a:rPr lang="en-US" sz="2400" dirty="0"/>
+              <a:t> </a:t>
+            </a:r>
+            <a:r>
+              <a:rPr lang="en-US" sz="2400" dirty="0" err="1"/>
+              <a:t>зала</a:t>
+            </a:r>
+            <a:r>
+              <a:rPr lang="en-US" sz="2400" dirty="0"/>
+              <a:t>, </a:t>
+            </a:r>
+            <a:r>
+              <a:rPr lang="en-US" sz="2400" dirty="0" err="1"/>
+              <a:t>потребителят</a:t>
+            </a:r>
+            <a:r>
+              <a:rPr lang="en-US" sz="2400" dirty="0"/>
+              <a:t> </a:t>
+            </a:r>
+            <a:r>
+              <a:rPr lang="en-US" sz="2400" dirty="0" err="1"/>
+              <a:t>може</a:t>
+            </a:r>
+            <a:r>
+              <a:rPr lang="en-US" sz="2400" dirty="0"/>
+              <a:t> </a:t>
+            </a:r>
+            <a:r>
+              <a:rPr lang="en-US" sz="2400" dirty="0" err="1"/>
               <a:t>да</a:t>
             </a:r>
             <a:r>
-              <a:rPr lang="en-US" sz="2000" dirty="0">
-                <a:solidFill>
-                  <a:schemeClr val="tx1">
-                    <a:lumMod val="95000"/>
-                  </a:schemeClr>
-                </a:solidFill>
-              </a:rPr>
-              <a:t> </a:t>
-            </a:r>
-            <a:r>
-              <a:rPr lang="en-US" sz="2000" dirty="0" err="1">
-                <a:solidFill>
-                  <a:schemeClr val="tx1">
-                    <a:lumMod val="95000"/>
-                  </a:schemeClr>
-                </a:solidFill>
-              </a:rPr>
-              <a:t>може</a:t>
-            </a:r>
-            <a:r>
-              <a:rPr lang="en-US" sz="2000" dirty="0">
-                <a:solidFill>
-                  <a:schemeClr val="tx1">
-                    <a:lumMod val="95000"/>
-                  </a:schemeClr>
-                </a:solidFill>
-              </a:rPr>
-              <a:t> </a:t>
-            </a:r>
-            <a:r>
-              <a:rPr lang="en-US" sz="2000" dirty="0" err="1">
-                <a:solidFill>
-                  <a:schemeClr val="tx1">
-                    <a:lumMod val="95000"/>
-                  </a:schemeClr>
-                </a:solidFill>
-              </a:rPr>
-              <a:t>да</a:t>
-            </a:r>
-            <a:r>
-              <a:rPr lang="en-US" sz="2000" dirty="0">
-                <a:solidFill>
-                  <a:schemeClr val="tx1">
-                    <a:lumMod val="95000"/>
-                  </a:schemeClr>
-                </a:solidFill>
-              </a:rPr>
-              <a:t> </a:t>
-            </a:r>
-            <a:r>
-              <a:rPr lang="en-US" sz="2000" dirty="0" err="1">
-                <a:solidFill>
-                  <a:schemeClr val="tx1">
-                    <a:lumMod val="95000"/>
-                  </a:schemeClr>
-                </a:solidFill>
-              </a:rPr>
-              <a:t>влезе</a:t>
-            </a:r>
-            <a:r>
-              <a:rPr lang="en-US" sz="2000" dirty="0">
-                <a:solidFill>
-                  <a:schemeClr val="tx1">
-                    <a:lumMod val="95000"/>
-                  </a:schemeClr>
-                </a:solidFill>
-              </a:rPr>
-              <a:t> в </a:t>
-            </a:r>
-            <a:r>
-              <a:rPr lang="en-US" sz="2000" dirty="0" err="1">
-                <a:solidFill>
-                  <a:schemeClr val="tx1">
-                    <a:lumMod val="95000"/>
-                  </a:schemeClr>
-                </a:solidFill>
-              </a:rPr>
-              <a:t>нея</a:t>
-            </a:r>
-            <a:r>
-              <a:rPr lang="en-US" sz="2000" dirty="0">
-                <a:solidFill>
-                  <a:schemeClr val="tx1">
-                    <a:lumMod val="95000"/>
-                  </a:schemeClr>
-                </a:solidFill>
-              </a:rPr>
-              <a:t>. </a:t>
-            </a:r>
-            <a:r>
-              <a:rPr lang="en-US" sz="2000" dirty="0" err="1">
-                <a:solidFill>
-                  <a:schemeClr val="tx1">
-                    <a:lumMod val="95000"/>
-                  </a:schemeClr>
-                </a:solidFill>
-              </a:rPr>
-              <a:t>След</a:t>
-            </a:r>
-            <a:r>
-              <a:rPr lang="en-US" sz="2000" dirty="0">
-                <a:solidFill>
-                  <a:schemeClr val="tx1">
-                    <a:lumMod val="95000"/>
-                  </a:schemeClr>
-                </a:solidFill>
-              </a:rPr>
-              <a:t> </a:t>
-            </a:r>
-            <a:r>
-              <a:rPr lang="en-US" sz="2000" dirty="0" err="1">
-                <a:solidFill>
-                  <a:schemeClr val="tx1">
-                    <a:lumMod val="95000"/>
-                  </a:schemeClr>
-                </a:solidFill>
-              </a:rPr>
-              <a:t>успешно</a:t>
-            </a:r>
-            <a:r>
-              <a:rPr lang="en-US" sz="2000" dirty="0">
-                <a:solidFill>
-                  <a:schemeClr val="tx1">
-                    <a:lumMod val="95000"/>
-                  </a:schemeClr>
-                </a:solidFill>
-              </a:rPr>
-              <a:t> </a:t>
-            </a:r>
-            <a:r>
-              <a:rPr lang="en-US" sz="2000" dirty="0" err="1">
-                <a:solidFill>
-                  <a:schemeClr val="tx1">
-                    <a:lumMod val="95000"/>
-                  </a:schemeClr>
-                </a:solidFill>
-              </a:rPr>
-              <a:t>влизане</a:t>
-            </a:r>
-            <a:r>
-              <a:rPr lang="en-US" sz="2000" dirty="0">
-                <a:solidFill>
-                  <a:schemeClr val="tx1">
-                    <a:lumMod val="95000"/>
-                  </a:schemeClr>
-                </a:solidFill>
-              </a:rPr>
-              <a:t> в </a:t>
-            </a:r>
-            <a:r>
-              <a:rPr lang="en-US" sz="2000" dirty="0" err="1">
-                <a:solidFill>
-                  <a:schemeClr val="tx1">
-                    <a:lumMod val="95000"/>
-                  </a:schemeClr>
-                </a:solidFill>
-              </a:rPr>
-              <a:t>системата</a:t>
-            </a:r>
-            <a:r>
-              <a:rPr lang="en-US" sz="2000" dirty="0">
-                <a:solidFill>
-                  <a:schemeClr val="tx1">
-                    <a:lumMod val="95000"/>
-                  </a:schemeClr>
-                </a:solidFill>
-              </a:rPr>
-              <a:t>, в </a:t>
-            </a:r>
-            <a:r>
-              <a:rPr lang="en-US" sz="2000" dirty="0" err="1">
-                <a:solidFill>
-                  <a:schemeClr val="tx1">
-                    <a:lumMod val="95000"/>
-                  </a:schemeClr>
-                </a:solidFill>
-              </a:rPr>
-              <a:t>зависимост</a:t>
-            </a:r>
-            <a:r>
-              <a:rPr lang="en-US" sz="2000" dirty="0">
-                <a:solidFill>
-                  <a:schemeClr val="tx1">
-                    <a:lumMod val="95000"/>
-                  </a:schemeClr>
-                </a:solidFill>
-              </a:rPr>
-              <a:t> </a:t>
-            </a:r>
-            <a:r>
-              <a:rPr lang="en-US" sz="2000" dirty="0" err="1">
-                <a:solidFill>
-                  <a:schemeClr val="tx1">
-                    <a:lumMod val="95000"/>
-                  </a:schemeClr>
-                </a:solidFill>
-              </a:rPr>
-              <a:t>от</a:t>
-            </a:r>
-            <a:r>
-              <a:rPr lang="en-US" sz="2000" dirty="0">
-                <a:solidFill>
-                  <a:schemeClr val="tx1">
-                    <a:lumMod val="95000"/>
-                  </a:schemeClr>
-                </a:solidFill>
-              </a:rPr>
-              <a:t> </a:t>
-            </a:r>
-            <a:r>
-              <a:rPr lang="en-US" sz="2000" dirty="0" err="1">
-                <a:solidFill>
-                  <a:schemeClr val="tx1">
-                    <a:lumMod val="95000"/>
-                  </a:schemeClr>
-                </a:solidFill>
-              </a:rPr>
-              <a:t>ролята</a:t>
-            </a:r>
-            <a:r>
-              <a:rPr lang="en-US" sz="2000" dirty="0">
-                <a:solidFill>
-                  <a:schemeClr val="tx1">
-                    <a:lumMod val="95000"/>
-                  </a:schemeClr>
-                </a:solidFill>
-              </a:rPr>
+              <a:rPr lang="en-US" sz="2400" dirty="0"/>
+              <a:t> </a:t>
+            </a:r>
+            <a:r>
+              <a:rPr lang="en-US" sz="2400" dirty="0" err="1"/>
+              <a:t>посочи</a:t>
+            </a:r>
+            <a:r>
+              <a:rPr lang="en-US" sz="2400" dirty="0"/>
+              <a:t> </a:t>
+            </a:r>
+            <a:r>
+              <a:rPr lang="en-US" sz="2400" dirty="0" err="1"/>
+              <a:t>допълнителна</a:t>
+            </a:r>
+            <a:r>
+              <a:rPr lang="en-US" sz="2400" dirty="0"/>
+              <a:t> </a:t>
+            </a:r>
+            <a:r>
+              <a:rPr lang="en-US" sz="2400" dirty="0" err="1"/>
+              <a:t>информация</a:t>
+            </a:r>
+            <a:r>
+              <a:rPr lang="en-US" sz="2400" dirty="0"/>
+              <a:t> </a:t>
+            </a:r>
+            <a:r>
+              <a:rPr lang="en-US" sz="2400" dirty="0" err="1"/>
+              <a:t>за</a:t>
+            </a:r>
+            <a:r>
+              <a:rPr lang="en-US" sz="2400" dirty="0"/>
+              <a:t> </a:t>
+            </a:r>
+            <a:r>
+              <a:rPr lang="en-US" sz="2400" dirty="0" err="1"/>
+              <a:t>това</a:t>
+            </a:r>
+            <a:r>
+              <a:rPr lang="en-US" sz="2400" dirty="0"/>
+              <a:t> </a:t>
+            </a:r>
+            <a:r>
+              <a:rPr lang="en-US" sz="2400" dirty="0" err="1"/>
+              <a:t>какъв</a:t>
+            </a:r>
+            <a:r>
+              <a:rPr lang="en-US" sz="2400" dirty="0"/>
+              <a:t> </a:t>
+            </a:r>
+            <a:r>
+              <a:rPr lang="en-US" sz="2400" dirty="0" err="1"/>
+              <a:t>ресурс</a:t>
+            </a:r>
+            <a:r>
+              <a:rPr lang="en-US" sz="2400" dirty="0"/>
+              <a:t> </a:t>
+            </a:r>
+            <a:r>
+              <a:rPr lang="en-US" sz="2400" dirty="0" err="1"/>
+              <a:t>ще</a:t>
+            </a:r>
+            <a:r>
+              <a:rPr lang="en-US" sz="2400" dirty="0"/>
+              <a:t> </a:t>
+            </a:r>
+            <a:r>
+              <a:rPr lang="en-US" sz="2400" dirty="0" err="1"/>
+              <a:t>съдържа</a:t>
+            </a:r>
+            <a:r>
+              <a:rPr lang="en-US" sz="2400" dirty="0"/>
+              <a:t> </a:t>
+            </a:r>
+            <a:r>
+              <a:rPr lang="en-US" sz="2400" dirty="0" err="1"/>
+              <a:t>залата</a:t>
+            </a:r>
+            <a:r>
+              <a:rPr lang="en-US" sz="2400" dirty="0"/>
+              <a:t> (</a:t>
+            </a:r>
+            <a:r>
+              <a:rPr lang="en-US" sz="2400" dirty="0" err="1"/>
+              <a:t>мултимедия</a:t>
+            </a:r>
+            <a:r>
+              <a:rPr lang="en-US" sz="2400" dirty="0"/>
               <a:t>, </a:t>
             </a:r>
             <a:r>
-              <a:rPr lang="en-US" sz="2000" dirty="0" err="1">
-                <a:solidFill>
-                  <a:schemeClr val="tx1">
-                    <a:lumMod val="95000"/>
-                  </a:schemeClr>
-                </a:solidFill>
-              </a:rPr>
-              <a:t>потребителят</a:t>
-            </a:r>
-            <a:r>
-              <a:rPr lang="en-US" sz="2000" dirty="0">
-                <a:solidFill>
-                  <a:schemeClr val="tx1">
-                    <a:lumMod val="95000"/>
-                  </a:schemeClr>
-                </a:solidFill>
-              </a:rPr>
-              <a:t> </a:t>
-            </a:r>
-            <a:r>
-              <a:rPr lang="en-US" sz="2000" dirty="0" err="1">
-                <a:solidFill>
-                  <a:schemeClr val="tx1">
-                    <a:lumMod val="95000"/>
-                  </a:schemeClr>
-                </a:solidFill>
-              </a:rPr>
-              <a:t>има</a:t>
-            </a:r>
-            <a:r>
-              <a:rPr lang="en-US" sz="2000" dirty="0">
-                <a:solidFill>
-                  <a:schemeClr val="tx1">
-                    <a:lumMod val="95000"/>
-                  </a:schemeClr>
-                </a:solidFill>
-              </a:rPr>
-              <a:t> </a:t>
-            </a:r>
-            <a:r>
-              <a:rPr lang="en-US" sz="2000" dirty="0" err="1">
-                <a:solidFill>
-                  <a:schemeClr val="tx1">
-                    <a:lumMod val="95000"/>
-                  </a:schemeClr>
-                </a:solidFill>
-              </a:rPr>
-              <a:t>различни</a:t>
-            </a:r>
-            <a:r>
-              <a:rPr lang="en-US" sz="2000" dirty="0">
-                <a:solidFill>
-                  <a:schemeClr val="tx1">
-                    <a:lumMod val="95000"/>
-                  </a:schemeClr>
-                </a:solidFill>
-              </a:rPr>
-              <a:t> </a:t>
-            </a:r>
-            <a:r>
-              <a:rPr lang="en-US" sz="2000" dirty="0" err="1">
-                <a:solidFill>
-                  <a:schemeClr val="tx1">
-                    <a:lumMod val="95000"/>
-                  </a:schemeClr>
-                </a:solidFill>
-              </a:rPr>
-              <a:t>възможности</a:t>
-            </a:r>
-            <a:r>
-              <a:rPr lang="en-US" sz="2000" dirty="0">
-                <a:solidFill>
-                  <a:schemeClr val="tx1">
-                    <a:lumMod val="95000"/>
-                  </a:schemeClr>
-                </a:solidFill>
-              </a:rPr>
+              <a:rPr lang="en-US" sz="2400" dirty="0" err="1"/>
+              <a:t>лаптоп</a:t>
+            </a:r>
+            <a:r>
+              <a:rPr lang="en-US" sz="2400" dirty="0"/>
               <a:t> и </a:t>
             </a:r>
             <a:r>
-              <a:rPr lang="en-US" sz="2000" dirty="0" err="1">
-                <a:solidFill>
-                  <a:schemeClr val="tx1">
-                    <a:lumMod val="95000"/>
-                  </a:schemeClr>
-                </a:solidFill>
-              </a:rPr>
-              <a:t>права</a:t>
-            </a:r>
-            <a:r>
-              <a:rPr lang="en-US" sz="2000" dirty="0">
-                <a:solidFill>
-                  <a:schemeClr val="tx1">
-                    <a:lumMod val="95000"/>
-                  </a:schemeClr>
-                </a:solidFill>
-              </a:rPr>
-              <a:t>.</a:t>
-            </a:r>
-          </a:p>
-          <a:p>
-            <a:endParaRPr lang="bg-BG" b="1" dirty="0">
-              <a:solidFill>
-                <a:schemeClr val="tx1">
-                  <a:lumMod val="95000"/>
-                </a:schemeClr>
-              </a:solidFill>
-            </a:endParaRPr>
-          </a:p>
-          <a:p>
-            <a:pPr lvl="1"/>
-            <a:r>
-              <a:rPr lang="en-US" sz="2100" b="1" dirty="0" err="1">
-                <a:solidFill>
-                  <a:schemeClr val="tx1">
-                    <a:lumMod val="95000"/>
-                  </a:schemeClr>
-                </a:solidFill>
-              </a:rPr>
-              <a:t>Редактиране</a:t>
-            </a:r>
-            <a:r>
-              <a:rPr lang="en-US" sz="2100" b="1" dirty="0">
-                <a:solidFill>
-                  <a:schemeClr val="tx1">
-                    <a:lumMod val="95000"/>
-                  </a:schemeClr>
-                </a:solidFill>
-              </a:rPr>
-              <a:t> </a:t>
-            </a:r>
-            <a:r>
-              <a:rPr lang="en-US" sz="2100" b="1" dirty="0" err="1">
-                <a:solidFill>
-                  <a:schemeClr val="tx1">
-                    <a:lumMod val="95000"/>
-                  </a:schemeClr>
-                </a:solidFill>
-              </a:rPr>
-              <a:t>на</a:t>
-            </a:r>
-            <a:r>
-              <a:rPr lang="en-US" sz="2100" b="1" dirty="0">
-                <a:solidFill>
-                  <a:schemeClr val="tx1">
-                    <a:lumMod val="95000"/>
-                  </a:schemeClr>
-                </a:solidFill>
-              </a:rPr>
-              <a:t> </a:t>
-            </a:r>
-            <a:r>
-              <a:rPr lang="en-US" sz="2100" b="1" dirty="0" err="1">
-                <a:solidFill>
-                  <a:schemeClr val="tx1">
-                    <a:lumMod val="95000"/>
-                  </a:schemeClr>
-                </a:solidFill>
-              </a:rPr>
-              <a:t>резервация</a:t>
-            </a:r>
-            <a:r>
-              <a:rPr lang="en-US" sz="2100" b="1" dirty="0">
-                <a:solidFill>
-                  <a:schemeClr val="tx1">
-                    <a:lumMod val="95000"/>
-                  </a:schemeClr>
-                </a:solidFill>
-              </a:rPr>
-              <a:t> </a:t>
-            </a:r>
-            <a:r>
-              <a:rPr lang="en-US" sz="2100" b="1" dirty="0" err="1">
-                <a:solidFill>
-                  <a:schemeClr val="tx1">
-                    <a:lumMod val="95000"/>
-                  </a:schemeClr>
-                </a:solidFill>
-              </a:rPr>
-              <a:t>от</a:t>
-            </a:r>
-            <a:r>
-              <a:rPr lang="en-US" sz="2100" b="1" dirty="0">
-                <a:solidFill>
-                  <a:schemeClr val="tx1">
-                    <a:lumMod val="95000"/>
-                  </a:schemeClr>
-                </a:solidFill>
-              </a:rPr>
-              <a:t> </a:t>
-            </a:r>
-            <a:r>
-              <a:rPr lang="en-US" sz="2100" b="1" dirty="0" err="1">
-                <a:solidFill>
-                  <a:schemeClr val="tx1">
-                    <a:lumMod val="95000"/>
-                  </a:schemeClr>
-                </a:solidFill>
-              </a:rPr>
-              <a:t>лектор</a:t>
-            </a:r>
-            <a:r>
-              <a:rPr lang="en-US" sz="2100" b="1" dirty="0">
-                <a:solidFill>
-                  <a:schemeClr val="tx1">
-                    <a:lumMod val="95000"/>
-                  </a:schemeClr>
-                </a:solidFill>
-              </a:rPr>
-              <a:t>.</a:t>
-            </a:r>
-            <a:endParaRPr lang="en-US" sz="2100" dirty="0">
-              <a:solidFill>
-                <a:schemeClr val="tx1">
-                  <a:lumMod val="95000"/>
-                </a:schemeClr>
-              </a:solidFill>
-            </a:endParaRPr>
-          </a:p>
-          <a:p>
-            <a:pPr lvl="1"/>
-            <a:r>
-              <a:rPr lang="en-US" sz="2100" dirty="0" err="1">
-                <a:solidFill>
-                  <a:schemeClr val="tx1">
-                    <a:lumMod val="95000"/>
-                  </a:schemeClr>
-                </a:solidFill>
-              </a:rPr>
-              <a:t>Лекторът</a:t>
-            </a:r>
-            <a:r>
-              <a:rPr lang="en-US" sz="2100" dirty="0">
-                <a:solidFill>
-                  <a:schemeClr val="tx1">
-                    <a:lumMod val="95000"/>
-                  </a:schemeClr>
-                </a:solidFill>
-              </a:rPr>
-              <a:t>, </a:t>
-            </a:r>
-            <a:r>
-              <a:rPr lang="en-US" sz="2100" dirty="0" err="1">
-                <a:solidFill>
-                  <a:schemeClr val="tx1">
-                    <a:lumMod val="95000"/>
-                  </a:schemeClr>
-                </a:solidFill>
-              </a:rPr>
-              <a:t>който</a:t>
-            </a:r>
-            <a:r>
-              <a:rPr lang="en-US" sz="2100" dirty="0">
-                <a:solidFill>
-                  <a:schemeClr val="tx1">
-                    <a:lumMod val="95000"/>
-                  </a:schemeClr>
-                </a:solidFill>
-              </a:rPr>
-              <a:t> е </a:t>
-            </a:r>
-            <a:r>
-              <a:rPr lang="en-US" sz="2100" dirty="0" err="1">
-                <a:solidFill>
-                  <a:schemeClr val="tx1">
-                    <a:lumMod val="95000"/>
-                  </a:schemeClr>
-                </a:solidFill>
-              </a:rPr>
-              <a:t>запазил</a:t>
-            </a:r>
-            <a:r>
-              <a:rPr lang="en-US" sz="2100" dirty="0">
-                <a:solidFill>
-                  <a:schemeClr val="tx1">
-                    <a:lumMod val="95000"/>
-                  </a:schemeClr>
-                </a:solidFill>
-              </a:rPr>
-              <a:t> </a:t>
-            </a:r>
-            <a:r>
-              <a:rPr lang="en-US" sz="2100" dirty="0" err="1">
-                <a:solidFill>
-                  <a:schemeClr val="tx1">
-                    <a:lumMod val="95000"/>
-                  </a:schemeClr>
-                </a:solidFill>
-              </a:rPr>
-              <a:t>зала</a:t>
-            </a:r>
-            <a:r>
-              <a:rPr lang="en-US" sz="2100" dirty="0">
-                <a:solidFill>
-                  <a:schemeClr val="tx1">
-                    <a:lumMod val="95000"/>
-                  </a:schemeClr>
-                </a:solidFill>
-              </a:rPr>
-              <a:t>, </a:t>
-            </a:r>
-            <a:r>
-              <a:rPr lang="en-US" sz="2100" dirty="0" err="1">
-                <a:solidFill>
-                  <a:schemeClr val="tx1">
-                    <a:lumMod val="95000"/>
-                  </a:schemeClr>
-                </a:solidFill>
-              </a:rPr>
-              <a:t>има</a:t>
-            </a:r>
-            <a:r>
-              <a:rPr lang="en-US" sz="2100" dirty="0">
-                <a:solidFill>
-                  <a:schemeClr val="tx1">
-                    <a:lumMod val="95000"/>
-                  </a:schemeClr>
-                </a:solidFill>
-              </a:rPr>
-              <a:t> </a:t>
-            </a:r>
-            <a:r>
-              <a:rPr lang="en-US" sz="2100" dirty="0" err="1">
-                <a:solidFill>
-                  <a:schemeClr val="tx1">
-                    <a:lumMod val="95000"/>
-                  </a:schemeClr>
-                </a:solidFill>
-              </a:rPr>
-              <a:t>възможност</a:t>
-            </a:r>
-            <a:r>
-              <a:rPr lang="en-US" sz="2100" dirty="0">
-                <a:solidFill>
-                  <a:schemeClr val="tx1">
-                    <a:lumMod val="95000"/>
-                  </a:schemeClr>
-                </a:solidFill>
-              </a:rPr>
-              <a:t> </a:t>
-            </a:r>
-            <a:r>
-              <a:rPr lang="en-US" sz="2100" dirty="0" err="1">
-                <a:solidFill>
-                  <a:schemeClr val="tx1">
-                    <a:lumMod val="95000"/>
-                  </a:schemeClr>
-                </a:solidFill>
-              </a:rPr>
-              <a:t>да</a:t>
-            </a:r>
-            <a:r>
-              <a:rPr lang="en-US" sz="2100" dirty="0">
-                <a:solidFill>
-                  <a:schemeClr val="tx1">
-                    <a:lumMod val="95000"/>
-                  </a:schemeClr>
-                </a:solidFill>
-              </a:rPr>
-              <a:t> </a:t>
-            </a:r>
-            <a:r>
-              <a:rPr lang="en-US" sz="2100" dirty="0" err="1">
-                <a:solidFill>
-                  <a:schemeClr val="tx1">
-                    <a:lumMod val="95000"/>
-                  </a:schemeClr>
-                </a:solidFill>
-              </a:rPr>
-              <a:t>променя</a:t>
-            </a:r>
-            <a:r>
-              <a:rPr lang="en-US" sz="2100" dirty="0">
-                <a:solidFill>
-                  <a:schemeClr val="tx1">
-                    <a:lumMod val="95000"/>
-                  </a:schemeClr>
-                </a:solidFill>
-              </a:rPr>
-              <a:t> </a:t>
-            </a:r>
-            <a:r>
-              <a:rPr lang="en-US" sz="2100" dirty="0" err="1">
-                <a:solidFill>
-                  <a:schemeClr val="tx1">
-                    <a:lumMod val="95000"/>
-                  </a:schemeClr>
-                </a:solidFill>
-              </a:rPr>
-              <a:t>детайлите</a:t>
-            </a:r>
-            <a:r>
-              <a:rPr lang="en-US" sz="2100" dirty="0">
-                <a:solidFill>
-                  <a:schemeClr val="tx1">
-                    <a:lumMod val="95000"/>
-                  </a:schemeClr>
-                </a:solidFill>
-              </a:rPr>
-              <a:t> </a:t>
-            </a:r>
-            <a:r>
-              <a:rPr lang="en-US" sz="2100" dirty="0" err="1">
-                <a:solidFill>
-                  <a:schemeClr val="tx1">
-                    <a:lumMod val="95000"/>
-                  </a:schemeClr>
-                </a:solidFill>
-              </a:rPr>
-              <a:t>по</a:t>
-            </a:r>
-            <a:r>
-              <a:rPr lang="en-US" sz="2100" dirty="0">
-                <a:solidFill>
-                  <a:schemeClr val="tx1">
-                    <a:lumMod val="95000"/>
-                  </a:schemeClr>
-                </a:solidFill>
-              </a:rPr>
-              <a:t> </a:t>
-            </a:r>
-            <a:r>
-              <a:rPr lang="en-US" sz="2100" dirty="0" err="1">
-                <a:solidFill>
-                  <a:schemeClr val="tx1">
-                    <a:lumMod val="95000"/>
-                  </a:schemeClr>
-                </a:solidFill>
-              </a:rPr>
-              <a:t>тази</a:t>
-            </a:r>
-            <a:r>
-              <a:rPr lang="en-US" sz="2100" dirty="0">
-                <a:solidFill>
-                  <a:schemeClr val="tx1">
-                    <a:lumMod val="95000"/>
-                  </a:schemeClr>
-                </a:solidFill>
-              </a:rPr>
-              <a:t> </a:t>
-            </a:r>
-            <a:r>
-              <a:rPr lang="en-US" sz="2100" dirty="0" err="1">
-                <a:solidFill>
-                  <a:schemeClr val="tx1">
-                    <a:lumMod val="95000"/>
-                  </a:schemeClr>
-                </a:solidFill>
-              </a:rPr>
-              <a:t>резервация</a:t>
-            </a:r>
-            <a:r>
-              <a:rPr lang="en-US" sz="2100" dirty="0">
-                <a:solidFill>
-                  <a:schemeClr val="tx1">
-                    <a:lumMod val="95000"/>
-                  </a:schemeClr>
-                </a:solidFill>
-              </a:rPr>
-              <a:t>. </a:t>
-            </a:r>
-            <a:r>
-              <a:rPr lang="en-US" sz="2100" dirty="0" err="1">
-                <a:solidFill>
-                  <a:schemeClr val="tx1">
-                    <a:lumMod val="95000"/>
-                  </a:schemeClr>
-                </a:solidFill>
-              </a:rPr>
-              <a:t>Това</a:t>
-            </a:r>
-            <a:r>
-              <a:rPr lang="en-US" sz="2100" dirty="0">
-                <a:solidFill>
-                  <a:schemeClr val="tx1">
-                    <a:lumMod val="95000"/>
-                  </a:schemeClr>
-                </a:solidFill>
-              </a:rPr>
-              <a:t> </a:t>
-            </a:r>
-            <a:r>
-              <a:rPr lang="en-US" sz="2100" dirty="0" err="1">
-                <a:solidFill>
-                  <a:schemeClr val="tx1">
-                    <a:lumMod val="95000"/>
-                  </a:schemeClr>
-                </a:solidFill>
-              </a:rPr>
-              <a:t>се</a:t>
-            </a:r>
-            <a:r>
-              <a:rPr lang="en-US" sz="2100" dirty="0">
-                <a:solidFill>
-                  <a:schemeClr val="tx1">
-                    <a:lumMod val="95000"/>
-                  </a:schemeClr>
-                </a:solidFill>
-              </a:rPr>
-              <a:t> </a:t>
-            </a:r>
-            <a:r>
-              <a:rPr lang="en-US" sz="2100" dirty="0" err="1">
-                <a:solidFill>
-                  <a:schemeClr val="tx1">
-                    <a:lumMod val="95000"/>
-                  </a:schemeClr>
-                </a:solidFill>
-              </a:rPr>
-              <a:t>прави</a:t>
-            </a:r>
-            <a:r>
-              <a:rPr lang="en-US" sz="2100" dirty="0">
-                <a:solidFill>
-                  <a:schemeClr val="tx1">
-                    <a:lumMod val="95000"/>
-                  </a:schemeClr>
-                </a:solidFill>
-              </a:rPr>
-              <a:t> с </a:t>
-            </a:r>
-            <a:r>
-              <a:rPr lang="en-US" sz="2100" dirty="0" err="1">
-                <a:solidFill>
-                  <a:schemeClr val="tx1">
-                    <a:lumMod val="95000"/>
-                  </a:schemeClr>
-                </a:solidFill>
-              </a:rPr>
-              <a:t>цел</a:t>
-            </a:r>
-            <a:r>
-              <a:rPr lang="en-US" sz="2100" dirty="0">
-                <a:solidFill>
-                  <a:schemeClr val="tx1">
-                    <a:lumMod val="95000"/>
-                  </a:schemeClr>
-                </a:solidFill>
-              </a:rPr>
-              <a:t> </a:t>
-            </a:r>
-            <a:r>
-              <a:rPr lang="en-US" sz="2100" dirty="0" err="1">
-                <a:solidFill>
-                  <a:schemeClr val="tx1">
-                    <a:lumMod val="95000"/>
-                  </a:schemeClr>
-                </a:solidFill>
-              </a:rPr>
-              <a:t>ако</a:t>
-            </a:r>
-            <a:r>
-              <a:rPr lang="en-US" sz="2100" dirty="0">
-                <a:solidFill>
-                  <a:schemeClr val="tx1">
-                    <a:lumMod val="95000"/>
-                  </a:schemeClr>
-                </a:solidFill>
-              </a:rPr>
-              <a:t> </a:t>
-            </a:r>
-            <a:r>
-              <a:rPr lang="en-US" sz="2100" dirty="0" err="1">
-                <a:solidFill>
-                  <a:schemeClr val="tx1">
-                    <a:lumMod val="95000"/>
-                  </a:schemeClr>
-                </a:solidFill>
-              </a:rPr>
-              <a:t>трябва</a:t>
-            </a:r>
-            <a:r>
-              <a:rPr lang="en-US" sz="2100" dirty="0">
-                <a:solidFill>
-                  <a:schemeClr val="tx1">
-                    <a:lumMod val="95000"/>
-                  </a:schemeClr>
-                </a:solidFill>
-              </a:rPr>
-              <a:t> </a:t>
-            </a:r>
-            <a:r>
-              <a:rPr lang="en-US" sz="2100" dirty="0" err="1">
-                <a:solidFill>
-                  <a:schemeClr val="tx1">
-                    <a:lumMod val="95000"/>
-                  </a:schemeClr>
-                </a:solidFill>
-              </a:rPr>
-              <a:t>да</a:t>
-            </a:r>
-            <a:r>
-              <a:rPr lang="en-US" sz="2100" dirty="0">
-                <a:solidFill>
-                  <a:schemeClr val="tx1">
-                    <a:lumMod val="95000"/>
-                  </a:schemeClr>
-                </a:solidFill>
-              </a:rPr>
-              <a:t> </a:t>
-            </a:r>
-            <a:r>
-              <a:rPr lang="en-US" sz="2100" dirty="0" err="1">
-                <a:solidFill>
-                  <a:schemeClr val="tx1">
-                    <a:lumMod val="95000"/>
-                  </a:schemeClr>
-                </a:solidFill>
-              </a:rPr>
-              <a:t>се</a:t>
-            </a:r>
-            <a:r>
-              <a:rPr lang="en-US" sz="2100" dirty="0">
-                <a:solidFill>
-                  <a:schemeClr val="tx1">
-                    <a:lumMod val="95000"/>
-                  </a:schemeClr>
-                </a:solidFill>
-              </a:rPr>
-              <a:t> </a:t>
-            </a:r>
-            <a:r>
-              <a:rPr lang="en-US" sz="2100" dirty="0" err="1">
-                <a:solidFill>
-                  <a:schemeClr val="tx1">
-                    <a:lumMod val="95000"/>
-                  </a:schemeClr>
-                </a:solidFill>
-              </a:rPr>
-              <a:t>променят</a:t>
-            </a:r>
-            <a:r>
-              <a:rPr lang="en-US" sz="2100" dirty="0">
-                <a:solidFill>
-                  <a:schemeClr val="tx1">
-                    <a:lumMod val="95000"/>
-                  </a:schemeClr>
-                </a:solidFill>
-              </a:rPr>
-              <a:t> </a:t>
-            </a:r>
-            <a:r>
-              <a:rPr lang="en-US" sz="2100" dirty="0" err="1">
-                <a:solidFill>
-                  <a:schemeClr val="tx1">
-                    <a:lumMod val="95000"/>
-                  </a:schemeClr>
-                </a:solidFill>
-              </a:rPr>
-              <a:t>часа</a:t>
-            </a:r>
-            <a:r>
-              <a:rPr lang="en-US" sz="2100" dirty="0">
-                <a:solidFill>
-                  <a:schemeClr val="tx1">
-                    <a:lumMod val="95000"/>
-                  </a:schemeClr>
-                </a:solidFill>
-              </a:rPr>
-              <a:t> </a:t>
-            </a:r>
-            <a:r>
-              <a:rPr lang="en-US" sz="2100" dirty="0" err="1">
-                <a:solidFill>
-                  <a:schemeClr val="tx1">
-                    <a:lumMod val="95000"/>
-                  </a:schemeClr>
-                </a:solidFill>
-              </a:rPr>
-              <a:t>или</a:t>
-            </a:r>
-            <a:r>
-              <a:rPr lang="en-US" sz="2100" dirty="0">
-                <a:solidFill>
-                  <a:schemeClr val="tx1">
-                    <a:lumMod val="95000"/>
-                  </a:schemeClr>
-                </a:solidFill>
-              </a:rPr>
-              <a:t> </a:t>
-            </a:r>
-            <a:r>
-              <a:rPr lang="en-US" sz="2100" dirty="0" err="1">
-                <a:solidFill>
-                  <a:schemeClr val="tx1">
-                    <a:lumMod val="95000"/>
-                  </a:schemeClr>
-                </a:solidFill>
-              </a:rPr>
-              <a:t>залата</a:t>
-            </a:r>
-            <a:r>
-              <a:rPr lang="en-US" sz="2100" dirty="0">
-                <a:solidFill>
-                  <a:schemeClr val="tx1">
-                    <a:lumMod val="95000"/>
-                  </a:schemeClr>
-                </a:solidFill>
-              </a:rPr>
-              <a:t> </a:t>
-            </a:r>
-            <a:r>
-              <a:rPr lang="en-US" sz="2100" dirty="0" err="1">
-                <a:solidFill>
-                  <a:schemeClr val="tx1">
-                    <a:lumMod val="95000"/>
-                  </a:schemeClr>
-                </a:solidFill>
-              </a:rPr>
-              <a:t>за</a:t>
-            </a:r>
-            <a:r>
-              <a:rPr lang="en-US" sz="2100" dirty="0">
-                <a:solidFill>
-                  <a:schemeClr val="tx1">
-                    <a:lumMod val="95000"/>
-                  </a:schemeClr>
-                </a:solidFill>
-              </a:rPr>
-              <a:t> </a:t>
-            </a:r>
-            <a:r>
-              <a:rPr lang="en-US" sz="2100" dirty="0" err="1">
-                <a:solidFill>
-                  <a:schemeClr val="tx1">
-                    <a:lumMod val="95000"/>
-                  </a:schemeClr>
-                </a:solidFill>
-              </a:rPr>
-              <a:t>занятието</a:t>
-            </a:r>
-            <a:r>
-              <a:rPr lang="en-US" sz="2100" dirty="0">
-                <a:solidFill>
-                  <a:schemeClr val="tx1">
-                    <a:lumMod val="95000"/>
-                  </a:schemeClr>
-                </a:solidFill>
-              </a:rPr>
-              <a:t>. В </a:t>
-            </a:r>
-            <a:r>
-              <a:rPr lang="en-US" sz="2100" dirty="0" err="1">
-                <a:solidFill>
-                  <a:schemeClr val="tx1">
-                    <a:lumMod val="95000"/>
-                  </a:schemeClr>
-                </a:solidFill>
-              </a:rPr>
-              <a:t>резултат</a:t>
-            </a:r>
-            <a:r>
-              <a:rPr lang="en-US" sz="2100" dirty="0">
-                <a:solidFill>
-                  <a:schemeClr val="tx1">
-                    <a:lumMod val="95000"/>
-                  </a:schemeClr>
-                </a:solidFill>
-              </a:rPr>
-              <a:t> </a:t>
-            </a:r>
-            <a:r>
-              <a:rPr lang="en-US" sz="2100" dirty="0" err="1">
-                <a:solidFill>
-                  <a:schemeClr val="tx1">
-                    <a:lumMod val="95000"/>
-                  </a:schemeClr>
-                </a:solidFill>
-              </a:rPr>
-              <a:t>на</a:t>
-            </a:r>
-            <a:r>
-              <a:rPr lang="en-US" sz="2100" dirty="0">
-                <a:solidFill>
-                  <a:schemeClr val="tx1">
-                    <a:lumMod val="95000"/>
-                  </a:schemeClr>
-                </a:solidFill>
-              </a:rPr>
-              <a:t> </a:t>
-            </a:r>
-            <a:r>
-              <a:rPr lang="en-US" sz="2100" dirty="0" err="1">
-                <a:solidFill>
-                  <a:schemeClr val="tx1">
-                    <a:lumMod val="95000"/>
-                  </a:schemeClr>
-                </a:solidFill>
-              </a:rPr>
-              <a:t>промяната</a:t>
-            </a:r>
-            <a:r>
-              <a:rPr lang="en-US" sz="2100" dirty="0">
-                <a:solidFill>
-                  <a:schemeClr val="tx1">
-                    <a:lumMod val="95000"/>
-                  </a:schemeClr>
-                </a:solidFill>
-              </a:rPr>
-              <a:t> </a:t>
-            </a:r>
-            <a:r>
-              <a:rPr lang="en-US" sz="2100" dirty="0" err="1">
-                <a:solidFill>
-                  <a:schemeClr val="tx1">
-                    <a:lumMod val="95000"/>
-                  </a:schemeClr>
-                </a:solidFill>
-              </a:rPr>
-              <a:t>има</a:t>
-            </a:r>
-            <a:r>
-              <a:rPr lang="en-US" sz="2100" dirty="0">
-                <a:solidFill>
-                  <a:schemeClr val="tx1">
-                    <a:lumMod val="95000"/>
-                  </a:schemeClr>
-                </a:solidFill>
-              </a:rPr>
-              <a:t> </a:t>
-            </a:r>
-            <a:r>
-              <a:rPr lang="en-US" sz="2100" dirty="0" err="1">
-                <a:solidFill>
-                  <a:schemeClr val="tx1">
-                    <a:lumMod val="95000"/>
-                  </a:schemeClr>
-                </a:solidFill>
-              </a:rPr>
-              <a:t>проверка</a:t>
-            </a:r>
-            <a:r>
-              <a:rPr lang="en-US" sz="2100" dirty="0">
-                <a:solidFill>
-                  <a:schemeClr val="tx1">
-                    <a:lumMod val="95000"/>
-                  </a:schemeClr>
-                </a:solidFill>
-              </a:rPr>
-              <a:t> </a:t>
-            </a:r>
-            <a:r>
-              <a:rPr lang="en-US" sz="2100" dirty="0" err="1">
-                <a:solidFill>
-                  <a:schemeClr val="tx1">
-                    <a:lumMod val="95000"/>
-                  </a:schemeClr>
-                </a:solidFill>
-              </a:rPr>
-              <a:t>дали</a:t>
-            </a:r>
-            <a:r>
-              <a:rPr lang="en-US" sz="2100" dirty="0">
-                <a:solidFill>
-                  <a:schemeClr val="tx1">
-                    <a:lumMod val="95000"/>
-                  </a:schemeClr>
-                </a:solidFill>
-              </a:rPr>
-              <a:t> </a:t>
-            </a:r>
-            <a:r>
-              <a:rPr lang="en-US" sz="2100" dirty="0" err="1">
-                <a:solidFill>
-                  <a:schemeClr val="tx1">
-                    <a:lumMod val="95000"/>
-                  </a:schemeClr>
-                </a:solidFill>
-              </a:rPr>
-              <a:t>залата</a:t>
-            </a:r>
-            <a:r>
-              <a:rPr lang="en-US" sz="2100" dirty="0">
-                <a:solidFill>
-                  <a:schemeClr val="tx1">
-                    <a:lumMod val="95000"/>
-                  </a:schemeClr>
-                </a:solidFill>
-              </a:rPr>
-              <a:t> е </a:t>
-            </a:r>
-            <a:r>
-              <a:rPr lang="en-US" sz="2100" dirty="0" err="1">
-                <a:solidFill>
-                  <a:schemeClr val="tx1">
-                    <a:lumMod val="95000"/>
-                  </a:schemeClr>
-                </a:solidFill>
-              </a:rPr>
-              <a:t>свободна</a:t>
-            </a:r>
-            <a:r>
-              <a:rPr lang="en-US" sz="2100" dirty="0">
-                <a:solidFill>
-                  <a:schemeClr val="tx1">
-                    <a:lumMod val="95000"/>
-                  </a:schemeClr>
-                </a:solidFill>
-              </a:rPr>
-              <a:t> </a:t>
-            </a:r>
-            <a:r>
-              <a:rPr lang="en-US" sz="2100" dirty="0" err="1">
-                <a:solidFill>
-                  <a:schemeClr val="tx1">
-                    <a:lumMod val="95000"/>
-                  </a:schemeClr>
-                </a:solidFill>
-              </a:rPr>
-              <a:t>за</a:t>
-            </a:r>
-            <a:r>
-              <a:rPr lang="en-US" sz="2100" dirty="0">
-                <a:solidFill>
-                  <a:schemeClr val="tx1">
-                    <a:lumMod val="95000"/>
-                  </a:schemeClr>
-                </a:solidFill>
-              </a:rPr>
-              <a:t> </a:t>
-            </a:r>
-            <a:r>
-              <a:rPr lang="en-US" sz="2100" dirty="0" err="1">
-                <a:solidFill>
-                  <a:schemeClr val="tx1">
-                    <a:lumMod val="95000"/>
-                  </a:schemeClr>
-                </a:solidFill>
-              </a:rPr>
-              <a:t>указаната</a:t>
-            </a:r>
-            <a:r>
-              <a:rPr lang="en-US" sz="2100" dirty="0">
-                <a:solidFill>
-                  <a:schemeClr val="tx1">
-                    <a:lumMod val="95000"/>
-                  </a:schemeClr>
-                </a:solidFill>
-              </a:rPr>
-              <a:t> </a:t>
-            </a:r>
-            <a:r>
-              <a:rPr lang="en-US" sz="2100" dirty="0" err="1">
-                <a:solidFill>
-                  <a:schemeClr val="tx1">
-                    <a:lumMod val="95000"/>
-                  </a:schemeClr>
-                </a:solidFill>
-              </a:rPr>
-              <a:t>дата</a:t>
-            </a:r>
-            <a:r>
-              <a:rPr lang="en-US" sz="2100" dirty="0">
-                <a:solidFill>
-                  <a:schemeClr val="tx1">
-                    <a:lumMod val="95000"/>
-                  </a:schemeClr>
-                </a:solidFill>
-              </a:rPr>
-              <a:t>. </a:t>
-            </a:r>
-            <a:r>
-              <a:rPr lang="en-US" sz="2100" dirty="0" err="1">
-                <a:solidFill>
-                  <a:schemeClr val="tx1">
-                    <a:lumMod val="95000"/>
-                  </a:schemeClr>
-                </a:solidFill>
-              </a:rPr>
-              <a:t>Ако</a:t>
-            </a:r>
-            <a:r>
-              <a:rPr lang="en-US" sz="2100" dirty="0">
-                <a:solidFill>
-                  <a:schemeClr val="tx1">
-                    <a:lumMod val="95000"/>
-                  </a:schemeClr>
-                </a:solidFill>
-              </a:rPr>
-              <a:t> е </a:t>
-            </a:r>
-            <a:r>
-              <a:rPr lang="en-US" sz="2100" dirty="0" err="1">
-                <a:solidFill>
-                  <a:schemeClr val="tx1">
-                    <a:lumMod val="95000"/>
-                  </a:schemeClr>
-                </a:solidFill>
-              </a:rPr>
-              <a:t>свободна</a:t>
-            </a:r>
-            <a:r>
-              <a:rPr lang="en-US" sz="2100" dirty="0">
-                <a:solidFill>
-                  <a:schemeClr val="tx1">
-                    <a:lumMod val="95000"/>
-                  </a:schemeClr>
-                </a:solidFill>
-              </a:rPr>
-              <a:t> </a:t>
-            </a:r>
-            <a:r>
-              <a:rPr lang="bg-BG" sz="2100" dirty="0">
-                <a:solidFill>
-                  <a:schemeClr val="tx1">
-                    <a:lumMod val="95000"/>
-                  </a:schemeClr>
-                </a:solidFill>
-              </a:rPr>
-              <a:t>се изпраща запитване към администратора</a:t>
-            </a:r>
-            <a:r>
-              <a:rPr lang="en-US" sz="2100" dirty="0">
-                <a:solidFill>
-                  <a:schemeClr val="tx1">
-                    <a:lumMod val="95000"/>
-                  </a:schemeClr>
-                </a:solidFill>
-              </a:rPr>
-              <a:t>, </a:t>
-            </a:r>
-            <a:r>
-              <a:rPr lang="en-US" sz="2100" dirty="0" err="1">
-                <a:solidFill>
-                  <a:schemeClr val="tx1">
-                    <a:lumMod val="95000"/>
-                  </a:schemeClr>
-                </a:solidFill>
-              </a:rPr>
-              <a:t>ако</a:t>
-            </a:r>
-            <a:r>
-              <a:rPr lang="en-US" sz="2100" dirty="0">
-                <a:solidFill>
-                  <a:schemeClr val="tx1">
-                    <a:lumMod val="95000"/>
-                  </a:schemeClr>
-                </a:solidFill>
-              </a:rPr>
-              <a:t> </a:t>
-            </a:r>
-            <a:r>
-              <a:rPr lang="en-US" sz="2100" dirty="0" err="1">
-                <a:solidFill>
-                  <a:schemeClr val="tx1">
-                    <a:lumMod val="95000"/>
-                  </a:schemeClr>
-                </a:solidFill>
-              </a:rPr>
-              <a:t>не</a:t>
-            </a:r>
-            <a:r>
-              <a:rPr lang="en-US" sz="2100" dirty="0">
-                <a:solidFill>
-                  <a:schemeClr val="tx1">
-                    <a:lumMod val="95000"/>
-                  </a:schemeClr>
-                </a:solidFill>
-              </a:rPr>
-              <a:t> е </a:t>
-            </a:r>
-            <a:r>
-              <a:rPr lang="en-US" sz="2100" dirty="0" err="1">
-                <a:solidFill>
-                  <a:schemeClr val="tx1">
-                    <a:lumMod val="95000"/>
-                  </a:schemeClr>
-                </a:solidFill>
-              </a:rPr>
-              <a:t>се</a:t>
-            </a:r>
-            <a:r>
-              <a:rPr lang="en-US" sz="2100" dirty="0">
-                <a:solidFill>
-                  <a:schemeClr val="tx1">
-                    <a:lumMod val="95000"/>
-                  </a:schemeClr>
-                </a:solidFill>
-              </a:rPr>
-              <a:t> </a:t>
-            </a:r>
-            <a:r>
-              <a:rPr lang="en-US" sz="2100" dirty="0" err="1">
-                <a:solidFill>
-                  <a:schemeClr val="tx1">
-                    <a:lumMod val="95000"/>
-                  </a:schemeClr>
-                </a:solidFill>
-              </a:rPr>
-              <a:t>съобщава</a:t>
-            </a:r>
-            <a:r>
-              <a:rPr lang="en-US" sz="2100" dirty="0">
-                <a:solidFill>
-                  <a:schemeClr val="tx1">
-                    <a:lumMod val="95000"/>
-                  </a:schemeClr>
-                </a:solidFill>
-              </a:rPr>
-              <a:t> </a:t>
-            </a:r>
-            <a:r>
-              <a:rPr lang="en-US" sz="2100" dirty="0" err="1">
-                <a:solidFill>
-                  <a:schemeClr val="tx1">
-                    <a:lumMod val="95000"/>
-                  </a:schemeClr>
-                </a:solidFill>
-              </a:rPr>
-              <a:t>на</a:t>
-            </a:r>
-            <a:r>
-              <a:rPr lang="en-US" sz="2100" dirty="0">
-                <a:solidFill>
-                  <a:schemeClr val="tx1">
-                    <a:lumMod val="95000"/>
-                  </a:schemeClr>
-                </a:solidFill>
-              </a:rPr>
-              <a:t> </a:t>
-            </a:r>
-            <a:r>
-              <a:rPr lang="en-US" sz="2100" dirty="0" err="1">
-                <a:solidFill>
-                  <a:schemeClr val="tx1">
-                    <a:lumMod val="95000"/>
-                  </a:schemeClr>
-                </a:solidFill>
-              </a:rPr>
-              <a:t>потребителя</a:t>
-            </a:r>
-            <a:r>
-              <a:rPr lang="en-US" sz="2100" dirty="0">
-                <a:solidFill>
-                  <a:schemeClr val="tx1">
-                    <a:lumMod val="95000"/>
-                  </a:schemeClr>
-                </a:solidFill>
-              </a:rPr>
-              <a:t>.</a:t>
-            </a:r>
-          </a:p>
-          <a:p>
-            <a:endParaRPr lang="bg-BG" dirty="0">
-              <a:solidFill>
-                <a:schemeClr val="tx1">
-                  <a:lumMod val="95000"/>
-                </a:schemeClr>
-              </a:solidFill>
-            </a:endParaRPr>
+              <a:rPr lang="en-US" sz="2400" dirty="0" err="1"/>
+              <a:t>др</a:t>
+            </a:r>
+            <a:r>
+              <a:rPr lang="en-US" sz="2400" dirty="0"/>
+              <a:t>.).</a:t>
+            </a:r>
+          </a:p>
+          <a:p>
+            <a:endParaRPr lang="en-US" sz="2400" dirty="0"/>
           </a:p>
         </p:txBody>
       </p:sp>
     </p:spTree>
     <p:extLst>
       <p:ext uri="{BB962C8B-B14F-4D97-AF65-F5344CB8AC3E}">
-        <p14:creationId xmlns:p14="http://schemas.microsoft.com/office/powerpoint/2010/main" val="1685515373"/>
+        <p14:creationId xmlns:p14="http://schemas.microsoft.com/office/powerpoint/2010/main" val="2794185709"/>
       </p:ext>
     </p:extLst>
   </p:cSld>
@@ -13572,8 +13983,8 @@
         </p:nvSpPr>
         <p:spPr>
           <a:xfrm>
-            <a:off x="4645891" y="0"/>
-            <a:ext cx="5145375" cy="1507067"/>
+            <a:off x="4498109" y="155477"/>
+            <a:ext cx="3510539" cy="1507067"/>
           </a:xfrm>
         </p:spPr>
         <p:txBody>
@@ -13582,491 +13993,1209 @@
           <a:p>
             <a:r>
               <a:rPr lang="en-US" dirty="0"/>
-              <a:t>(F)URPS</a:t>
-            </a:r>
+              <a:t>(F)</a:t>
+            </a:r>
+            <a:r>
+              <a:rPr lang="en-US" dirty="0" err="1"/>
+              <a:t>urPS</a:t>
+            </a:r>
+            <a:endParaRPr lang="en-US" dirty="0"/>
           </a:p>
         </p:txBody>
       </p:sp>
       <p:sp>
         <p:nvSpPr>
-          <p:cNvPr id="4" name="TextBox 3"/>
-          <p:cNvSpPr txBox="1"/>
-          <p:nvPr/>
+          <p:cNvPr id="3" name="Content Placeholder 2"/>
+          <p:cNvSpPr>
+            <a:spLocks noGrp="1"/>
+          </p:cNvSpPr>
+          <p:nvPr>
+            <p:ph idx="1"/>
+          </p:nvPr>
         </p:nvSpPr>
         <p:spPr>
           <a:xfrm>
-            <a:off x="1662545" y="1231515"/>
-            <a:ext cx="9347200" cy="646331"/>
+            <a:off x="730393" y="1757218"/>
+            <a:ext cx="10870479" cy="4375727"/>
           </a:xfrm>
-          <a:prstGeom prst="rect">
-            <a:avLst/>
-          </a:prstGeom>
-          <a:noFill/>
         </p:spPr>
         <p:txBody>
-          <a:bodyPr wrap="square" rtlCol="0">
-            <a:spAutoFit/>
+          <a:bodyPr>
+            <a:normAutofit fontScale="92500" lnSpcReduction="10000"/>
           </a:bodyPr>
           <a:lstStyle/>
           <a:p>
             <a:r>
-              <a:rPr lang="en-US" b="1" dirty="0" err="1"/>
-              <a:t>Начално</a:t>
-            </a:r>
-            <a:r>
-              <a:rPr lang="en-US" b="1" dirty="0"/>
-              <a:t> </a:t>
-            </a:r>
-            <a:r>
-              <a:rPr lang="en-US" b="1" dirty="0" err="1"/>
-              <a:t>описание</a:t>
-            </a:r>
-            <a:r>
-              <a:rPr lang="en-US" b="1" dirty="0"/>
-              <a:t> </a:t>
-            </a:r>
-            <a:r>
-              <a:rPr lang="en-US" b="1" dirty="0" err="1"/>
+              <a:rPr lang="en-US" b="1" dirty="0">
+                <a:solidFill>
+                  <a:schemeClr val="tx1">
+                    <a:lumMod val="95000"/>
+                  </a:schemeClr>
+                </a:solidFill>
+              </a:rPr>
+              <a:t>2.Употреба (Usability)</a:t>
+            </a:r>
+            <a:endParaRPr lang="en-US" dirty="0">
+              <a:solidFill>
+                <a:schemeClr val="tx1">
+                  <a:lumMod val="95000"/>
+                </a:schemeClr>
+              </a:solidFill>
+            </a:endParaRPr>
+          </a:p>
+          <a:p>
+            <a:pPr marL="0" indent="0">
+              <a:buNone/>
+            </a:pPr>
+            <a:endParaRPr lang="en-US" dirty="0">
+              <a:solidFill>
+                <a:schemeClr val="tx1">
+                  <a:lumMod val="95000"/>
+                </a:schemeClr>
+              </a:solidFill>
+            </a:endParaRPr>
+          </a:p>
+          <a:p>
+            <a:r>
+              <a:rPr lang="en-US" dirty="0">
+                <a:solidFill>
+                  <a:schemeClr val="tx1">
+                    <a:lumMod val="95000"/>
+                  </a:schemeClr>
+                </a:solidFill>
+              </a:rPr>
+              <a:t>2.1   </a:t>
+            </a:r>
+            <a:r>
+              <a:rPr lang="en-US" dirty="0" err="1">
+                <a:solidFill>
+                  <a:schemeClr val="tx1">
+                    <a:lumMod val="95000"/>
+                  </a:schemeClr>
+                </a:solidFill>
+              </a:rPr>
+              <a:t>Администраторски</a:t>
+            </a:r>
+            <a:r>
+              <a:rPr lang="en-US" dirty="0">
+                <a:solidFill>
+                  <a:schemeClr val="tx1">
+                    <a:lumMod val="95000"/>
+                  </a:schemeClr>
+                </a:solidFill>
+              </a:rPr>
+              <a:t> </a:t>
+            </a:r>
+            <a:r>
+              <a:rPr lang="en-US" dirty="0" err="1">
+                <a:solidFill>
+                  <a:schemeClr val="tx1">
+                    <a:lumMod val="95000"/>
+                  </a:schemeClr>
+                </a:solidFill>
+              </a:rPr>
+              <a:t>акаунт</a:t>
+            </a:r>
+            <a:r>
+              <a:rPr lang="en-US" dirty="0">
+                <a:solidFill>
+                  <a:schemeClr val="tx1">
+                    <a:lumMod val="95000"/>
+                  </a:schemeClr>
+                </a:solidFill>
+              </a:rPr>
+              <a:t> – </a:t>
+            </a:r>
+            <a:r>
+              <a:rPr lang="en-US" dirty="0" err="1">
+                <a:solidFill>
+                  <a:schemeClr val="tx1">
+                    <a:lumMod val="95000"/>
+                  </a:schemeClr>
+                </a:solidFill>
+              </a:rPr>
+              <a:t>системата</a:t>
+            </a:r>
+            <a:r>
+              <a:rPr lang="en-US" dirty="0">
+                <a:solidFill>
+                  <a:schemeClr val="tx1">
+                    <a:lumMod val="95000"/>
+                  </a:schemeClr>
+                </a:solidFill>
+              </a:rPr>
+              <a:t> </a:t>
+            </a:r>
+            <a:r>
+              <a:rPr lang="en-US" dirty="0" err="1">
+                <a:solidFill>
+                  <a:schemeClr val="tx1">
+                    <a:lumMod val="95000"/>
+                  </a:schemeClr>
+                </a:solidFill>
+              </a:rPr>
+              <a:t>поддържа</a:t>
+            </a:r>
+            <a:r>
+              <a:rPr lang="en-US" dirty="0">
+                <a:solidFill>
+                  <a:schemeClr val="tx1">
+                    <a:lumMod val="95000"/>
+                  </a:schemeClr>
+                </a:solidFill>
+              </a:rPr>
+              <a:t> </a:t>
+            </a:r>
+            <a:r>
+              <a:rPr lang="en-US" dirty="0" err="1">
+                <a:solidFill>
+                  <a:schemeClr val="tx1">
+                    <a:lumMod val="95000"/>
+                  </a:schemeClr>
+                </a:solidFill>
+              </a:rPr>
+              <a:t>един</a:t>
+            </a:r>
+            <a:r>
+              <a:rPr lang="en-US" dirty="0">
+                <a:solidFill>
+                  <a:schemeClr val="tx1">
+                    <a:lumMod val="95000"/>
+                  </a:schemeClr>
+                </a:solidFill>
+              </a:rPr>
+              <a:t> </a:t>
+            </a:r>
+            <a:r>
+              <a:rPr lang="en-US" dirty="0" err="1">
+                <a:solidFill>
+                  <a:schemeClr val="tx1">
+                    <a:lumMod val="95000"/>
+                  </a:schemeClr>
+                </a:solidFill>
+              </a:rPr>
+              <a:t>администраторски</a:t>
+            </a:r>
+            <a:r>
+              <a:rPr lang="en-US" dirty="0">
+                <a:solidFill>
+                  <a:schemeClr val="tx1">
+                    <a:lumMod val="95000"/>
+                  </a:schemeClr>
+                </a:solidFill>
+              </a:rPr>
+              <a:t> </a:t>
+            </a:r>
+            <a:r>
+              <a:rPr lang="en-US" dirty="0" err="1">
+                <a:solidFill>
+                  <a:schemeClr val="tx1">
+                    <a:lumMod val="95000"/>
+                  </a:schemeClr>
+                </a:solidFill>
+              </a:rPr>
+              <a:t>акаунт</a:t>
+            </a:r>
+            <a:r>
+              <a:rPr lang="en-US" dirty="0">
+                <a:solidFill>
+                  <a:schemeClr val="tx1">
+                    <a:lumMod val="95000"/>
+                  </a:schemeClr>
+                </a:solidFill>
+              </a:rPr>
+              <a:t>.</a:t>
+            </a:r>
+          </a:p>
+          <a:p>
+            <a:endParaRPr lang="en-US" sz="1000" dirty="0">
+              <a:solidFill>
+                <a:schemeClr val="tx1">
+                  <a:lumMod val="95000"/>
+                </a:schemeClr>
+              </a:solidFill>
+            </a:endParaRPr>
+          </a:p>
+          <a:p>
+            <a:r>
+              <a:rPr lang="en-US" dirty="0">
+                <a:solidFill>
+                  <a:schemeClr val="tx1">
+                    <a:lumMod val="95000"/>
+                  </a:schemeClr>
+                </a:solidFill>
+              </a:rPr>
+              <a:t>2.2   </a:t>
+            </a:r>
+            <a:r>
+              <a:rPr lang="en-US" dirty="0" err="1">
+                <a:solidFill>
+                  <a:schemeClr val="tx1">
+                    <a:lumMod val="95000"/>
+                  </a:schemeClr>
+                </a:solidFill>
+              </a:rPr>
+              <a:t>Администраторски</a:t>
+            </a:r>
+            <a:r>
+              <a:rPr lang="en-US" dirty="0">
+                <a:solidFill>
+                  <a:schemeClr val="tx1">
+                    <a:lumMod val="95000"/>
+                  </a:schemeClr>
+                </a:solidFill>
+              </a:rPr>
+              <a:t> </a:t>
+            </a:r>
+            <a:r>
+              <a:rPr lang="en-US" dirty="0" err="1">
+                <a:solidFill>
+                  <a:schemeClr val="tx1">
+                    <a:lumMod val="95000"/>
+                  </a:schemeClr>
+                </a:solidFill>
+              </a:rPr>
+              <a:t>интерфейс</a:t>
+            </a:r>
+            <a:r>
+              <a:rPr lang="en-US" dirty="0">
+                <a:solidFill>
+                  <a:schemeClr val="tx1">
+                    <a:lumMod val="95000"/>
+                  </a:schemeClr>
+                </a:solidFill>
+              </a:rPr>
+              <a:t> – </a:t>
+            </a:r>
+            <a:r>
+              <a:rPr lang="en-US" dirty="0" err="1">
+                <a:solidFill>
+                  <a:schemeClr val="tx1">
+                    <a:lumMod val="95000"/>
+                  </a:schemeClr>
+                </a:solidFill>
+              </a:rPr>
+              <a:t>администраторът</a:t>
+            </a:r>
+            <a:r>
+              <a:rPr lang="en-US" dirty="0">
+                <a:solidFill>
+                  <a:schemeClr val="tx1">
+                    <a:lumMod val="95000"/>
+                  </a:schemeClr>
+                </a:solidFill>
+              </a:rPr>
+              <a:t> </a:t>
+            </a:r>
+            <a:r>
+              <a:rPr lang="en-US" dirty="0" err="1">
+                <a:solidFill>
+                  <a:schemeClr val="tx1">
+                    <a:lumMod val="95000"/>
+                  </a:schemeClr>
+                </a:solidFill>
+              </a:rPr>
+              <a:t>има</a:t>
+            </a:r>
+            <a:r>
+              <a:rPr lang="en-US" dirty="0">
+                <a:solidFill>
+                  <a:schemeClr val="tx1">
+                    <a:lumMod val="95000"/>
+                  </a:schemeClr>
+                </a:solidFill>
+              </a:rPr>
+              <a:t> </a:t>
+            </a:r>
+            <a:r>
+              <a:rPr lang="en-US" dirty="0" err="1">
+                <a:solidFill>
+                  <a:schemeClr val="tx1">
+                    <a:lumMod val="95000"/>
+                  </a:schemeClr>
+                </a:solidFill>
+              </a:rPr>
+              <a:t>специален</a:t>
+            </a:r>
+            <a:r>
+              <a:rPr lang="en-US" dirty="0">
+                <a:solidFill>
+                  <a:schemeClr val="tx1">
+                    <a:lumMod val="95000"/>
+                  </a:schemeClr>
+                </a:solidFill>
+              </a:rPr>
+              <a:t> </a:t>
+            </a:r>
+            <a:r>
+              <a:rPr lang="en-US" dirty="0" err="1">
+                <a:solidFill>
+                  <a:schemeClr val="tx1">
+                    <a:lumMod val="95000"/>
+                  </a:schemeClr>
+                </a:solidFill>
+              </a:rPr>
+              <a:t>интерфейс</a:t>
+            </a:r>
+            <a:r>
+              <a:rPr lang="en-US" dirty="0">
+                <a:solidFill>
+                  <a:schemeClr val="tx1">
+                    <a:lumMod val="95000"/>
+                  </a:schemeClr>
+                </a:solidFill>
+              </a:rPr>
+              <a:t>, </a:t>
+            </a:r>
+            <a:r>
+              <a:rPr lang="en-US" dirty="0" err="1">
+                <a:solidFill>
+                  <a:schemeClr val="tx1">
+                    <a:lumMod val="95000"/>
+                  </a:schemeClr>
+                </a:solidFill>
+              </a:rPr>
+              <a:t>чрез</a:t>
+            </a:r>
+            <a:r>
+              <a:rPr lang="en-US" dirty="0">
+                <a:solidFill>
+                  <a:schemeClr val="tx1">
+                    <a:lumMod val="95000"/>
+                  </a:schemeClr>
+                </a:solidFill>
+              </a:rPr>
+              <a:t> </a:t>
+            </a:r>
+            <a:r>
+              <a:rPr lang="en-US" dirty="0" err="1">
+                <a:solidFill>
+                  <a:schemeClr val="tx1">
+                    <a:lumMod val="95000"/>
+                  </a:schemeClr>
+                </a:solidFill>
+              </a:rPr>
+              <a:t>който</a:t>
+            </a:r>
+            <a:r>
+              <a:rPr lang="en-US" dirty="0">
+                <a:solidFill>
+                  <a:schemeClr val="tx1">
+                    <a:lumMod val="95000"/>
+                  </a:schemeClr>
+                </a:solidFill>
+              </a:rPr>
+              <a:t> </a:t>
+            </a:r>
+            <a:r>
+              <a:rPr lang="en-US" dirty="0" err="1">
+                <a:solidFill>
+                  <a:schemeClr val="tx1">
+                    <a:lumMod val="95000"/>
+                  </a:schemeClr>
+                </a:solidFill>
+              </a:rPr>
+              <a:t>вижда</a:t>
+            </a:r>
+            <a:r>
+              <a:rPr lang="en-US" dirty="0">
+                <a:solidFill>
+                  <a:schemeClr val="tx1">
+                    <a:lumMod val="95000"/>
+                  </a:schemeClr>
+                </a:solidFill>
+              </a:rPr>
+              <a:t> </a:t>
+            </a:r>
+            <a:r>
+              <a:rPr lang="en-US" dirty="0" err="1">
+                <a:solidFill>
+                  <a:schemeClr val="tx1">
+                    <a:lumMod val="95000"/>
+                  </a:schemeClr>
+                </a:solidFill>
+              </a:rPr>
+              <a:t>информация</a:t>
+            </a:r>
+            <a:r>
+              <a:rPr lang="en-US" dirty="0">
+                <a:solidFill>
+                  <a:schemeClr val="tx1">
+                    <a:lumMod val="95000"/>
+                  </a:schemeClr>
+                </a:solidFill>
+              </a:rPr>
+              <a:t> </a:t>
+            </a:r>
+            <a:r>
+              <a:rPr lang="en-US" dirty="0" err="1">
+                <a:solidFill>
+                  <a:schemeClr val="tx1">
+                    <a:lumMod val="95000"/>
+                  </a:schemeClr>
+                </a:solidFill>
+              </a:rPr>
+              <a:t>за</a:t>
+            </a:r>
+            <a:r>
+              <a:rPr lang="en-US" dirty="0">
+                <a:solidFill>
+                  <a:schemeClr val="tx1">
+                    <a:lumMod val="95000"/>
+                  </a:schemeClr>
+                </a:solidFill>
+              </a:rPr>
+              <a:t> </a:t>
+            </a:r>
+            <a:r>
+              <a:rPr lang="en-US" dirty="0" err="1">
+                <a:solidFill>
+                  <a:schemeClr val="tx1">
+                    <a:lumMod val="95000"/>
+                  </a:schemeClr>
+                </a:solidFill>
+              </a:rPr>
+              <a:t>системата</a:t>
+            </a:r>
+            <a:r>
+              <a:rPr lang="en-US" dirty="0">
+                <a:solidFill>
+                  <a:schemeClr val="tx1">
+                    <a:lumMod val="95000"/>
+                  </a:schemeClr>
+                </a:solidFill>
+              </a:rPr>
+              <a:t> и </a:t>
+            </a:r>
+            <a:r>
+              <a:rPr lang="en-US" dirty="0" err="1">
+                <a:solidFill>
+                  <a:schemeClr val="tx1">
+                    <a:lumMod val="95000"/>
+                  </a:schemeClr>
+                </a:solidFill>
+              </a:rPr>
+              <a:t>потребителите</a:t>
+            </a:r>
+            <a:r>
+              <a:rPr lang="en-US" dirty="0">
+                <a:solidFill>
+                  <a:schemeClr val="tx1">
+                    <a:lumMod val="95000"/>
+                  </a:schemeClr>
+                </a:solidFill>
+              </a:rPr>
+              <a:t> и </a:t>
+            </a:r>
+            <a:r>
+              <a:rPr lang="en-US" dirty="0" err="1">
+                <a:solidFill>
+                  <a:schemeClr val="tx1">
+                    <a:lumMod val="95000"/>
+                  </a:schemeClr>
+                </a:solidFill>
+              </a:rPr>
+              <a:t>ги</a:t>
+            </a:r>
+            <a:r>
+              <a:rPr lang="en-US" dirty="0">
+                <a:solidFill>
+                  <a:schemeClr val="tx1">
+                    <a:lumMod val="95000"/>
+                  </a:schemeClr>
+                </a:solidFill>
+              </a:rPr>
+              <a:t> </a:t>
+            </a:r>
+            <a:r>
+              <a:rPr lang="en-US" dirty="0" err="1">
+                <a:solidFill>
+                  <a:schemeClr val="tx1">
+                    <a:lumMod val="95000"/>
+                  </a:schemeClr>
+                </a:solidFill>
+              </a:rPr>
+              <a:t>администрира</a:t>
+            </a:r>
+            <a:r>
+              <a:rPr lang="en-US" dirty="0">
+                <a:solidFill>
+                  <a:schemeClr val="tx1">
+                    <a:lumMod val="95000"/>
+                  </a:schemeClr>
+                </a:solidFill>
+              </a:rPr>
+              <a:t>.</a:t>
+            </a:r>
+          </a:p>
+          <a:p>
+            <a:endParaRPr lang="en-US" sz="1000" dirty="0">
+              <a:solidFill>
+                <a:schemeClr val="tx1">
+                  <a:lumMod val="95000"/>
+                </a:schemeClr>
+              </a:solidFill>
+            </a:endParaRPr>
+          </a:p>
+          <a:p>
+            <a:r>
+              <a:rPr lang="en-US" dirty="0">
+                <a:solidFill>
+                  <a:schemeClr val="tx1">
+                    <a:lumMod val="95000"/>
+                  </a:schemeClr>
+                </a:solidFill>
+              </a:rPr>
+              <a:t>2.3   </a:t>
+            </a:r>
+            <a:r>
+              <a:rPr lang="en-US" dirty="0" err="1">
+                <a:solidFill>
+                  <a:schemeClr val="tx1">
+                    <a:lumMod val="95000"/>
+                  </a:schemeClr>
+                </a:solidFill>
+              </a:rPr>
+              <a:t>Лекторски</a:t>
+            </a:r>
+            <a:r>
+              <a:rPr lang="en-US" dirty="0">
+                <a:solidFill>
+                  <a:schemeClr val="tx1">
+                    <a:lumMod val="95000"/>
+                  </a:schemeClr>
+                </a:solidFill>
+              </a:rPr>
+              <a:t> </a:t>
+            </a:r>
+            <a:r>
+              <a:rPr lang="en-US" dirty="0" err="1">
+                <a:solidFill>
+                  <a:schemeClr val="tx1">
+                    <a:lumMod val="95000"/>
+                  </a:schemeClr>
+                </a:solidFill>
+              </a:rPr>
+              <a:t>интерфейс</a:t>
+            </a:r>
+            <a:r>
+              <a:rPr lang="en-US" dirty="0">
+                <a:solidFill>
+                  <a:schemeClr val="tx1">
+                    <a:lumMod val="95000"/>
+                  </a:schemeClr>
+                </a:solidFill>
+              </a:rPr>
+              <a:t> – </a:t>
+            </a:r>
+            <a:r>
+              <a:rPr lang="en-US" dirty="0" err="1">
+                <a:solidFill>
+                  <a:schemeClr val="tx1">
+                    <a:lumMod val="95000"/>
+                  </a:schemeClr>
+                </a:solidFill>
+              </a:rPr>
+              <a:t>лекторите</a:t>
+            </a:r>
+            <a:r>
+              <a:rPr lang="en-US" dirty="0">
+                <a:solidFill>
+                  <a:schemeClr val="tx1">
+                    <a:lumMod val="95000"/>
+                  </a:schemeClr>
+                </a:solidFill>
+              </a:rPr>
+              <a:t> </a:t>
+            </a:r>
+            <a:r>
+              <a:rPr lang="en-US" dirty="0" err="1">
+                <a:solidFill>
+                  <a:schemeClr val="tx1">
+                    <a:lumMod val="95000"/>
+                  </a:schemeClr>
+                </a:solidFill>
+              </a:rPr>
+              <a:t>имат</a:t>
+            </a:r>
+            <a:r>
+              <a:rPr lang="en-US" dirty="0">
+                <a:solidFill>
+                  <a:schemeClr val="tx1">
+                    <a:lumMod val="95000"/>
+                  </a:schemeClr>
+                </a:solidFill>
+              </a:rPr>
+              <a:t> </a:t>
+            </a:r>
+            <a:r>
+              <a:rPr lang="en-US" dirty="0" err="1">
+                <a:solidFill>
+                  <a:schemeClr val="tx1">
+                    <a:lumMod val="95000"/>
+                  </a:schemeClr>
+                </a:solidFill>
+              </a:rPr>
+              <a:t>собствен</a:t>
+            </a:r>
+            <a:r>
+              <a:rPr lang="en-US" dirty="0">
+                <a:solidFill>
+                  <a:schemeClr val="tx1">
+                    <a:lumMod val="95000"/>
+                  </a:schemeClr>
+                </a:solidFill>
+              </a:rPr>
+              <a:t> </a:t>
+            </a:r>
+            <a:r>
+              <a:rPr lang="en-US" dirty="0" err="1">
+                <a:solidFill>
+                  <a:schemeClr val="tx1">
+                    <a:lumMod val="95000"/>
+                  </a:schemeClr>
+                </a:solidFill>
+              </a:rPr>
+              <a:t>интерфейс</a:t>
+            </a:r>
+            <a:r>
+              <a:rPr lang="en-US" dirty="0">
+                <a:solidFill>
+                  <a:schemeClr val="tx1">
+                    <a:lumMod val="95000"/>
+                  </a:schemeClr>
+                </a:solidFill>
+              </a:rPr>
+              <a:t>, </a:t>
+            </a:r>
+            <a:r>
+              <a:rPr lang="en-US" dirty="0" err="1">
+                <a:solidFill>
+                  <a:schemeClr val="tx1">
+                    <a:lumMod val="95000"/>
+                  </a:schemeClr>
+                </a:solidFill>
+              </a:rPr>
+              <a:t>който</a:t>
+            </a:r>
+            <a:r>
+              <a:rPr lang="en-US" dirty="0">
+                <a:solidFill>
+                  <a:schemeClr val="tx1">
+                    <a:lumMod val="95000"/>
+                  </a:schemeClr>
+                </a:solidFill>
+              </a:rPr>
+              <a:t> </a:t>
+            </a:r>
+            <a:r>
+              <a:rPr lang="en-US" dirty="0" err="1">
+                <a:solidFill>
+                  <a:schemeClr val="tx1">
+                    <a:lumMod val="95000"/>
+                  </a:schemeClr>
+                </a:solidFill>
+              </a:rPr>
+              <a:t>им</a:t>
+            </a:r>
+            <a:r>
+              <a:rPr lang="en-US" dirty="0">
+                <a:solidFill>
+                  <a:schemeClr val="tx1">
+                    <a:lumMod val="95000"/>
+                  </a:schemeClr>
+                </a:solidFill>
+              </a:rPr>
+              <a:t> </a:t>
+            </a:r>
+            <a:r>
+              <a:rPr lang="en-US" dirty="0" err="1">
+                <a:solidFill>
+                  <a:schemeClr val="tx1">
+                    <a:lumMod val="95000"/>
+                  </a:schemeClr>
+                </a:solidFill>
+              </a:rPr>
+              <a:t>помага</a:t>
+            </a:r>
+            <a:r>
+              <a:rPr lang="en-US" dirty="0">
+                <a:solidFill>
+                  <a:schemeClr val="tx1">
+                    <a:lumMod val="95000"/>
+                  </a:schemeClr>
+                </a:solidFill>
+              </a:rPr>
+              <a:t> </a:t>
+            </a:r>
+            <a:r>
+              <a:rPr lang="en-US" dirty="0" err="1">
+                <a:solidFill>
+                  <a:schemeClr val="tx1">
+                    <a:lumMod val="95000"/>
+                  </a:schemeClr>
+                </a:solidFill>
+              </a:rPr>
+              <a:t>да</a:t>
+            </a:r>
+            <a:r>
+              <a:rPr lang="en-US" dirty="0">
+                <a:solidFill>
+                  <a:schemeClr val="tx1">
+                    <a:lumMod val="95000"/>
+                  </a:schemeClr>
+                </a:solidFill>
+              </a:rPr>
+              <a:t> </a:t>
+            </a:r>
+            <a:r>
+              <a:rPr lang="en-US" dirty="0" err="1">
+                <a:solidFill>
+                  <a:schemeClr val="tx1">
+                    <a:lumMod val="95000"/>
+                  </a:schemeClr>
+                </a:solidFill>
+              </a:rPr>
+              <a:t>рекуестват</a:t>
+            </a:r>
+            <a:r>
+              <a:rPr lang="en-US" dirty="0">
+                <a:solidFill>
+                  <a:schemeClr val="tx1">
+                    <a:lumMod val="95000"/>
+                  </a:schemeClr>
+                </a:solidFill>
+              </a:rPr>
+              <a:t> </a:t>
+            </a:r>
+            <a:r>
+              <a:rPr lang="en-US" dirty="0" err="1">
+                <a:solidFill>
+                  <a:schemeClr val="tx1">
+                    <a:lumMod val="95000"/>
+                  </a:schemeClr>
+                </a:solidFill>
+              </a:rPr>
+              <a:t>за</a:t>
+            </a:r>
+            <a:r>
+              <a:rPr lang="en-US" dirty="0">
+                <a:solidFill>
+                  <a:schemeClr val="tx1">
+                    <a:lumMod val="95000"/>
+                  </a:schemeClr>
+                </a:solidFill>
+              </a:rPr>
+              <a:t> </a:t>
+            </a:r>
+            <a:r>
+              <a:rPr lang="en-US" dirty="0" err="1">
+                <a:solidFill>
+                  <a:schemeClr val="tx1">
+                    <a:lumMod val="95000"/>
+                  </a:schemeClr>
+                </a:solidFill>
+              </a:rPr>
+              <a:t>резервация</a:t>
+            </a:r>
+            <a:r>
+              <a:rPr lang="en-US" dirty="0">
+                <a:solidFill>
+                  <a:schemeClr val="tx1">
+                    <a:lumMod val="95000"/>
+                  </a:schemeClr>
+                </a:solidFill>
+              </a:rPr>
+              <a:t> и </a:t>
+            </a:r>
+            <a:r>
+              <a:rPr lang="en-US" dirty="0" err="1">
+                <a:solidFill>
+                  <a:schemeClr val="tx1">
+                    <a:lumMod val="95000"/>
+                  </a:schemeClr>
+                </a:solidFill>
+              </a:rPr>
+              <a:t>да</a:t>
+            </a:r>
+            <a:r>
+              <a:rPr lang="en-US" dirty="0">
+                <a:solidFill>
+                  <a:schemeClr val="tx1">
+                    <a:lumMod val="95000"/>
+                  </a:schemeClr>
+                </a:solidFill>
+              </a:rPr>
+              <a:t> </a:t>
+            </a:r>
+            <a:r>
+              <a:rPr lang="en-US" dirty="0" err="1">
+                <a:solidFill>
+                  <a:schemeClr val="tx1">
+                    <a:lumMod val="95000"/>
+                  </a:schemeClr>
+                </a:solidFill>
+              </a:rPr>
+              <a:t>следят</a:t>
+            </a:r>
+            <a:r>
+              <a:rPr lang="en-US" dirty="0">
+                <a:solidFill>
+                  <a:schemeClr val="tx1">
+                    <a:lumMod val="95000"/>
+                  </a:schemeClr>
+                </a:solidFill>
+              </a:rPr>
+              <a:t> </a:t>
+            </a:r>
+            <a:r>
+              <a:rPr lang="en-US" dirty="0" err="1">
+                <a:solidFill>
+                  <a:schemeClr val="tx1">
+                    <a:lumMod val="95000"/>
+                  </a:schemeClr>
+                </a:solidFill>
+              </a:rPr>
+              <a:t>своите</a:t>
+            </a:r>
+            <a:r>
+              <a:rPr lang="en-US" dirty="0">
+                <a:solidFill>
+                  <a:schemeClr val="tx1">
+                    <a:lumMod val="95000"/>
+                  </a:schemeClr>
+                </a:solidFill>
+              </a:rPr>
+              <a:t> </a:t>
+            </a:r>
+            <a:r>
+              <a:rPr lang="en-US" dirty="0" err="1">
+                <a:solidFill>
+                  <a:schemeClr val="tx1">
+                    <a:lumMod val="95000"/>
+                  </a:schemeClr>
+                </a:solidFill>
+              </a:rPr>
+              <a:t>резервации</a:t>
+            </a:r>
+            <a:r>
+              <a:rPr lang="en-US" dirty="0">
+                <a:solidFill>
+                  <a:schemeClr val="tx1">
+                    <a:lumMod val="95000"/>
+                  </a:schemeClr>
+                </a:solidFill>
+              </a:rPr>
+              <a:t>.</a:t>
+            </a:r>
+          </a:p>
+          <a:p>
+            <a:endParaRPr lang="en-US" sz="900" dirty="0">
+              <a:solidFill>
+                <a:schemeClr val="tx1">
+                  <a:lumMod val="95000"/>
+                </a:schemeClr>
+              </a:solidFill>
+            </a:endParaRPr>
+          </a:p>
+          <a:p>
+            <a:r>
+              <a:rPr lang="en-US" dirty="0">
+                <a:solidFill>
+                  <a:schemeClr val="tx1">
+                    <a:lumMod val="95000"/>
+                  </a:schemeClr>
+                </a:solidFill>
+              </a:rPr>
+              <a:t>2.4   </a:t>
+            </a:r>
+            <a:r>
+              <a:rPr lang="en-US" dirty="0" err="1">
+                <a:solidFill>
+                  <a:schemeClr val="tx1">
+                    <a:lumMod val="95000"/>
+                  </a:schemeClr>
+                </a:solidFill>
+              </a:rPr>
+              <a:t>Съвместимост</a:t>
+            </a:r>
+            <a:r>
+              <a:rPr lang="en-US" dirty="0">
+                <a:solidFill>
+                  <a:schemeClr val="tx1">
+                    <a:lumMod val="95000"/>
+                  </a:schemeClr>
+                </a:solidFill>
+              </a:rPr>
+              <a:t> с </a:t>
+            </a:r>
+            <a:r>
+              <a:rPr lang="en-US" dirty="0" err="1">
+                <a:solidFill>
+                  <a:schemeClr val="tx1">
+                    <a:lumMod val="95000"/>
+                  </a:schemeClr>
+                </a:solidFill>
+              </a:rPr>
+              <a:t>мобилни</a:t>
+            </a:r>
+            <a:r>
+              <a:rPr lang="en-US" dirty="0">
+                <a:solidFill>
+                  <a:schemeClr val="tx1">
+                    <a:lumMod val="95000"/>
+                  </a:schemeClr>
+                </a:solidFill>
+              </a:rPr>
+              <a:t> </a:t>
+            </a:r>
+            <a:r>
+              <a:rPr lang="en-US" dirty="0" err="1">
+                <a:solidFill>
+                  <a:schemeClr val="tx1">
+                    <a:lumMod val="95000"/>
+                  </a:schemeClr>
+                </a:solidFill>
+              </a:rPr>
+              <a:t>устройства</a:t>
+            </a:r>
+            <a:r>
+              <a:rPr lang="en-US" dirty="0">
+                <a:solidFill>
+                  <a:schemeClr val="tx1">
+                    <a:lumMod val="95000"/>
+                  </a:schemeClr>
+                </a:solidFill>
+              </a:rPr>
+              <a:t> – </a:t>
+            </a:r>
+            <a:r>
+              <a:rPr lang="en-US" dirty="0" err="1">
+                <a:solidFill>
+                  <a:schemeClr val="tx1">
+                    <a:lumMod val="95000"/>
+                  </a:schemeClr>
+                </a:solidFill>
+              </a:rPr>
+              <a:t>инетрфейсът</a:t>
+            </a:r>
+            <a:r>
+              <a:rPr lang="en-US" dirty="0">
+                <a:solidFill>
+                  <a:schemeClr val="tx1">
+                    <a:lumMod val="95000"/>
+                  </a:schemeClr>
+                </a:solidFill>
+              </a:rPr>
+              <a:t> </a:t>
+            </a:r>
+            <a:r>
+              <a:rPr lang="en-US" dirty="0" err="1">
+                <a:solidFill>
+                  <a:schemeClr val="tx1">
+                    <a:lumMod val="95000"/>
+                  </a:schemeClr>
+                </a:solidFill>
+              </a:rPr>
               <a:t>на</a:t>
             </a:r>
             <a:r>
-              <a:rPr lang="en-US" b="1" dirty="0"/>
-              <a:t> </a:t>
-            </a:r>
-            <a:r>
-              <a:rPr lang="en-US" b="1" dirty="0" err="1"/>
-              <a:t>нефункционалните</a:t>
-            </a:r>
-            <a:r>
-              <a:rPr lang="en-US" b="1" dirty="0"/>
-              <a:t> </a:t>
-            </a:r>
-            <a:r>
-              <a:rPr lang="en-US" b="1" dirty="0" err="1"/>
-              <a:t>изисквания</a:t>
-            </a:r>
-            <a:r>
-              <a:rPr lang="en-US" b="1" dirty="0"/>
-              <a:t> </a:t>
-            </a:r>
-            <a:r>
-              <a:rPr lang="en-US" b="1" dirty="0" err="1"/>
-              <a:t>по</a:t>
-            </a:r>
-            <a:r>
-              <a:rPr lang="en-US" b="1" dirty="0"/>
-              <a:t> </a:t>
-            </a:r>
-            <a:r>
-              <a:rPr lang="en-US" b="1" dirty="0" err="1"/>
-              <a:t>модела</a:t>
-            </a:r>
-            <a:r>
-              <a:rPr lang="en-US" b="1" dirty="0"/>
-              <a:t> FURPS</a:t>
-            </a:r>
-            <a:endParaRPr lang="en-US" dirty="0"/>
-          </a:p>
-          <a:p>
-            <a:endParaRPr lang="en-US" dirty="0"/>
-          </a:p>
-        </p:txBody>
-      </p:sp>
-      <p:sp>
-        <p:nvSpPr>
-          <p:cNvPr id="5" name="TextBox 4"/>
-          <p:cNvSpPr txBox="1"/>
-          <p:nvPr/>
-        </p:nvSpPr>
-        <p:spPr>
-          <a:xfrm>
-            <a:off x="1062181" y="2338232"/>
-            <a:ext cx="9855201" cy="4154984"/>
-          </a:xfrm>
-          <a:prstGeom prst="rect">
-            <a:avLst/>
-          </a:prstGeom>
-          <a:noFill/>
-        </p:spPr>
-        <p:txBody>
-          <a:bodyPr wrap="square" rtlCol="0">
-            <a:spAutoFit/>
-          </a:bodyPr>
-          <a:lstStyle/>
-          <a:p>
-            <a:r>
-              <a:rPr lang="en-US" sz="2400" b="1" dirty="0"/>
-              <a:t>1.Функционалност(Functionality)</a:t>
-            </a:r>
-            <a:endParaRPr lang="en-US" sz="2400" dirty="0"/>
-          </a:p>
-          <a:p>
-            <a:r>
-              <a:rPr lang="en-US" sz="2400" b="1" dirty="0"/>
-              <a:t> </a:t>
-            </a:r>
-            <a:endParaRPr lang="en-US" sz="2400" dirty="0"/>
-          </a:p>
-          <a:p>
-            <a:r>
-              <a:rPr lang="en-US" sz="2400" dirty="0"/>
-              <a:t>      1.1 </a:t>
-            </a:r>
-            <a:r>
-              <a:rPr lang="en-US" sz="2400" dirty="0" err="1"/>
-              <a:t>Изпращане</a:t>
-            </a:r>
-            <a:r>
-              <a:rPr lang="en-US" sz="2400" dirty="0"/>
-              <a:t> </a:t>
-            </a:r>
-            <a:r>
-              <a:rPr lang="en-US" sz="2400" dirty="0" err="1"/>
+              <a:rPr lang="en-US" dirty="0">
+                <a:solidFill>
+                  <a:schemeClr val="tx1">
+                    <a:lumMod val="95000"/>
+                  </a:schemeClr>
+                </a:solidFill>
+              </a:rPr>
+              <a:t> </a:t>
+            </a:r>
+            <a:r>
+              <a:rPr lang="en-US" dirty="0" err="1">
+                <a:solidFill>
+                  <a:schemeClr val="tx1">
+                    <a:lumMod val="95000"/>
+                  </a:schemeClr>
+                </a:solidFill>
+              </a:rPr>
+              <a:t>системата</a:t>
+            </a:r>
+            <a:r>
+              <a:rPr lang="en-US" dirty="0">
+                <a:solidFill>
+                  <a:schemeClr val="tx1">
+                    <a:lumMod val="95000"/>
+                  </a:schemeClr>
+                </a:solidFill>
+              </a:rPr>
+              <a:t> </a:t>
+            </a:r>
+            <a:r>
+              <a:rPr lang="en-US" dirty="0" err="1">
+                <a:solidFill>
+                  <a:schemeClr val="tx1">
+                    <a:lumMod val="95000"/>
+                  </a:schemeClr>
+                </a:solidFill>
+              </a:rPr>
+              <a:t>работи</a:t>
+            </a:r>
+            <a:r>
+              <a:rPr lang="en-US" dirty="0">
+                <a:solidFill>
+                  <a:schemeClr val="tx1">
+                    <a:lumMod val="95000"/>
+                  </a:schemeClr>
+                </a:solidFill>
+              </a:rPr>
+              <a:t> </a:t>
+            </a:r>
+            <a:r>
+              <a:rPr lang="en-US" dirty="0" err="1">
+                <a:solidFill>
+                  <a:schemeClr val="tx1">
+                    <a:lumMod val="95000"/>
+                  </a:schemeClr>
+                </a:solidFill>
+              </a:rPr>
+              <a:t>адекватно</a:t>
+            </a:r>
+            <a:r>
+              <a:rPr lang="en-US" dirty="0">
+                <a:solidFill>
+                  <a:schemeClr val="tx1">
+                    <a:lumMod val="95000"/>
+                  </a:schemeClr>
+                </a:solidFill>
+              </a:rPr>
+              <a:t> </a:t>
+            </a:r>
+            <a:r>
+              <a:rPr lang="en-US" dirty="0" err="1">
+                <a:solidFill>
+                  <a:schemeClr val="tx1">
+                    <a:lumMod val="95000"/>
+                  </a:schemeClr>
+                </a:solidFill>
+              </a:rPr>
               <a:t>на</a:t>
             </a:r>
             <a:r>
-              <a:rPr lang="en-US" sz="2400" dirty="0"/>
-              <a:t> </a:t>
-            </a:r>
-            <a:r>
-              <a:rPr lang="en-US" sz="2400" dirty="0" err="1"/>
-              <a:t>нова</a:t>
-            </a:r>
-            <a:r>
-              <a:rPr lang="en-US" sz="2400" dirty="0"/>
-              <a:t> </a:t>
-            </a:r>
-            <a:r>
-              <a:rPr lang="en-US" sz="2400" dirty="0" err="1"/>
-              <a:t>парола</a:t>
-            </a:r>
-            <a:r>
-              <a:rPr lang="en-US" sz="2400" dirty="0"/>
-              <a:t> - </a:t>
-            </a:r>
-            <a:r>
-              <a:rPr lang="en-US" sz="2400" dirty="0" err="1"/>
-              <a:t>при</a:t>
-            </a:r>
-            <a:r>
-              <a:rPr lang="en-US" sz="2400" dirty="0"/>
-              <a:t> </a:t>
-            </a:r>
-            <a:r>
-              <a:rPr lang="en-US" sz="2400" dirty="0" err="1"/>
-              <a:t>забравена</a:t>
-            </a:r>
-            <a:r>
-              <a:rPr lang="en-US" sz="2400" dirty="0"/>
-              <a:t> </a:t>
-            </a:r>
-            <a:r>
-              <a:rPr lang="en-US" sz="2400" dirty="0" err="1"/>
-              <a:t>парола</a:t>
-            </a:r>
-            <a:r>
-              <a:rPr lang="en-US" sz="2400" dirty="0"/>
+              <a:rPr lang="en-US" dirty="0">
+                <a:solidFill>
+                  <a:schemeClr val="tx1">
+                    <a:lumMod val="95000"/>
+                  </a:schemeClr>
+                </a:solidFill>
+              </a:rPr>
+              <a:t> </a:t>
+            </a:r>
+            <a:r>
+              <a:rPr lang="en-US" dirty="0" err="1">
+                <a:solidFill>
+                  <a:schemeClr val="tx1">
+                    <a:lumMod val="95000"/>
+                  </a:schemeClr>
+                </a:solidFill>
+              </a:rPr>
+              <a:t>различните</a:t>
+            </a:r>
+            <a:r>
+              <a:rPr lang="en-US" dirty="0">
+                <a:solidFill>
+                  <a:schemeClr val="tx1">
+                    <a:lumMod val="95000"/>
+                  </a:schemeClr>
+                </a:solidFill>
+              </a:rPr>
+              <a:t> </a:t>
+            </a:r>
+            <a:r>
+              <a:rPr lang="en-US" dirty="0" err="1">
+                <a:solidFill>
+                  <a:schemeClr val="tx1">
+                    <a:lumMod val="95000"/>
+                  </a:schemeClr>
+                </a:solidFill>
+              </a:rPr>
+              <a:t>мобилни</a:t>
+            </a:r>
+            <a:r>
+              <a:rPr lang="en-US" dirty="0">
+                <a:solidFill>
+                  <a:schemeClr val="tx1">
+                    <a:lumMod val="95000"/>
+                  </a:schemeClr>
+                </a:solidFill>
+              </a:rPr>
+              <a:t> </a:t>
+            </a:r>
+            <a:r>
+              <a:rPr lang="en-US" dirty="0" err="1">
+                <a:solidFill>
+                  <a:schemeClr val="tx1">
+                    <a:lumMod val="95000"/>
+                  </a:schemeClr>
+                </a:solidFill>
+              </a:rPr>
+              <a:t>устройства</a:t>
+            </a:r>
+            <a:r>
+              <a:rPr lang="en-US" dirty="0">
+                <a:solidFill>
+                  <a:schemeClr val="tx1">
+                    <a:lumMod val="95000"/>
+                  </a:schemeClr>
+                </a:solidFill>
+              </a:rPr>
+              <a:t> (</a:t>
+            </a:r>
+            <a:r>
+              <a:rPr lang="en-US" dirty="0" err="1">
+                <a:solidFill>
+                  <a:schemeClr val="tx1">
+                    <a:lumMod val="95000"/>
+                  </a:schemeClr>
+                </a:solidFill>
+              </a:rPr>
+              <a:t>телефони</a:t>
+            </a:r>
+            <a:r>
+              <a:rPr lang="en-US" dirty="0">
+                <a:solidFill>
+                  <a:schemeClr val="tx1">
+                    <a:lumMod val="95000"/>
+                  </a:schemeClr>
+                </a:solidFill>
+              </a:rPr>
               <a:t>, </a:t>
             </a:r>
             <a:r>
-              <a:rPr lang="en-US" sz="2400" dirty="0" err="1"/>
-              <a:t>системата</a:t>
-            </a:r>
-            <a:r>
-              <a:rPr lang="en-US" sz="2400" dirty="0"/>
-              <a:t> </a:t>
-            </a:r>
-            <a:r>
-              <a:rPr lang="en-US" sz="2400" dirty="0" err="1"/>
-              <a:t>изпраща</a:t>
-            </a:r>
-            <a:r>
-              <a:rPr lang="en-US" sz="2400" dirty="0"/>
-              <a:t> </a:t>
-            </a:r>
-            <a:r>
-              <a:rPr lang="en-US" sz="2400" dirty="0" err="1"/>
-              <a:t>нова</a:t>
-            </a:r>
-            <a:r>
-              <a:rPr lang="en-US" sz="2400" dirty="0"/>
-              <a:t>,  </a:t>
-            </a:r>
-            <a:r>
-              <a:rPr lang="en-US" sz="2400" dirty="0" err="1"/>
-              <a:t>произволно</a:t>
-            </a:r>
-            <a:r>
-              <a:rPr lang="en-US" sz="2400" dirty="0"/>
-              <a:t> </a:t>
-            </a:r>
-            <a:r>
-              <a:rPr lang="en-US" sz="2400" dirty="0" err="1"/>
-              <a:t>генерирана</a:t>
-            </a:r>
-            <a:r>
-              <a:rPr lang="en-US" sz="2400" dirty="0"/>
-              <a:t> </a:t>
-            </a:r>
-            <a:r>
-              <a:rPr lang="en-US" sz="2400" dirty="0" err="1"/>
-              <a:t>на</a:t>
-            </a:r>
-            <a:r>
-              <a:rPr lang="en-US" sz="2400" dirty="0"/>
-              <a:t> </a:t>
-            </a:r>
-            <a:r>
-              <a:rPr lang="en-US" sz="2400" dirty="0" err="1"/>
-              <a:t>имейла</a:t>
-            </a:r>
-            <a:r>
-              <a:rPr lang="en-US" sz="2400" dirty="0"/>
-              <a:t> </a:t>
-            </a:r>
-            <a:r>
-              <a:rPr lang="en-US" sz="2400" dirty="0" err="1"/>
-              <a:t>на</a:t>
-            </a:r>
-            <a:r>
-              <a:rPr lang="en-US" sz="2400" dirty="0"/>
-              <a:t> </a:t>
-            </a:r>
-            <a:r>
-              <a:rPr lang="en-US" sz="2400" dirty="0" err="1"/>
-              <a:t>потребителя</a:t>
-            </a:r>
-            <a:r>
-              <a:rPr lang="en-US" sz="2400" dirty="0"/>
-              <a:t>.</a:t>
-            </a:r>
-          </a:p>
-          <a:p>
-            <a:endParaRPr lang="en-US" sz="2000" dirty="0"/>
-          </a:p>
-          <a:p>
-            <a:r>
-              <a:rPr lang="en-US" sz="2400" dirty="0"/>
-              <a:t>      1.2 </a:t>
-            </a:r>
-            <a:r>
-              <a:rPr lang="en-US" sz="2400" dirty="0" err="1"/>
-              <a:t>Възможност</a:t>
-            </a:r>
-            <a:r>
-              <a:rPr lang="en-US" sz="2400" dirty="0"/>
-              <a:t> </a:t>
-            </a:r>
-            <a:r>
-              <a:rPr lang="en-US" sz="2400" dirty="0" err="1"/>
-              <a:t>за</a:t>
-            </a:r>
-            <a:r>
-              <a:rPr lang="en-US" sz="2400" dirty="0"/>
-              <a:t> </a:t>
-            </a:r>
-            <a:r>
-              <a:rPr lang="en-US" sz="2400" dirty="0" err="1"/>
-              <a:t>допълнително</a:t>
-            </a:r>
-            <a:r>
-              <a:rPr lang="en-US" sz="2400" dirty="0"/>
-              <a:t> </a:t>
-            </a:r>
-            <a:r>
-              <a:rPr lang="en-US" sz="2400" dirty="0" err="1"/>
-              <a:t>описание</a:t>
-            </a:r>
-            <a:r>
-              <a:rPr lang="en-US" sz="2400" dirty="0"/>
-              <a:t> </a:t>
-            </a:r>
-            <a:r>
-              <a:rPr lang="en-US" sz="2400" dirty="0" err="1"/>
-              <a:t>на</a:t>
-            </a:r>
-            <a:r>
-              <a:rPr lang="en-US" sz="2400" dirty="0"/>
-              <a:t> </a:t>
-            </a:r>
-            <a:r>
-              <a:rPr lang="en-US" sz="2400" dirty="0" err="1"/>
-              <a:t>резервация</a:t>
-            </a:r>
-            <a:r>
-              <a:rPr lang="en-US" sz="2400" dirty="0"/>
-              <a:t> - </a:t>
-            </a:r>
-            <a:r>
-              <a:rPr lang="en-US" sz="2400" dirty="0" err="1"/>
-              <a:t>при</a:t>
-            </a:r>
-            <a:r>
-              <a:rPr lang="en-US" sz="2400" dirty="0"/>
-              <a:t> </a:t>
-            </a:r>
-            <a:r>
-              <a:rPr lang="en-US" sz="2400" dirty="0" err="1"/>
-              <a:t>резервация</a:t>
-            </a:r>
-            <a:r>
-              <a:rPr lang="en-US" sz="2400" dirty="0"/>
-              <a:t> </a:t>
-            </a:r>
-            <a:r>
-              <a:rPr lang="en-US" sz="2400" dirty="0" err="1"/>
-              <a:t>на</a:t>
-            </a:r>
-            <a:r>
-              <a:rPr lang="en-US" sz="2400" dirty="0"/>
-              <a:t> </a:t>
-            </a:r>
-            <a:r>
-              <a:rPr lang="en-US" sz="2400" dirty="0" err="1"/>
-              <a:t>зала</a:t>
-            </a:r>
-            <a:r>
-              <a:rPr lang="en-US" sz="2400" dirty="0"/>
-              <a:t>, </a:t>
-            </a:r>
-            <a:r>
-              <a:rPr lang="en-US" sz="2400" dirty="0" err="1"/>
-              <a:t>потребителят</a:t>
-            </a:r>
-            <a:r>
-              <a:rPr lang="en-US" sz="2400" dirty="0"/>
-              <a:t> </a:t>
-            </a:r>
-            <a:r>
-              <a:rPr lang="en-US" sz="2400" dirty="0" err="1"/>
-              <a:t>може</a:t>
-            </a:r>
-            <a:r>
-              <a:rPr lang="en-US" sz="2400" dirty="0"/>
-              <a:t> </a:t>
-            </a:r>
-            <a:r>
-              <a:rPr lang="en-US" sz="2400" dirty="0" err="1"/>
-              <a:t>да</a:t>
-            </a:r>
-            <a:r>
-              <a:rPr lang="en-US" sz="2400" dirty="0"/>
-              <a:t> </a:t>
-            </a:r>
-            <a:r>
-              <a:rPr lang="en-US" sz="2400" dirty="0" err="1"/>
-              <a:t>посочи</a:t>
-            </a:r>
-            <a:r>
-              <a:rPr lang="en-US" sz="2400" dirty="0"/>
-              <a:t> </a:t>
-            </a:r>
-            <a:r>
-              <a:rPr lang="en-US" sz="2400" dirty="0" err="1"/>
-              <a:t>допълнителна</a:t>
-            </a:r>
-            <a:r>
-              <a:rPr lang="en-US" sz="2400" dirty="0"/>
-              <a:t> </a:t>
-            </a:r>
-            <a:r>
-              <a:rPr lang="en-US" sz="2400" dirty="0" err="1"/>
-              <a:t>информация</a:t>
-            </a:r>
-            <a:r>
-              <a:rPr lang="en-US" sz="2400" dirty="0"/>
-              <a:t> </a:t>
-            </a:r>
-            <a:r>
-              <a:rPr lang="en-US" sz="2400" dirty="0" err="1"/>
-              <a:t>за</a:t>
-            </a:r>
-            <a:r>
-              <a:rPr lang="en-US" sz="2400" dirty="0"/>
-              <a:t> </a:t>
-            </a:r>
-            <a:r>
-              <a:rPr lang="en-US" sz="2400" dirty="0" err="1"/>
-              <a:t>това</a:t>
-            </a:r>
-            <a:r>
-              <a:rPr lang="en-US" sz="2400" dirty="0"/>
-              <a:t> </a:t>
-            </a:r>
-            <a:r>
-              <a:rPr lang="en-US" sz="2400" dirty="0" err="1"/>
-              <a:t>какъв</a:t>
-            </a:r>
-            <a:r>
-              <a:rPr lang="en-US" sz="2400" dirty="0"/>
-              <a:t> </a:t>
-            </a:r>
-            <a:r>
-              <a:rPr lang="en-US" sz="2400" dirty="0" err="1"/>
-              <a:t>ресурс</a:t>
-            </a:r>
-            <a:r>
-              <a:rPr lang="en-US" sz="2400" dirty="0"/>
-              <a:t> </a:t>
-            </a:r>
-            <a:r>
-              <a:rPr lang="en-US" sz="2400" dirty="0" err="1"/>
-              <a:t>ще</a:t>
-            </a:r>
-            <a:r>
-              <a:rPr lang="en-US" sz="2400" dirty="0"/>
-              <a:t> </a:t>
-            </a:r>
-            <a:r>
-              <a:rPr lang="en-US" sz="2400" dirty="0" err="1"/>
-              <a:t>съдържа</a:t>
-            </a:r>
-            <a:r>
-              <a:rPr lang="en-US" sz="2400" dirty="0"/>
-              <a:t> </a:t>
-            </a:r>
-            <a:r>
-              <a:rPr lang="en-US" sz="2400" dirty="0" err="1"/>
-              <a:t>залата</a:t>
-            </a:r>
-            <a:r>
-              <a:rPr lang="en-US" sz="2400" dirty="0"/>
-              <a:t> (</a:t>
-            </a:r>
-            <a:r>
-              <a:rPr lang="en-US" sz="2400" dirty="0" err="1"/>
-              <a:t>мултимедия</a:t>
-            </a:r>
-            <a:r>
-              <a:rPr lang="en-US" sz="2400" dirty="0"/>
-              <a:t>, </a:t>
-            </a:r>
-            <a:r>
-              <a:rPr lang="en-US" sz="2400" dirty="0" err="1"/>
-              <a:t>лаптоп</a:t>
-            </a:r>
-            <a:r>
-              <a:rPr lang="en-US" sz="2400" dirty="0"/>
-              <a:t> и </a:t>
-            </a:r>
-            <a:r>
-              <a:rPr lang="en-US" sz="2400" dirty="0" err="1"/>
-              <a:t>др</a:t>
-            </a:r>
-            <a:r>
-              <a:rPr lang="en-US" sz="2400" dirty="0"/>
-              <a:t>.).</a:t>
-            </a:r>
-          </a:p>
-          <a:p>
-            <a:endParaRPr lang="en-US" sz="2400" dirty="0"/>
+              <a:rPr lang="en-US" dirty="0" err="1">
+                <a:solidFill>
+                  <a:schemeClr val="tx1">
+                    <a:lumMod val="95000"/>
+                  </a:schemeClr>
+                </a:solidFill>
+              </a:rPr>
+              <a:t>таблети</a:t>
+            </a:r>
+            <a:r>
+              <a:rPr lang="en-US" dirty="0">
+                <a:solidFill>
+                  <a:schemeClr val="tx1">
+                    <a:lumMod val="95000"/>
+                  </a:schemeClr>
+                </a:solidFill>
+              </a:rPr>
+              <a:t>).</a:t>
+            </a:r>
           </a:p>
         </p:txBody>
       </p:sp>
     </p:spTree>
     <p:extLst>
       <p:ext uri="{BB962C8B-B14F-4D97-AF65-F5344CB8AC3E}">
-        <p14:creationId xmlns:p14="http://schemas.microsoft.com/office/powerpoint/2010/main" val="2794185709"/>
+        <p14:creationId xmlns:p14="http://schemas.microsoft.com/office/powerpoint/2010/main" val="105037105"/>
       </p:ext>
     </p:extLst>
   </p:cSld>
@@ -14137,27 +15266,20 @@
         </p:nvSpPr>
         <p:spPr>
           <a:xfrm>
-            <a:off x="730393" y="1757218"/>
-            <a:ext cx="10870479" cy="4375727"/>
+            <a:off x="711920" y="794327"/>
+            <a:ext cx="10870479" cy="5264727"/>
           </a:xfrm>
         </p:spPr>
         <p:txBody>
           <a:bodyPr>
-            <a:normAutofit fontScale="92500" lnSpcReduction="10000"/>
+            <a:normAutofit/>
           </a:bodyPr>
           <a:lstStyle/>
           <a:p>
-            <a:r>
-              <a:rPr lang="en-US" b="1" dirty="0">
-                <a:solidFill>
-                  <a:schemeClr val="tx1">
-                    <a:lumMod val="95000"/>
-                  </a:schemeClr>
-                </a:solidFill>
-              </a:rPr>
-              <a:t>2.Употреба (Usability)</a:t>
-            </a:r>
-            <a:endParaRPr lang="en-US" dirty="0">
+            <a:pPr marL="457200" lvl="1" indent="0">
+              <a:buNone/>
+            </a:pPr>
+            <a:endParaRPr lang="en-US" sz="2000" dirty="0">
               <a:solidFill>
                 <a:schemeClr val="tx1">
                   <a:lumMod val="95000"/>
@@ -14166,10 +15288,18 @@
             </a:endParaRPr>
           </a:p>
           <a:p>
-            <a:pPr marL="0" indent="0">
-              <a:buNone/>
-            </a:pPr>
-            <a:endParaRPr lang="en-US" dirty="0">
+            <a:pPr lvl="1"/>
+            <a:r>
+              <a:rPr lang="en-US" sz="2000" b="1" dirty="0">
+                <a:solidFill>
+                  <a:schemeClr val="tx1">
+                    <a:lumMod val="95000"/>
+                  </a:schemeClr>
+                </a:solidFill>
+              </a:rPr>
+              <a:t>4.Производителност(Performance)</a:t>
+            </a:r>
+            <a:endParaRPr lang="en-US" sz="2000" dirty="0">
               <a:solidFill>
                 <a:schemeClr val="tx1">
                   <a:lumMod val="95000"/>
@@ -14178,159 +15308,10 @@
             </a:endParaRPr>
           </a:p>
           <a:p>
-            <a:r>
-              <a:rPr lang="en-US" dirty="0">
-                <a:solidFill>
-                  <a:schemeClr val="tx1">
-                    <a:lumMod val="95000"/>
-                  </a:schemeClr>
-                </a:solidFill>
-              </a:rPr>
-              <a:t>2.1   </a:t>
-            </a:r>
-            <a:r>
-              <a:rPr lang="en-US" dirty="0" err="1">
-                <a:solidFill>
-                  <a:schemeClr val="tx1">
-                    <a:lumMod val="95000"/>
-                  </a:schemeClr>
-                </a:solidFill>
-              </a:rPr>
-              <a:t>Администраторски</a:t>
-            </a:r>
-            <a:r>
-              <a:rPr lang="en-US" dirty="0">
-                <a:solidFill>
-                  <a:schemeClr val="tx1">
-                    <a:lumMod val="95000"/>
-                  </a:schemeClr>
-                </a:solidFill>
-              </a:rPr>
-              <a:t> </a:t>
-            </a:r>
-            <a:r>
-              <a:rPr lang="en-US" dirty="0" err="1">
-                <a:solidFill>
-                  <a:schemeClr val="tx1">
-                    <a:lumMod val="95000"/>
-                  </a:schemeClr>
-                </a:solidFill>
-              </a:rPr>
-              <a:t>акаунт</a:t>
-            </a:r>
-            <a:r>
-              <a:rPr lang="en-US" dirty="0">
-                <a:solidFill>
-                  <a:schemeClr val="tx1">
-                    <a:lumMod val="95000"/>
-                  </a:schemeClr>
-                </a:solidFill>
-              </a:rPr>
-              <a:t> – </a:t>
-            </a:r>
-            <a:r>
-              <a:rPr lang="en-US" dirty="0" err="1">
-                <a:solidFill>
-                  <a:schemeClr val="tx1">
-                    <a:lumMod val="95000"/>
-                  </a:schemeClr>
-                </a:solidFill>
-              </a:rPr>
-              <a:t>системата</a:t>
-            </a:r>
-            <a:r>
-              <a:rPr lang="en-US" dirty="0">
-                <a:solidFill>
-                  <a:schemeClr val="tx1">
-                    <a:lumMod val="95000"/>
-                  </a:schemeClr>
-                </a:solidFill>
-              </a:rPr>
-              <a:t> </a:t>
-            </a:r>
-            <a:r>
-              <a:rPr lang="en-US" dirty="0" err="1">
-                <a:solidFill>
-                  <a:schemeClr val="tx1">
-                    <a:lumMod val="95000"/>
-                  </a:schemeClr>
-                </a:solidFill>
-              </a:rPr>
-              <a:t>поддържа</a:t>
-            </a:r>
-            <a:r>
-              <a:rPr lang="en-US" dirty="0">
-                <a:solidFill>
-                  <a:schemeClr val="tx1">
-                    <a:lumMod val="95000"/>
-                  </a:schemeClr>
-                </a:solidFill>
-              </a:rPr>
-              <a:t> </a:t>
-            </a:r>
-            <a:r>
-              <a:rPr lang="en-US" dirty="0" err="1">
-                <a:solidFill>
-                  <a:schemeClr val="tx1">
-                    <a:lumMod val="95000"/>
-                  </a:schemeClr>
-                </a:solidFill>
-              </a:rPr>
-              <a:t>един</a:t>
-            </a:r>
-            <a:r>
-              <a:rPr lang="en-US" dirty="0">
-                <a:solidFill>
-                  <a:schemeClr val="tx1">
-                    <a:lumMod val="95000"/>
-                  </a:schemeClr>
-                </a:solidFill>
-              </a:rPr>
-              <a:t> </a:t>
-            </a:r>
-            <a:r>
-              <a:rPr lang="en-US" dirty="0" err="1">
-                <a:solidFill>
-                  <a:schemeClr val="tx1">
-                    <a:lumMod val="95000"/>
-                  </a:schemeClr>
-                </a:solidFill>
-              </a:rPr>
-              <a:t>администраторски</a:t>
-            </a:r>
-            <a:r>
-              <a:rPr lang="en-US" dirty="0">
-                <a:solidFill>
-                  <a:schemeClr val="tx1">
-                    <a:lumMod val="95000"/>
-                  </a:schemeClr>
-                </a:solidFill>
-              </a:rPr>
-              <a:t> </a:t>
-            </a:r>
-            <a:r>
-              <a:rPr lang="en-US" dirty="0" err="1">
-                <a:solidFill>
-                  <a:schemeClr val="tx1">
-                    <a:lumMod val="95000"/>
-                  </a:schemeClr>
-                </a:solidFill>
-              </a:rPr>
-              <a:t>акаунт</a:t>
-            </a:r>
-            <a:r>
-              <a:rPr lang="en-US" dirty="0">
-                <a:solidFill>
-                  <a:schemeClr val="tx1">
-                    <a:lumMod val="95000"/>
-                  </a:schemeClr>
-                </a:solidFill>
-              </a:rPr>
-              <a:t>.</a:t>
-            </a:r>
-          </a:p>
-          <a:p>
-            <a:endParaRPr lang="en-US" sz="1000" dirty="0">
+            <a:pPr marL="457200" lvl="1" indent="0">
+              <a:buNone/>
+            </a:pPr>
+            <a:endParaRPr lang="en-US" sz="2000" dirty="0">
               <a:solidFill>
                 <a:schemeClr val="tx1">
                   <a:lumMod val="95000"/>
@@ -14339,48 +15320,109 @@
             </a:endParaRPr>
           </a:p>
           <a:p>
-            <a:r>
-              <a:rPr lang="en-US" dirty="0">
-                <a:solidFill>
-                  <a:schemeClr val="tx1">
-                    <a:lumMod val="95000"/>
-                  </a:schemeClr>
-                </a:solidFill>
-              </a:rPr>
-              <a:t>2.2   </a:t>
-            </a:r>
-            <a:r>
-              <a:rPr lang="en-US" dirty="0" err="1">
-                <a:solidFill>
-                  <a:schemeClr val="tx1">
-                    <a:lumMod val="95000"/>
-                  </a:schemeClr>
-                </a:solidFill>
-              </a:rPr>
-              <a:t>Администраторски</a:t>
-            </a:r>
-            <a:r>
-              <a:rPr lang="en-US" dirty="0">
-                <a:solidFill>
-                  <a:schemeClr val="tx1">
-                    <a:lumMod val="95000"/>
-                  </a:schemeClr>
-                </a:solidFill>
-              </a:rPr>
-              <a:t> </a:t>
-            </a:r>
-            <a:r>
-              <a:rPr lang="en-US" dirty="0" err="1">
-                <a:solidFill>
-                  <a:schemeClr val="tx1">
-                    <a:lumMod val="95000"/>
-                  </a:schemeClr>
-                </a:solidFill>
-              </a:rPr>
-              <a:t>интерфейс</a:t>
-            </a:r>
-            <a:r>
-              <a:rPr lang="en-US" dirty="0">
+            <a:pPr lvl="1"/>
+            <a:r>
+              <a:rPr lang="en-US" sz="2000" dirty="0">
+                <a:solidFill>
+                  <a:schemeClr val="tx1">
+                    <a:lumMod val="95000"/>
+                  </a:schemeClr>
+                </a:solidFill>
+              </a:rPr>
+              <a:t>4.1   </a:t>
+            </a:r>
+            <a:r>
+              <a:rPr lang="en-US" sz="2000" dirty="0" err="1">
+                <a:solidFill>
+                  <a:schemeClr val="tx1">
+                    <a:lumMod val="95000"/>
+                  </a:schemeClr>
+                </a:solidFill>
+              </a:rPr>
+              <a:t>Бързина</a:t>
+            </a:r>
+            <a:r>
+              <a:rPr lang="en-US" sz="2000" dirty="0">
+                <a:solidFill>
+                  <a:schemeClr val="tx1">
+                    <a:lumMod val="95000"/>
+                  </a:schemeClr>
+                </a:solidFill>
+              </a:rPr>
+              <a:t> </a:t>
+            </a:r>
+            <a:r>
+              <a:rPr lang="en-US" sz="2000" dirty="0" err="1">
+                <a:solidFill>
+                  <a:schemeClr val="tx1">
+                    <a:lumMod val="95000"/>
+                  </a:schemeClr>
+                </a:solidFill>
+              </a:rPr>
+              <a:t>на</a:t>
+            </a:r>
+            <a:r>
+              <a:rPr lang="en-US" sz="2000" dirty="0">
+                <a:solidFill>
+                  <a:schemeClr val="tx1">
+                    <a:lumMod val="95000"/>
+                  </a:schemeClr>
+                </a:solidFill>
+              </a:rPr>
+              <a:t> </a:t>
+            </a:r>
+            <a:r>
+              <a:rPr lang="en-US" sz="2000" dirty="0" err="1">
+                <a:solidFill>
+                  <a:schemeClr val="tx1">
+                    <a:lumMod val="95000"/>
+                  </a:schemeClr>
+                </a:solidFill>
+              </a:rPr>
+              <a:t>зареждане</a:t>
+            </a:r>
+            <a:r>
+              <a:rPr lang="en-US" sz="2000" dirty="0">
+                <a:solidFill>
+                  <a:schemeClr val="tx1">
+                    <a:lumMod val="95000"/>
+                  </a:schemeClr>
+                </a:solidFill>
+              </a:rPr>
+              <a:t> </a:t>
+            </a:r>
+            <a:r>
+              <a:rPr lang="en-US" sz="2000" dirty="0" err="1">
+                <a:solidFill>
+                  <a:schemeClr val="tx1">
+                    <a:lumMod val="95000"/>
+                  </a:schemeClr>
+                </a:solidFill>
+              </a:rPr>
+              <a:t>на</a:t>
+            </a:r>
+            <a:r>
+              <a:rPr lang="en-US" sz="2000" dirty="0">
+                <a:solidFill>
+                  <a:schemeClr val="tx1">
+                    <a:lumMod val="95000"/>
+                  </a:schemeClr>
+                </a:solidFill>
+              </a:rPr>
+              <a:t> </a:t>
+            </a:r>
+            <a:r>
+              <a:rPr lang="en-US" sz="2000" dirty="0" err="1">
+                <a:solidFill>
+                  <a:schemeClr val="tx1">
+                    <a:lumMod val="95000"/>
+                  </a:schemeClr>
+                </a:solidFill>
+              </a:rPr>
+              <a:t>календара</a:t>
+            </a:r>
+            <a:r>
+              <a:rPr lang="en-US" sz="2000" dirty="0">
                 <a:solidFill>
                   <a:schemeClr val="tx1">
                     <a:lumMod val="95000"/>
@@ -14390,187 +15432,333 @@
               <a:t> – </a:t>
             </a:r>
             <a:r>
-              <a:rPr lang="en-US" dirty="0" err="1">
-                <a:solidFill>
-                  <a:schemeClr val="tx1">
-                    <a:lumMod val="95000"/>
-                  </a:schemeClr>
-                </a:solidFill>
-              </a:rPr>
-              <a:t>администраторът</a:t>
-            </a:r>
-            <a:r>
-              <a:rPr lang="en-US" dirty="0">
-                <a:solidFill>
-                  <a:schemeClr val="tx1">
-                    <a:lumMod val="95000"/>
-                  </a:schemeClr>
-                </a:solidFill>
-              </a:rPr>
-              <a:t> </a:t>
-            </a:r>
-            <a:r>
-              <a:rPr lang="en-US" dirty="0" err="1">
-                <a:solidFill>
-                  <a:schemeClr val="tx1">
-                    <a:lumMod val="95000"/>
-                  </a:schemeClr>
-                </a:solidFill>
-              </a:rPr>
-              <a:t>има</a:t>
-            </a:r>
-            <a:r>
-              <a:rPr lang="en-US" dirty="0">
-                <a:solidFill>
-                  <a:schemeClr val="tx1">
-                    <a:lumMod val="95000"/>
-                  </a:schemeClr>
-                </a:solidFill>
-              </a:rPr>
-              <a:t> </a:t>
-            </a:r>
-            <a:r>
-              <a:rPr lang="en-US" dirty="0" err="1">
-                <a:solidFill>
-                  <a:schemeClr val="tx1">
-                    <a:lumMod val="95000"/>
-                  </a:schemeClr>
-                </a:solidFill>
-              </a:rPr>
-              <a:t>специален</a:t>
-            </a:r>
-            <a:r>
-              <a:rPr lang="en-US" dirty="0">
-                <a:solidFill>
-                  <a:schemeClr val="tx1">
-                    <a:lumMod val="95000"/>
-                  </a:schemeClr>
-                </a:solidFill>
-              </a:rPr>
-              <a:t> </a:t>
-            </a:r>
-            <a:r>
-              <a:rPr lang="en-US" dirty="0" err="1">
-                <a:solidFill>
-                  <a:schemeClr val="tx1">
-                    <a:lumMod val="95000"/>
-                  </a:schemeClr>
-                </a:solidFill>
-              </a:rPr>
-              <a:t>интерфейс</a:t>
-            </a:r>
-            <a:r>
-              <a:rPr lang="en-US" dirty="0">
-                <a:solidFill>
-                  <a:schemeClr val="tx1">
-                    <a:lumMod val="95000"/>
-                  </a:schemeClr>
-                </a:solidFill>
-              </a:rPr>
-              <a:t>, </a:t>
-            </a:r>
-            <a:r>
-              <a:rPr lang="en-US" dirty="0" err="1">
-                <a:solidFill>
-                  <a:schemeClr val="tx1">
-                    <a:lumMod val="95000"/>
-                  </a:schemeClr>
-                </a:solidFill>
-              </a:rPr>
-              <a:t>чрез</a:t>
-            </a:r>
-            <a:r>
-              <a:rPr lang="en-US" dirty="0">
-                <a:solidFill>
-                  <a:schemeClr val="tx1">
-                    <a:lumMod val="95000"/>
-                  </a:schemeClr>
-                </a:solidFill>
-              </a:rPr>
-              <a:t> </a:t>
-            </a:r>
-            <a:r>
-              <a:rPr lang="en-US" dirty="0" err="1">
-                <a:solidFill>
-                  <a:schemeClr val="tx1">
-                    <a:lumMod val="95000"/>
-                  </a:schemeClr>
-                </a:solidFill>
-              </a:rPr>
-              <a:t>който</a:t>
-            </a:r>
-            <a:r>
-              <a:rPr lang="en-US" dirty="0">
-                <a:solidFill>
-                  <a:schemeClr val="tx1">
-                    <a:lumMod val="95000"/>
-                  </a:schemeClr>
-                </a:solidFill>
-              </a:rPr>
-              <a:t> </a:t>
-            </a:r>
-            <a:r>
-              <a:rPr lang="en-US" dirty="0" err="1">
-                <a:solidFill>
-                  <a:schemeClr val="tx1">
-                    <a:lumMod val="95000"/>
-                  </a:schemeClr>
-                </a:solidFill>
-              </a:rPr>
-              <a:t>вижда</a:t>
-            </a:r>
-            <a:r>
-              <a:rPr lang="en-US" dirty="0">
-                <a:solidFill>
-                  <a:schemeClr val="tx1">
-                    <a:lumMod val="95000"/>
-                  </a:schemeClr>
-                </a:solidFill>
-              </a:rPr>
-              <a:t> </a:t>
-            </a:r>
-            <a:r>
-              <a:rPr lang="en-US" dirty="0" err="1">
-                <a:solidFill>
-                  <a:schemeClr val="tx1">
-                    <a:lumMod val="95000"/>
-                  </a:schemeClr>
-                </a:solidFill>
-              </a:rPr>
-              <a:t>информация</a:t>
-            </a:r>
-            <a:r>
-              <a:rPr lang="en-US" dirty="0">
-                <a:solidFill>
-                  <a:schemeClr val="tx1">
-                    <a:lumMod val="95000"/>
-                  </a:schemeClr>
-                </a:solidFill>
-              </a:rPr>
-              <a:t> </a:t>
-            </a:r>
-            <a:r>
-              <a:rPr lang="en-US" dirty="0" err="1">
-                <a:solidFill>
-                  <a:schemeClr val="tx1">
-                    <a:lumMod val="95000"/>
-                  </a:schemeClr>
-                </a:solidFill>
-              </a:rPr>
-              <a:t>за</a:t>
-            </a:r>
-            <a:r>
-              <a:rPr lang="en-US" dirty="0">
-                <a:solidFill>
-                  <a:schemeClr val="tx1">
-                    <a:lumMod val="95000"/>
-                  </a:schemeClr>
-                </a:solidFill>
-              </a:rPr>
-              <a:t> </a:t>
-            </a:r>
-            <a:r>
-              <a:rPr lang="en-US" dirty="0" err="1">
+              <a:rPr lang="en-US" sz="2000" dirty="0" err="1">
+                <a:solidFill>
+                  <a:schemeClr val="tx1">
+                    <a:lumMod val="95000"/>
+                  </a:schemeClr>
+                </a:solidFill>
+              </a:rPr>
+              <a:t>не</a:t>
+            </a:r>
+            <a:r>
+              <a:rPr lang="en-US" sz="2000" dirty="0">
+                <a:solidFill>
+                  <a:schemeClr val="tx1">
+                    <a:lumMod val="95000"/>
+                  </a:schemeClr>
+                </a:solidFill>
+              </a:rPr>
+              <a:t> </a:t>
+            </a:r>
+            <a:r>
+              <a:rPr lang="en-US" sz="2000" dirty="0" err="1">
+                <a:solidFill>
+                  <a:schemeClr val="tx1">
+                    <a:lumMod val="95000"/>
+                  </a:schemeClr>
+                </a:solidFill>
+              </a:rPr>
+              <a:t>повече</a:t>
+            </a:r>
+            <a:r>
+              <a:rPr lang="en-US" sz="2000" dirty="0">
+                <a:solidFill>
+                  <a:schemeClr val="tx1">
+                    <a:lumMod val="95000"/>
+                  </a:schemeClr>
+                </a:solidFill>
+              </a:rPr>
+              <a:t> </a:t>
+            </a:r>
+            <a:r>
+              <a:rPr lang="en-US" sz="2000" dirty="0" err="1">
+                <a:solidFill>
+                  <a:schemeClr val="tx1">
+                    <a:lumMod val="95000"/>
+                  </a:schemeClr>
+                </a:solidFill>
+              </a:rPr>
+              <a:t>от</a:t>
+            </a:r>
+            <a:r>
+              <a:rPr lang="en-US" sz="2000" dirty="0">
+                <a:solidFill>
+                  <a:schemeClr val="tx1">
+                    <a:lumMod val="95000"/>
+                  </a:schemeClr>
+                </a:solidFill>
+              </a:rPr>
+              <a:t> </a:t>
+            </a:r>
+            <a:r>
+              <a:rPr lang="en-US" sz="2000" dirty="0" err="1">
+                <a:solidFill>
+                  <a:schemeClr val="tx1">
+                    <a:lumMod val="95000"/>
+                  </a:schemeClr>
+                </a:solidFill>
+              </a:rPr>
+              <a:t>секунда</a:t>
+            </a:r>
+            <a:r>
+              <a:rPr lang="en-US" sz="2000" dirty="0">
+                <a:solidFill>
+                  <a:schemeClr val="tx1">
+                    <a:lumMod val="95000"/>
+                  </a:schemeClr>
+                </a:solidFill>
+              </a:rPr>
+              <a:t> и </a:t>
+            </a:r>
+            <a:r>
+              <a:rPr lang="en-US" sz="2000" dirty="0" err="1">
+                <a:solidFill>
+                  <a:schemeClr val="tx1">
+                    <a:lumMod val="95000"/>
+                  </a:schemeClr>
+                </a:solidFill>
+              </a:rPr>
+              <a:t>половина</a:t>
+            </a:r>
+            <a:r>
+              <a:rPr lang="en-US" sz="2000" dirty="0">
+                <a:solidFill>
+                  <a:schemeClr val="tx1">
+                    <a:lumMod val="95000"/>
+                  </a:schemeClr>
+                </a:solidFill>
+              </a:rPr>
+              <a:t>.</a:t>
+            </a:r>
+          </a:p>
+          <a:p>
+            <a:pPr lvl="1"/>
+            <a:r>
+              <a:rPr lang="en-US" sz="2000" dirty="0">
+                <a:solidFill>
+                  <a:schemeClr val="tx1">
+                    <a:lumMod val="95000"/>
+                  </a:schemeClr>
+                </a:solidFill>
+              </a:rPr>
+              <a:t>4.2   </a:t>
+            </a:r>
+            <a:r>
+              <a:rPr lang="en-US" sz="2000" dirty="0" err="1">
+                <a:solidFill>
+                  <a:schemeClr val="tx1">
+                    <a:lumMod val="95000"/>
+                  </a:schemeClr>
+                </a:solidFill>
+              </a:rPr>
+              <a:t>Брой</a:t>
+            </a:r>
+            <a:r>
+              <a:rPr lang="en-US" sz="2000" dirty="0">
+                <a:solidFill>
+                  <a:schemeClr val="tx1">
+                    <a:lumMod val="95000"/>
+                  </a:schemeClr>
+                </a:solidFill>
+              </a:rPr>
+              <a:t> </a:t>
+            </a:r>
+            <a:r>
+              <a:rPr lang="en-US" sz="2000" dirty="0" err="1">
+                <a:solidFill>
+                  <a:schemeClr val="tx1">
+                    <a:lumMod val="95000"/>
+                  </a:schemeClr>
+                </a:solidFill>
+              </a:rPr>
+              <a:t>посещения</a:t>
+            </a:r>
+            <a:r>
+              <a:rPr lang="en-US" sz="2000" dirty="0">
+                <a:solidFill>
+                  <a:schemeClr val="tx1">
+                    <a:lumMod val="95000"/>
+                  </a:schemeClr>
+                </a:solidFill>
+              </a:rPr>
+              <a:t> – </a:t>
+            </a:r>
+            <a:r>
+              <a:rPr lang="en-US" sz="2000" dirty="0" err="1">
+                <a:solidFill>
+                  <a:schemeClr val="tx1">
+                    <a:lumMod val="95000"/>
+                  </a:schemeClr>
+                </a:solidFill>
+              </a:rPr>
+              <a:t>поддържа</a:t>
+            </a:r>
+            <a:r>
+              <a:rPr lang="en-US" sz="2000" dirty="0">
+                <a:solidFill>
+                  <a:schemeClr val="tx1">
+                    <a:lumMod val="95000"/>
+                  </a:schemeClr>
+                </a:solidFill>
+              </a:rPr>
+              <a:t> </a:t>
+            </a:r>
+            <a:r>
+              <a:rPr lang="en-US" sz="2000" dirty="0" err="1">
+                <a:solidFill>
+                  <a:schemeClr val="tx1">
+                    <a:lumMod val="95000"/>
+                  </a:schemeClr>
+                </a:solidFill>
+              </a:rPr>
+              <a:t>около</a:t>
+            </a:r>
+            <a:r>
+              <a:rPr lang="en-US" sz="2000" dirty="0">
+                <a:solidFill>
+                  <a:schemeClr val="tx1">
+                    <a:lumMod val="95000"/>
+                  </a:schemeClr>
+                </a:solidFill>
+              </a:rPr>
+              <a:t> 100-150 </a:t>
+            </a:r>
+            <a:r>
+              <a:rPr lang="en-US" sz="2000" dirty="0" err="1">
+                <a:solidFill>
+                  <a:schemeClr val="tx1">
+                    <a:lumMod val="95000"/>
+                  </a:schemeClr>
+                </a:solidFill>
+              </a:rPr>
+              <a:t>посещения</a:t>
+            </a:r>
+            <a:r>
+              <a:rPr lang="en-US" sz="2000" dirty="0">
+                <a:solidFill>
+                  <a:schemeClr val="tx1">
+                    <a:lumMod val="95000"/>
+                  </a:schemeClr>
+                </a:solidFill>
+              </a:rPr>
+              <a:t> </a:t>
+            </a:r>
+            <a:r>
+              <a:rPr lang="en-US" sz="2000" dirty="0" err="1">
+                <a:solidFill>
+                  <a:schemeClr val="tx1">
+                    <a:lumMod val="95000"/>
+                  </a:schemeClr>
+                </a:solidFill>
+              </a:rPr>
+              <a:t>на</a:t>
+            </a:r>
+            <a:r>
+              <a:rPr lang="en-US" sz="2000" dirty="0">
+                <a:solidFill>
+                  <a:schemeClr val="tx1">
+                    <a:lumMod val="95000"/>
+                  </a:schemeClr>
+                </a:solidFill>
+              </a:rPr>
+              <a:t> </a:t>
+            </a:r>
+            <a:r>
+              <a:rPr lang="en-US" sz="2000" dirty="0" err="1">
+                <a:solidFill>
+                  <a:schemeClr val="tx1">
+                    <a:lumMod val="95000"/>
+                  </a:schemeClr>
+                </a:solidFill>
+              </a:rPr>
+              <a:t>ден</a:t>
+            </a:r>
+            <a:r>
+              <a:rPr lang="en-US" sz="2000" dirty="0">
+                <a:solidFill>
+                  <a:schemeClr val="tx1">
+                    <a:lumMod val="95000"/>
+                  </a:schemeClr>
+                </a:solidFill>
+              </a:rPr>
+              <a:t>.</a:t>
+            </a:r>
+          </a:p>
+          <a:p>
+            <a:pPr lvl="1"/>
+            <a:r>
+              <a:rPr lang="en-US" sz="2000" dirty="0">
+                <a:solidFill>
+                  <a:schemeClr val="tx1">
+                    <a:lumMod val="95000"/>
+                  </a:schemeClr>
+                </a:solidFill>
+              </a:rPr>
+              <a:t>4.3   </a:t>
+            </a:r>
+            <a:r>
+              <a:rPr lang="en-US" sz="2000" dirty="0" err="1">
+                <a:solidFill>
+                  <a:schemeClr val="tx1">
+                    <a:lumMod val="95000"/>
+                  </a:schemeClr>
+                </a:solidFill>
+              </a:rPr>
+              <a:t>Брой</a:t>
+            </a:r>
+            <a:r>
+              <a:rPr lang="en-US" sz="2000" dirty="0">
+                <a:solidFill>
+                  <a:schemeClr val="tx1">
+                    <a:lumMod val="95000"/>
+                  </a:schemeClr>
+                </a:solidFill>
+              </a:rPr>
+              <a:t> – </a:t>
+            </a:r>
+            <a:r>
+              <a:rPr lang="en-US" sz="2000" dirty="0" err="1">
+                <a:solidFill>
+                  <a:schemeClr val="tx1">
+                    <a:lumMod val="95000"/>
+                  </a:schemeClr>
+                </a:solidFill>
+              </a:rPr>
+              <a:t>активни</a:t>
+            </a:r>
+            <a:r>
+              <a:rPr lang="en-US" sz="2000" dirty="0">
+                <a:solidFill>
+                  <a:schemeClr val="tx1">
+                    <a:lumMod val="95000"/>
+                  </a:schemeClr>
+                </a:solidFill>
+              </a:rPr>
+              <a:t> </a:t>
+            </a:r>
+            <a:r>
+              <a:rPr lang="en-US" sz="2000" dirty="0" err="1">
+                <a:solidFill>
+                  <a:schemeClr val="tx1">
+                    <a:lumMod val="95000"/>
+                  </a:schemeClr>
+                </a:solidFill>
+              </a:rPr>
+              <a:t>акаунти</a:t>
+            </a:r>
+            <a:r>
+              <a:rPr lang="en-US" sz="2000" dirty="0">
+                <a:solidFill>
+                  <a:schemeClr val="tx1">
+                    <a:lumMod val="95000"/>
+                  </a:schemeClr>
+                </a:solidFill>
+              </a:rPr>
+              <a:t> – </a:t>
+            </a:r>
+            <a:r>
+              <a:rPr lang="en-US" sz="2000" dirty="0" err="1">
                 <a:solidFill>
                   <a:schemeClr val="tx1">
                     <a:lumMod val="95000"/>
@@ -14580,67 +15768,107 @@
               <a:t>системата</a:t>
             </a:r>
             <a:r>
-              <a:rPr lang="en-US" dirty="0">
-                <a:solidFill>
-                  <a:schemeClr val="tx1">
-                    <a:lumMod val="95000"/>
-                  </a:schemeClr>
-                </a:solidFill>
-              </a:rPr>
-              <a:t> и </a:t>
-            </a:r>
-            <a:r>
-              <a:rPr lang="en-US" dirty="0" err="1">
-                <a:solidFill>
-                  <a:schemeClr val="tx1">
-                    <a:lumMod val="95000"/>
-                  </a:schemeClr>
-                </a:solidFill>
-              </a:rPr>
-              <a:t>потребителите</a:t>
-            </a:r>
-            <a:r>
-              <a:rPr lang="en-US" dirty="0">
-                <a:solidFill>
-                  <a:schemeClr val="tx1">
-                    <a:lumMod val="95000"/>
-                  </a:schemeClr>
-                </a:solidFill>
-              </a:rPr>
-              <a:t> и </a:t>
-            </a:r>
-            <a:r>
-              <a:rPr lang="en-US" dirty="0" err="1">
-                <a:solidFill>
-                  <a:schemeClr val="tx1">
-                    <a:lumMod val="95000"/>
-                  </a:schemeClr>
-                </a:solidFill>
-              </a:rPr>
-              <a:t>ги</a:t>
-            </a:r>
-            <a:r>
-              <a:rPr lang="en-US" dirty="0">
-                <a:solidFill>
-                  <a:schemeClr val="tx1">
-                    <a:lumMod val="95000"/>
-                  </a:schemeClr>
-                </a:solidFill>
-              </a:rPr>
-              <a:t> </a:t>
-            </a:r>
-            <a:r>
-              <a:rPr lang="en-US" dirty="0" err="1">
-                <a:solidFill>
-                  <a:schemeClr val="tx1">
-                    <a:lumMod val="95000"/>
-                  </a:schemeClr>
-                </a:solidFill>
-              </a:rPr>
-              <a:t>администрира</a:t>
-            </a:r>
-            <a:r>
-              <a:rPr lang="en-US" dirty="0">
+              <a:rPr lang="en-US" sz="2000" dirty="0">
+                <a:solidFill>
+                  <a:schemeClr val="tx1">
+                    <a:lumMod val="95000"/>
+                  </a:schemeClr>
+                </a:solidFill>
+              </a:rPr>
+              <a:t> </a:t>
+            </a:r>
+            <a:r>
+              <a:rPr lang="en-US" sz="2000" dirty="0" err="1">
+                <a:solidFill>
+                  <a:schemeClr val="tx1">
+                    <a:lumMod val="95000"/>
+                  </a:schemeClr>
+                </a:solidFill>
+              </a:rPr>
+              <a:t>поддържа</a:t>
+            </a:r>
+            <a:r>
+              <a:rPr lang="en-US" sz="2000" dirty="0">
+                <a:solidFill>
+                  <a:schemeClr val="tx1">
+                    <a:lumMod val="95000"/>
+                  </a:schemeClr>
+                </a:solidFill>
+              </a:rPr>
+              <a:t> </a:t>
+            </a:r>
+            <a:r>
+              <a:rPr lang="en-US" sz="2000" dirty="0" err="1">
+                <a:solidFill>
+                  <a:schemeClr val="tx1">
+                    <a:lumMod val="95000"/>
+                  </a:schemeClr>
+                </a:solidFill>
+              </a:rPr>
+              <a:t>до</a:t>
+            </a:r>
+            <a:r>
+              <a:rPr lang="en-US" sz="2000" dirty="0">
+                <a:solidFill>
+                  <a:schemeClr val="tx1">
+                    <a:lumMod val="95000"/>
+                  </a:schemeClr>
+                </a:solidFill>
+              </a:rPr>
+              <a:t> 1000 </a:t>
+            </a:r>
+            <a:r>
+              <a:rPr lang="en-US" sz="2000" dirty="0" err="1">
+                <a:solidFill>
+                  <a:schemeClr val="tx1">
+                    <a:lumMod val="95000"/>
+                  </a:schemeClr>
+                </a:solidFill>
+              </a:rPr>
+              <a:t>активни</a:t>
+            </a:r>
+            <a:r>
+              <a:rPr lang="en-US" sz="2000" dirty="0">
+                <a:solidFill>
+                  <a:schemeClr val="tx1">
+                    <a:lumMod val="95000"/>
+                  </a:schemeClr>
+                </a:solidFill>
+              </a:rPr>
+              <a:t> </a:t>
+            </a:r>
+            <a:r>
+              <a:rPr lang="en-US" sz="2000" dirty="0" err="1">
+                <a:solidFill>
+                  <a:schemeClr val="tx1">
+                    <a:lumMod val="95000"/>
+                  </a:schemeClr>
+                </a:solidFill>
+              </a:rPr>
+              <a:t>лекторски</a:t>
+            </a:r>
+            <a:r>
+              <a:rPr lang="en-US" sz="2000" dirty="0">
+                <a:solidFill>
+                  <a:schemeClr val="tx1">
+                    <a:lumMod val="95000"/>
+                  </a:schemeClr>
+                </a:solidFill>
+              </a:rPr>
+              <a:t> </a:t>
+            </a:r>
+            <a:r>
+              <a:rPr lang="en-US" sz="2000" dirty="0" err="1">
+                <a:solidFill>
+                  <a:schemeClr val="tx1">
+                    <a:lumMod val="95000"/>
+                  </a:schemeClr>
+                </a:solidFill>
+              </a:rPr>
+              <a:t>акаунта</a:t>
+            </a:r>
+            <a:r>
+              <a:rPr lang="en-US" sz="2000" dirty="0">
                 <a:solidFill>
                   <a:schemeClr val="tx1">
                     <a:lumMod val="95000"/>
@@ -14648,668 +15876,6 @@
                 </a:solidFill>
               </a:rPr>
               <a:t>.</a:t>
-            </a:r>
-          </a:p>
-          <a:p>
-            <a:endParaRPr lang="en-US" sz="1000" dirty="0">
-              <a:solidFill>
-                <a:schemeClr val="tx1">
-                  <a:lumMod val="95000"/>
-                </a:schemeClr>
-              </a:solidFill>
-            </a:endParaRPr>
-          </a:p>
-          <a:p>
-            <a:r>
-              <a:rPr lang="en-US" dirty="0">
-                <a:solidFill>
-                  <a:schemeClr val="tx1">
-                    <a:lumMod val="95000"/>
-                  </a:schemeClr>
-                </a:solidFill>
-              </a:rPr>
-              <a:t>2.3   </a:t>
-            </a:r>
-            <a:r>
-              <a:rPr lang="en-US" dirty="0" err="1">
-                <a:solidFill>
-                  <a:schemeClr val="tx1">
-                    <a:lumMod val="95000"/>
-                  </a:schemeClr>
-                </a:solidFill>
-              </a:rPr>
-              <a:t>Лекторски</a:t>
-            </a:r>
-            <a:r>
-              <a:rPr lang="en-US" dirty="0">
-                <a:solidFill>
-                  <a:schemeClr val="tx1">
-                    <a:lumMod val="95000"/>
-                  </a:schemeClr>
-                </a:solidFill>
-              </a:rPr>
-              <a:t> </a:t>
-            </a:r>
-            <a:r>
-              <a:rPr lang="en-US" dirty="0" err="1">
-                <a:solidFill>
-                  <a:schemeClr val="tx1">
-                    <a:lumMod val="95000"/>
-                  </a:schemeClr>
-                </a:solidFill>
-              </a:rPr>
-              <a:t>интерфейс</a:t>
-            </a:r>
-            <a:r>
-              <a:rPr lang="en-US" dirty="0">
-                <a:solidFill>
-                  <a:schemeClr val="tx1">
-                    <a:lumMod val="95000"/>
-                  </a:schemeClr>
-                </a:solidFill>
-              </a:rPr>
-              <a:t> – </a:t>
-            </a:r>
-            <a:r>
-              <a:rPr lang="en-US" dirty="0" err="1">
-                <a:solidFill>
-                  <a:schemeClr val="tx1">
-                    <a:lumMod val="95000"/>
-                  </a:schemeClr>
-                </a:solidFill>
-              </a:rPr>
-              <a:t>лекторите</a:t>
-            </a:r>
-            <a:r>
-              <a:rPr lang="en-US" dirty="0">
-                <a:solidFill>
-                  <a:schemeClr val="tx1">
-                    <a:lumMod val="95000"/>
-                  </a:schemeClr>
-                </a:solidFill>
-              </a:rPr>
-              <a:t> </a:t>
-            </a:r>
-            <a:r>
-              <a:rPr lang="en-US" dirty="0" err="1">
-                <a:solidFill>
-                  <a:schemeClr val="tx1">
-                    <a:lumMod val="95000"/>
-                  </a:schemeClr>
-                </a:solidFill>
-              </a:rPr>
-              <a:t>имат</a:t>
-            </a:r>
-            <a:r>
-              <a:rPr lang="en-US" dirty="0">
-                <a:solidFill>
-                  <a:schemeClr val="tx1">
-                    <a:lumMod val="95000"/>
-                  </a:schemeClr>
-                </a:solidFill>
-              </a:rPr>
-              <a:t> </a:t>
-            </a:r>
-            <a:r>
-              <a:rPr lang="en-US" dirty="0" err="1">
-                <a:solidFill>
-                  <a:schemeClr val="tx1">
-                    <a:lumMod val="95000"/>
-                  </a:schemeClr>
-                </a:solidFill>
-              </a:rPr>
-              <a:t>собствен</a:t>
-            </a:r>
-            <a:r>
-              <a:rPr lang="en-US" dirty="0">
-                <a:solidFill>
-                  <a:schemeClr val="tx1">
-                    <a:lumMod val="95000"/>
-                  </a:schemeClr>
-                </a:solidFill>
-              </a:rPr>
-              <a:t> </a:t>
-            </a:r>
-            <a:r>
-              <a:rPr lang="en-US" dirty="0" err="1">
-                <a:solidFill>
-                  <a:schemeClr val="tx1">
-                    <a:lumMod val="95000"/>
-                  </a:schemeClr>
-                </a:solidFill>
-              </a:rPr>
-              <a:t>интерфейс</a:t>
-            </a:r>
-            <a:r>
-              <a:rPr lang="en-US" dirty="0">
-                <a:solidFill>
-                  <a:schemeClr val="tx1">
-                    <a:lumMod val="95000"/>
-                  </a:schemeClr>
-                </a:solidFill>
-              </a:rPr>
-              <a:t>, </a:t>
-            </a:r>
-            <a:r>
-              <a:rPr lang="en-US" dirty="0" err="1">
-                <a:solidFill>
-                  <a:schemeClr val="tx1">
-                    <a:lumMod val="95000"/>
-                  </a:schemeClr>
-                </a:solidFill>
-              </a:rPr>
-              <a:t>който</a:t>
-            </a:r>
-            <a:r>
-              <a:rPr lang="en-US" dirty="0">
-                <a:solidFill>
-                  <a:schemeClr val="tx1">
-                    <a:lumMod val="95000"/>
-                  </a:schemeClr>
-                </a:solidFill>
-              </a:rPr>
-              <a:t> </a:t>
-            </a:r>
-            <a:r>
-              <a:rPr lang="en-US" dirty="0" err="1">
-                <a:solidFill>
-                  <a:schemeClr val="tx1">
-                    <a:lumMod val="95000"/>
-                  </a:schemeClr>
-                </a:solidFill>
-              </a:rPr>
-              <a:t>им</a:t>
-            </a:r>
-            <a:r>
-              <a:rPr lang="en-US" dirty="0">
-                <a:solidFill>
-                  <a:schemeClr val="tx1">
-                    <a:lumMod val="95000"/>
-                  </a:schemeClr>
-                </a:solidFill>
-              </a:rPr>
-              <a:t> </a:t>
-            </a:r>
-            <a:r>
-              <a:rPr lang="en-US" dirty="0" err="1">
-                <a:solidFill>
-                  <a:schemeClr val="tx1">
-                    <a:lumMod val="95000"/>
-                  </a:schemeClr>
-                </a:solidFill>
-              </a:rPr>
-              <a:t>помага</a:t>
-            </a:r>
-            <a:r>
-              <a:rPr lang="en-US" dirty="0">
-                <a:solidFill>
-                  <a:schemeClr val="tx1">
-                    <a:lumMod val="95000"/>
-                  </a:schemeClr>
-                </a:solidFill>
-              </a:rPr>
-              <a:t> </a:t>
-            </a:r>
-            <a:r>
-              <a:rPr lang="en-US" dirty="0" err="1">
-                <a:solidFill>
-                  <a:schemeClr val="tx1">
-                    <a:lumMod val="95000"/>
-                  </a:schemeClr>
-                </a:solidFill>
-              </a:rPr>
-              <a:t>да</a:t>
-            </a:r>
-            <a:r>
-              <a:rPr lang="en-US" dirty="0">
-                <a:solidFill>
-                  <a:schemeClr val="tx1">
-                    <a:lumMod val="95000"/>
-                  </a:schemeClr>
-                </a:solidFill>
-              </a:rPr>
-              <a:t> </a:t>
-            </a:r>
-            <a:r>
-              <a:rPr lang="en-US" dirty="0" err="1">
-                <a:solidFill>
-                  <a:schemeClr val="tx1">
-                    <a:lumMod val="95000"/>
-                  </a:schemeClr>
-                </a:solidFill>
-              </a:rPr>
-              <a:t>рекуестват</a:t>
-            </a:r>
-            <a:r>
-              <a:rPr lang="en-US" dirty="0">
-                <a:solidFill>
-                  <a:schemeClr val="tx1">
-                    <a:lumMod val="95000"/>
-                  </a:schemeClr>
-                </a:solidFill>
-              </a:rPr>
-              <a:t> </a:t>
-            </a:r>
-            <a:r>
-              <a:rPr lang="en-US" dirty="0" err="1">
-                <a:solidFill>
-                  <a:schemeClr val="tx1">
-                    <a:lumMod val="95000"/>
-                  </a:schemeClr>
-                </a:solidFill>
-              </a:rPr>
-              <a:t>за</a:t>
-            </a:r>
-            <a:r>
-              <a:rPr lang="en-US" dirty="0">
-                <a:solidFill>
-                  <a:schemeClr val="tx1">
-                    <a:lumMod val="95000"/>
-                  </a:schemeClr>
-                </a:solidFill>
-              </a:rPr>
-              <a:t> </a:t>
-            </a:r>
-            <a:r>
-              <a:rPr lang="en-US" dirty="0" err="1">
-                <a:solidFill>
-                  <a:schemeClr val="tx1">
-                    <a:lumMod val="95000"/>
-                  </a:schemeClr>
-                </a:solidFill>
-              </a:rPr>
-              <a:t>резервация</a:t>
-            </a:r>
-            <a:r>
-              <a:rPr lang="en-US" dirty="0">
-                <a:solidFill>
-                  <a:schemeClr val="tx1">
-                    <a:lumMod val="95000"/>
-                  </a:schemeClr>
-                </a:solidFill>
-              </a:rPr>
-              <a:t> и </a:t>
-            </a:r>
-            <a:r>
-              <a:rPr lang="en-US" dirty="0" err="1">
-                <a:solidFill>
-                  <a:schemeClr val="tx1">
-                    <a:lumMod val="95000"/>
-                  </a:schemeClr>
-                </a:solidFill>
-              </a:rPr>
-              <a:t>да</a:t>
-            </a:r>
-            <a:r>
-              <a:rPr lang="en-US" dirty="0">
-                <a:solidFill>
-                  <a:schemeClr val="tx1">
-                    <a:lumMod val="95000"/>
-                  </a:schemeClr>
-                </a:solidFill>
-              </a:rPr>
-              <a:t> </a:t>
-            </a:r>
-            <a:r>
-              <a:rPr lang="en-US" dirty="0" err="1">
-                <a:solidFill>
-                  <a:schemeClr val="tx1">
-                    <a:lumMod val="95000"/>
-                  </a:schemeClr>
-                </a:solidFill>
-              </a:rPr>
-              <a:t>следят</a:t>
-            </a:r>
-            <a:r>
-              <a:rPr lang="en-US" dirty="0">
-                <a:solidFill>
-                  <a:schemeClr val="tx1">
-                    <a:lumMod val="95000"/>
-                  </a:schemeClr>
-                </a:solidFill>
-              </a:rPr>
-              <a:t> </a:t>
-            </a:r>
-            <a:r>
-              <a:rPr lang="en-US" dirty="0" err="1">
-                <a:solidFill>
-                  <a:schemeClr val="tx1">
-                    <a:lumMod val="95000"/>
-                  </a:schemeClr>
-                </a:solidFill>
-              </a:rPr>
-              <a:t>своите</a:t>
-            </a:r>
-            <a:r>
-              <a:rPr lang="en-US" dirty="0">
-                <a:solidFill>
-                  <a:schemeClr val="tx1">
-                    <a:lumMod val="95000"/>
-                  </a:schemeClr>
-                </a:solidFill>
-              </a:rPr>
-              <a:t> </a:t>
-            </a:r>
-            <a:r>
-              <a:rPr lang="en-US" dirty="0" err="1">
-                <a:solidFill>
-                  <a:schemeClr val="tx1">
-                    <a:lumMod val="95000"/>
-                  </a:schemeClr>
-                </a:solidFill>
-              </a:rPr>
-              <a:t>резервации</a:t>
-            </a:r>
-            <a:r>
-              <a:rPr lang="en-US" dirty="0">
-                <a:solidFill>
-                  <a:schemeClr val="tx1">
-                    <a:lumMod val="95000"/>
-                  </a:schemeClr>
-                </a:solidFill>
-              </a:rPr>
-              <a:t>.</a:t>
-            </a:r>
-          </a:p>
-          <a:p>
-            <a:endParaRPr lang="en-US" sz="900" dirty="0">
-              <a:solidFill>
-                <a:schemeClr val="tx1">
-                  <a:lumMod val="95000"/>
-                </a:schemeClr>
-              </a:solidFill>
-            </a:endParaRPr>
-          </a:p>
-          <a:p>
-            <a:r>
-              <a:rPr lang="en-US" dirty="0">
-                <a:solidFill>
-                  <a:schemeClr val="tx1">
-                    <a:lumMod val="95000"/>
-                  </a:schemeClr>
-                </a:solidFill>
-              </a:rPr>
-              <a:t>2.4   </a:t>
-            </a:r>
-            <a:r>
-              <a:rPr lang="en-US" dirty="0" err="1">
-                <a:solidFill>
-                  <a:schemeClr val="tx1">
-                    <a:lumMod val="95000"/>
-                  </a:schemeClr>
-                </a:solidFill>
-              </a:rPr>
-              <a:t>Съвместимост</a:t>
-            </a:r>
-            <a:r>
-              <a:rPr lang="en-US" dirty="0">
-                <a:solidFill>
-                  <a:schemeClr val="tx1">
-                    <a:lumMod val="95000"/>
-                  </a:schemeClr>
-                </a:solidFill>
-              </a:rPr>
-              <a:t> с </a:t>
-            </a:r>
-            <a:r>
-              <a:rPr lang="en-US" dirty="0" err="1">
-                <a:solidFill>
-                  <a:schemeClr val="tx1">
-                    <a:lumMod val="95000"/>
-                  </a:schemeClr>
-                </a:solidFill>
-              </a:rPr>
-              <a:t>мобилни</a:t>
-            </a:r>
-            <a:r>
-              <a:rPr lang="en-US" dirty="0">
-                <a:solidFill>
-                  <a:schemeClr val="tx1">
-                    <a:lumMod val="95000"/>
-                  </a:schemeClr>
-                </a:solidFill>
-              </a:rPr>
-              <a:t> </a:t>
-            </a:r>
-            <a:r>
-              <a:rPr lang="en-US" dirty="0" err="1">
-                <a:solidFill>
-                  <a:schemeClr val="tx1">
-                    <a:lumMod val="95000"/>
-                  </a:schemeClr>
-                </a:solidFill>
-              </a:rPr>
-              <a:t>устройства</a:t>
-            </a:r>
-            <a:r>
-              <a:rPr lang="en-US" dirty="0">
-                <a:solidFill>
-                  <a:schemeClr val="tx1">
-                    <a:lumMod val="95000"/>
-                  </a:schemeClr>
-                </a:solidFill>
-              </a:rPr>
-              <a:t> – </a:t>
-            </a:r>
-            <a:r>
-              <a:rPr lang="en-US" dirty="0" err="1">
-                <a:solidFill>
-                  <a:schemeClr val="tx1">
-                    <a:lumMod val="95000"/>
-                  </a:schemeClr>
-                </a:solidFill>
-              </a:rPr>
-              <a:t>инетрфейсът</a:t>
-            </a:r>
-            <a:r>
-              <a:rPr lang="en-US" dirty="0">
-                <a:solidFill>
-                  <a:schemeClr val="tx1">
-                    <a:lumMod val="95000"/>
-                  </a:schemeClr>
-                </a:solidFill>
-              </a:rPr>
-              <a:t> </a:t>
-            </a:r>
-            <a:r>
-              <a:rPr lang="en-US" dirty="0" err="1">
-                <a:solidFill>
-                  <a:schemeClr val="tx1">
-                    <a:lumMod val="95000"/>
-                  </a:schemeClr>
-                </a:solidFill>
-              </a:rPr>
-              <a:t>на</a:t>
-            </a:r>
-            <a:r>
-              <a:rPr lang="en-US" dirty="0">
-                <a:solidFill>
-                  <a:schemeClr val="tx1">
-                    <a:lumMod val="95000"/>
-                  </a:schemeClr>
-                </a:solidFill>
-              </a:rPr>
-              <a:t> </a:t>
-            </a:r>
-            <a:r>
-              <a:rPr lang="en-US" dirty="0" err="1">
-                <a:solidFill>
-                  <a:schemeClr val="tx1">
-                    <a:lumMod val="95000"/>
-                  </a:schemeClr>
-                </a:solidFill>
-              </a:rPr>
-              <a:t>системата</a:t>
-            </a:r>
-            <a:r>
-              <a:rPr lang="en-US" dirty="0">
-                <a:solidFill>
-                  <a:schemeClr val="tx1">
-                    <a:lumMod val="95000"/>
-                  </a:schemeClr>
-                </a:solidFill>
-              </a:rPr>
-              <a:t> </a:t>
-            </a:r>
-            <a:r>
-              <a:rPr lang="en-US" dirty="0" err="1">
-                <a:solidFill>
-                  <a:schemeClr val="tx1">
-                    <a:lumMod val="95000"/>
-                  </a:schemeClr>
-                </a:solidFill>
-              </a:rPr>
-              <a:t>работи</a:t>
-            </a:r>
-            <a:r>
-              <a:rPr lang="en-US" dirty="0">
-                <a:solidFill>
-                  <a:schemeClr val="tx1">
-                    <a:lumMod val="95000"/>
-                  </a:schemeClr>
-                </a:solidFill>
-              </a:rPr>
-              <a:t> </a:t>
-            </a:r>
-            <a:r>
-              <a:rPr lang="en-US" dirty="0" err="1">
-                <a:solidFill>
-                  <a:schemeClr val="tx1">
-                    <a:lumMod val="95000"/>
-                  </a:schemeClr>
-                </a:solidFill>
-              </a:rPr>
-              <a:t>адекватно</a:t>
-            </a:r>
-            <a:r>
-              <a:rPr lang="en-US" dirty="0">
-                <a:solidFill>
-                  <a:schemeClr val="tx1">
-                    <a:lumMod val="95000"/>
-                  </a:schemeClr>
-                </a:solidFill>
-              </a:rPr>
-              <a:t> </a:t>
-            </a:r>
-            <a:r>
-              <a:rPr lang="en-US" dirty="0" err="1">
-                <a:solidFill>
-                  <a:schemeClr val="tx1">
-                    <a:lumMod val="95000"/>
-                  </a:schemeClr>
-                </a:solidFill>
-              </a:rPr>
-              <a:t>на</a:t>
-            </a:r>
-            <a:r>
-              <a:rPr lang="en-US" dirty="0">
-                <a:solidFill>
-                  <a:schemeClr val="tx1">
-                    <a:lumMod val="95000"/>
-                  </a:schemeClr>
-                </a:solidFill>
-              </a:rPr>
-              <a:t> </a:t>
-            </a:r>
-            <a:r>
-              <a:rPr lang="en-US" dirty="0" err="1">
-                <a:solidFill>
-                  <a:schemeClr val="tx1">
-                    <a:lumMod val="95000"/>
-                  </a:schemeClr>
-                </a:solidFill>
-              </a:rPr>
-              <a:t>различните</a:t>
-            </a:r>
-            <a:r>
-              <a:rPr lang="en-US" dirty="0">
-                <a:solidFill>
-                  <a:schemeClr val="tx1">
-                    <a:lumMod val="95000"/>
-                  </a:schemeClr>
-                </a:solidFill>
-              </a:rPr>
-              <a:t> </a:t>
-            </a:r>
-            <a:r>
-              <a:rPr lang="en-US" dirty="0" err="1">
-                <a:solidFill>
-                  <a:schemeClr val="tx1">
-                    <a:lumMod val="95000"/>
-                  </a:schemeClr>
-                </a:solidFill>
-              </a:rPr>
-              <a:t>мобилни</a:t>
-            </a:r>
-            <a:r>
-              <a:rPr lang="en-US" dirty="0">
-                <a:solidFill>
-                  <a:schemeClr val="tx1">
-                    <a:lumMod val="95000"/>
-                  </a:schemeClr>
-                </a:solidFill>
-              </a:rPr>
-              <a:t> </a:t>
-            </a:r>
-            <a:r>
-              <a:rPr lang="en-US" dirty="0" err="1">
-                <a:solidFill>
-                  <a:schemeClr val="tx1">
-                    <a:lumMod val="95000"/>
-                  </a:schemeClr>
-                </a:solidFill>
-              </a:rPr>
-              <a:t>устройства</a:t>
-            </a:r>
-            <a:r>
-              <a:rPr lang="en-US" dirty="0">
-                <a:solidFill>
-                  <a:schemeClr val="tx1">
-                    <a:lumMod val="95000"/>
-                  </a:schemeClr>
-                </a:solidFill>
-              </a:rPr>
-              <a:t> (</a:t>
-            </a:r>
-            <a:r>
-              <a:rPr lang="en-US" dirty="0" err="1">
-                <a:solidFill>
-                  <a:schemeClr val="tx1">
-                    <a:lumMod val="95000"/>
-                  </a:schemeClr>
-                </a:solidFill>
-              </a:rPr>
-              <a:t>телефони</a:t>
-            </a:r>
-            <a:r>
-              <a:rPr lang="en-US" dirty="0">
-                <a:solidFill>
-                  <a:schemeClr val="tx1">
-                    <a:lumMod val="95000"/>
-                  </a:schemeClr>
-                </a:solidFill>
-              </a:rPr>
-              <a:t>, </a:t>
-            </a:r>
-            <a:r>
-              <a:rPr lang="en-US" dirty="0" err="1">
-                <a:solidFill>
-                  <a:schemeClr val="tx1">
-                    <a:lumMod val="95000"/>
-                  </a:schemeClr>
-                </a:solidFill>
-              </a:rPr>
-              <a:t>таблети</a:t>
-            </a:r>
-            <a:r>
-              <a:rPr lang="en-US" dirty="0">
-                <a:solidFill>
-                  <a:schemeClr val="tx1">
-                    <a:lumMod val="95000"/>
-                  </a:schemeClr>
-                </a:solidFill>
-              </a:rPr>
-              <a:t>).</a:t>
             </a:r>
           </a:p>
         </p:txBody>
@@ -15317,7 +15883,7 @@
     </p:spTree>
     <p:extLst>
       <p:ext uri="{BB962C8B-B14F-4D97-AF65-F5344CB8AC3E}">
-        <p14:creationId xmlns:p14="http://schemas.microsoft.com/office/powerpoint/2010/main" val="105037105"/>
+        <p14:creationId xmlns:p14="http://schemas.microsoft.com/office/powerpoint/2010/main" val="930090048"/>
       </p:ext>
     </p:extLst>
   </p:cSld>
@@ -15398,694 +15964,6 @@
           </a:bodyPr>
           <a:lstStyle/>
           <a:p>
-            <a:pPr marL="457200" lvl="1" indent="0">
-              <a:buNone/>
-            </a:pPr>
-            <a:endParaRPr lang="en-US" sz="2000" dirty="0">
-              <a:solidFill>
-                <a:schemeClr val="tx1">
-                  <a:lumMod val="95000"/>
-                </a:schemeClr>
-              </a:solidFill>
-            </a:endParaRPr>
-          </a:p>
-          <a:p>
-            <a:pPr lvl="1"/>
-            <a:r>
-              <a:rPr lang="en-US" sz="2000" b="1" dirty="0">
-                <a:solidFill>
-                  <a:schemeClr val="tx1">
-                    <a:lumMod val="95000"/>
-                  </a:schemeClr>
-                </a:solidFill>
-              </a:rPr>
-              <a:t>4.Производителност(Performance)</a:t>
-            </a:r>
-            <a:endParaRPr lang="en-US" sz="2000" dirty="0">
-              <a:solidFill>
-                <a:schemeClr val="tx1">
-                  <a:lumMod val="95000"/>
-                </a:schemeClr>
-              </a:solidFill>
-            </a:endParaRPr>
-          </a:p>
-          <a:p>
-            <a:pPr marL="457200" lvl="1" indent="0">
-              <a:buNone/>
-            </a:pPr>
-            <a:endParaRPr lang="en-US" sz="2000" dirty="0">
-              <a:solidFill>
-                <a:schemeClr val="tx1">
-                  <a:lumMod val="95000"/>
-                </a:schemeClr>
-              </a:solidFill>
-            </a:endParaRPr>
-          </a:p>
-          <a:p>
-            <a:pPr lvl="1"/>
-            <a:r>
-              <a:rPr lang="en-US" sz="2000" dirty="0">
-                <a:solidFill>
-                  <a:schemeClr val="tx1">
-                    <a:lumMod val="95000"/>
-                  </a:schemeClr>
-                </a:solidFill>
-              </a:rPr>
-              <a:t>4.1   </a:t>
-            </a:r>
-            <a:r>
-              <a:rPr lang="en-US" sz="2000" dirty="0" err="1">
-                <a:solidFill>
-                  <a:schemeClr val="tx1">
-                    <a:lumMod val="95000"/>
-                  </a:schemeClr>
-                </a:solidFill>
-              </a:rPr>
-              <a:t>Бързина</a:t>
-            </a:r>
-            <a:r>
-              <a:rPr lang="en-US" sz="2000" dirty="0">
-                <a:solidFill>
-                  <a:schemeClr val="tx1">
-                    <a:lumMod val="95000"/>
-                  </a:schemeClr>
-                </a:solidFill>
-              </a:rPr>
-              <a:t> </a:t>
-            </a:r>
-            <a:r>
-              <a:rPr lang="en-US" sz="2000" dirty="0" err="1">
-                <a:solidFill>
-                  <a:schemeClr val="tx1">
-                    <a:lumMod val="95000"/>
-                  </a:schemeClr>
-                </a:solidFill>
-              </a:rPr>
-              <a:t>на</a:t>
-            </a:r>
-            <a:r>
-              <a:rPr lang="en-US" sz="2000" dirty="0">
-                <a:solidFill>
-                  <a:schemeClr val="tx1">
-                    <a:lumMod val="95000"/>
-                  </a:schemeClr>
-                </a:solidFill>
-              </a:rPr>
-              <a:t> </a:t>
-            </a:r>
-            <a:r>
-              <a:rPr lang="en-US" sz="2000" dirty="0" err="1">
-                <a:solidFill>
-                  <a:schemeClr val="tx1">
-                    <a:lumMod val="95000"/>
-                  </a:schemeClr>
-                </a:solidFill>
-              </a:rPr>
-              <a:t>зареждане</a:t>
-            </a:r>
-            <a:r>
-              <a:rPr lang="en-US" sz="2000" dirty="0">
-                <a:solidFill>
-                  <a:schemeClr val="tx1">
-                    <a:lumMod val="95000"/>
-                  </a:schemeClr>
-                </a:solidFill>
-              </a:rPr>
-              <a:t> </a:t>
-            </a:r>
-            <a:r>
-              <a:rPr lang="en-US" sz="2000" dirty="0" err="1">
-                <a:solidFill>
-                  <a:schemeClr val="tx1">
-                    <a:lumMod val="95000"/>
-                  </a:schemeClr>
-                </a:solidFill>
-              </a:rPr>
-              <a:t>на</a:t>
-            </a:r>
-            <a:r>
-              <a:rPr lang="en-US" sz="2000" dirty="0">
-                <a:solidFill>
-                  <a:schemeClr val="tx1">
-                    <a:lumMod val="95000"/>
-                  </a:schemeClr>
-                </a:solidFill>
-              </a:rPr>
-              <a:t> </a:t>
-            </a:r>
-            <a:r>
-              <a:rPr lang="en-US" sz="2000" dirty="0" err="1">
-                <a:solidFill>
-                  <a:schemeClr val="tx1">
-                    <a:lumMod val="95000"/>
-                  </a:schemeClr>
-                </a:solidFill>
-              </a:rPr>
-              <a:t>календара</a:t>
-            </a:r>
-            <a:r>
-              <a:rPr lang="en-US" sz="2000" dirty="0">
-                <a:solidFill>
-                  <a:schemeClr val="tx1">
-                    <a:lumMod val="95000"/>
-                  </a:schemeClr>
-                </a:solidFill>
-              </a:rPr>
-              <a:t> – </a:t>
-            </a:r>
-            <a:r>
-              <a:rPr lang="en-US" sz="2000" dirty="0" err="1">
-                <a:solidFill>
-                  <a:schemeClr val="tx1">
-                    <a:lumMod val="95000"/>
-                  </a:schemeClr>
-                </a:solidFill>
-              </a:rPr>
-              <a:t>не</a:t>
-            </a:r>
-            <a:r>
-              <a:rPr lang="en-US" sz="2000" dirty="0">
-                <a:solidFill>
-                  <a:schemeClr val="tx1">
-                    <a:lumMod val="95000"/>
-                  </a:schemeClr>
-                </a:solidFill>
-              </a:rPr>
-              <a:t> </a:t>
-            </a:r>
-            <a:r>
-              <a:rPr lang="en-US" sz="2000" dirty="0" err="1">
-                <a:solidFill>
-                  <a:schemeClr val="tx1">
-                    <a:lumMod val="95000"/>
-                  </a:schemeClr>
-                </a:solidFill>
-              </a:rPr>
-              <a:t>повече</a:t>
-            </a:r>
-            <a:r>
-              <a:rPr lang="en-US" sz="2000" dirty="0">
-                <a:solidFill>
-                  <a:schemeClr val="tx1">
-                    <a:lumMod val="95000"/>
-                  </a:schemeClr>
-                </a:solidFill>
-              </a:rPr>
-              <a:t> </a:t>
-            </a:r>
-            <a:r>
-              <a:rPr lang="en-US" sz="2000" dirty="0" err="1">
-                <a:solidFill>
-                  <a:schemeClr val="tx1">
-                    <a:lumMod val="95000"/>
-                  </a:schemeClr>
-                </a:solidFill>
-              </a:rPr>
-              <a:t>от</a:t>
-            </a:r>
-            <a:r>
-              <a:rPr lang="en-US" sz="2000" dirty="0">
-                <a:solidFill>
-                  <a:schemeClr val="tx1">
-                    <a:lumMod val="95000"/>
-                  </a:schemeClr>
-                </a:solidFill>
-              </a:rPr>
-              <a:t> </a:t>
-            </a:r>
-            <a:r>
-              <a:rPr lang="en-US" sz="2000" dirty="0" err="1">
-                <a:solidFill>
-                  <a:schemeClr val="tx1">
-                    <a:lumMod val="95000"/>
-                  </a:schemeClr>
-                </a:solidFill>
-              </a:rPr>
-              <a:t>секунда</a:t>
-            </a:r>
-            <a:r>
-              <a:rPr lang="en-US" sz="2000" dirty="0">
-                <a:solidFill>
-                  <a:schemeClr val="tx1">
-                    <a:lumMod val="95000"/>
-                  </a:schemeClr>
-                </a:solidFill>
-              </a:rPr>
-              <a:t> и </a:t>
-            </a:r>
-            <a:r>
-              <a:rPr lang="en-US" sz="2000" dirty="0" err="1">
-                <a:solidFill>
-                  <a:schemeClr val="tx1">
-                    <a:lumMod val="95000"/>
-                  </a:schemeClr>
-                </a:solidFill>
-              </a:rPr>
-              <a:t>половина</a:t>
-            </a:r>
-            <a:r>
-              <a:rPr lang="en-US" sz="2000" dirty="0">
-                <a:solidFill>
-                  <a:schemeClr val="tx1">
-                    <a:lumMod val="95000"/>
-                  </a:schemeClr>
-                </a:solidFill>
-              </a:rPr>
-              <a:t>.</a:t>
-            </a:r>
-          </a:p>
-          <a:p>
-            <a:pPr lvl="1"/>
-            <a:r>
-              <a:rPr lang="en-US" sz="2000" dirty="0">
-                <a:solidFill>
-                  <a:schemeClr val="tx1">
-                    <a:lumMod val="95000"/>
-                  </a:schemeClr>
-                </a:solidFill>
-              </a:rPr>
-              <a:t>4.2   </a:t>
-            </a:r>
-            <a:r>
-              <a:rPr lang="en-US" sz="2000" dirty="0" err="1">
-                <a:solidFill>
-                  <a:schemeClr val="tx1">
-                    <a:lumMod val="95000"/>
-                  </a:schemeClr>
-                </a:solidFill>
-              </a:rPr>
-              <a:t>Брой</a:t>
-            </a:r>
-            <a:r>
-              <a:rPr lang="en-US" sz="2000" dirty="0">
-                <a:solidFill>
-                  <a:schemeClr val="tx1">
-                    <a:lumMod val="95000"/>
-                  </a:schemeClr>
-                </a:solidFill>
-              </a:rPr>
-              <a:t> </a:t>
-            </a:r>
-            <a:r>
-              <a:rPr lang="en-US" sz="2000" dirty="0" err="1">
-                <a:solidFill>
-                  <a:schemeClr val="tx1">
-                    <a:lumMod val="95000"/>
-                  </a:schemeClr>
-                </a:solidFill>
-              </a:rPr>
-              <a:t>посещения</a:t>
-            </a:r>
-            <a:r>
-              <a:rPr lang="en-US" sz="2000" dirty="0">
-                <a:solidFill>
-                  <a:schemeClr val="tx1">
-                    <a:lumMod val="95000"/>
-                  </a:schemeClr>
-                </a:solidFill>
-              </a:rPr>
-              <a:t> – </a:t>
-            </a:r>
-            <a:r>
-              <a:rPr lang="en-US" sz="2000" dirty="0" err="1">
-                <a:solidFill>
-                  <a:schemeClr val="tx1">
-                    <a:lumMod val="95000"/>
-                  </a:schemeClr>
-                </a:solidFill>
-              </a:rPr>
-              <a:t>поддържа</a:t>
-            </a:r>
-            <a:r>
-              <a:rPr lang="en-US" sz="2000" dirty="0">
-                <a:solidFill>
-                  <a:schemeClr val="tx1">
-                    <a:lumMod val="95000"/>
-                  </a:schemeClr>
-                </a:solidFill>
-              </a:rPr>
-              <a:t> </a:t>
-            </a:r>
-            <a:r>
-              <a:rPr lang="en-US" sz="2000" dirty="0" err="1">
-                <a:solidFill>
-                  <a:schemeClr val="tx1">
-                    <a:lumMod val="95000"/>
-                  </a:schemeClr>
-                </a:solidFill>
-              </a:rPr>
-              <a:t>около</a:t>
-            </a:r>
-            <a:r>
-              <a:rPr lang="en-US" sz="2000" dirty="0">
-                <a:solidFill>
-                  <a:schemeClr val="tx1">
-                    <a:lumMod val="95000"/>
-                  </a:schemeClr>
-                </a:solidFill>
-              </a:rPr>
-              <a:t> 100-150 </a:t>
-            </a:r>
-            <a:r>
-              <a:rPr lang="en-US" sz="2000" dirty="0" err="1">
-                <a:solidFill>
-                  <a:schemeClr val="tx1">
-                    <a:lumMod val="95000"/>
-                  </a:schemeClr>
-                </a:solidFill>
-              </a:rPr>
-              <a:t>посещения</a:t>
-            </a:r>
-            <a:r>
-              <a:rPr lang="en-US" sz="2000" dirty="0">
-                <a:solidFill>
-                  <a:schemeClr val="tx1">
-                    <a:lumMod val="95000"/>
-                  </a:schemeClr>
-                </a:solidFill>
-              </a:rPr>
-              <a:t> </a:t>
-            </a:r>
-            <a:r>
-              <a:rPr lang="en-US" sz="2000" dirty="0" err="1">
-                <a:solidFill>
-                  <a:schemeClr val="tx1">
-                    <a:lumMod val="95000"/>
-                  </a:schemeClr>
-                </a:solidFill>
-              </a:rPr>
-              <a:t>на</a:t>
-            </a:r>
-            <a:r>
-              <a:rPr lang="en-US" sz="2000" dirty="0">
-                <a:solidFill>
-                  <a:schemeClr val="tx1">
-                    <a:lumMod val="95000"/>
-                  </a:schemeClr>
-                </a:solidFill>
-              </a:rPr>
-              <a:t> </a:t>
-            </a:r>
-            <a:r>
-              <a:rPr lang="en-US" sz="2000" dirty="0" err="1">
-                <a:solidFill>
-                  <a:schemeClr val="tx1">
-                    <a:lumMod val="95000"/>
-                  </a:schemeClr>
-                </a:solidFill>
-              </a:rPr>
-              <a:t>ден</a:t>
-            </a:r>
-            <a:r>
-              <a:rPr lang="en-US" sz="2000" dirty="0">
-                <a:solidFill>
-                  <a:schemeClr val="tx1">
-                    <a:lumMod val="95000"/>
-                  </a:schemeClr>
-                </a:solidFill>
-              </a:rPr>
-              <a:t>.</a:t>
-            </a:r>
-          </a:p>
-          <a:p>
-            <a:pPr lvl="1"/>
-            <a:r>
-              <a:rPr lang="en-US" sz="2000" dirty="0">
-                <a:solidFill>
-                  <a:schemeClr val="tx1">
-                    <a:lumMod val="95000"/>
-                  </a:schemeClr>
-                </a:solidFill>
-              </a:rPr>
-              <a:t>4.3   </a:t>
-            </a:r>
-            <a:r>
-              <a:rPr lang="en-US" sz="2000" dirty="0" err="1">
-                <a:solidFill>
-                  <a:schemeClr val="tx1">
-                    <a:lumMod val="95000"/>
-                  </a:schemeClr>
-                </a:solidFill>
-              </a:rPr>
-              <a:t>Брой</a:t>
-            </a:r>
-            <a:r>
-              <a:rPr lang="en-US" sz="2000" dirty="0">
-                <a:solidFill>
-                  <a:schemeClr val="tx1">
-                    <a:lumMod val="95000"/>
-                  </a:schemeClr>
-                </a:solidFill>
-              </a:rPr>
-              <a:t> – </a:t>
-            </a:r>
-            <a:r>
-              <a:rPr lang="en-US" sz="2000" dirty="0" err="1">
-                <a:solidFill>
-                  <a:schemeClr val="tx1">
-                    <a:lumMod val="95000"/>
-                  </a:schemeClr>
-                </a:solidFill>
-              </a:rPr>
-              <a:t>активни</a:t>
-            </a:r>
-            <a:r>
-              <a:rPr lang="en-US" sz="2000" dirty="0">
-                <a:solidFill>
-                  <a:schemeClr val="tx1">
-                    <a:lumMod val="95000"/>
-                  </a:schemeClr>
-                </a:solidFill>
-              </a:rPr>
-              <a:t> </a:t>
-            </a:r>
-            <a:r>
-              <a:rPr lang="en-US" sz="2000" dirty="0" err="1">
-                <a:solidFill>
-                  <a:schemeClr val="tx1">
-                    <a:lumMod val="95000"/>
-                  </a:schemeClr>
-                </a:solidFill>
-              </a:rPr>
-              <a:t>акаунти</a:t>
-            </a:r>
-            <a:r>
-              <a:rPr lang="en-US" sz="2000" dirty="0">
-                <a:solidFill>
-                  <a:schemeClr val="tx1">
-                    <a:lumMod val="95000"/>
-                  </a:schemeClr>
-                </a:solidFill>
-              </a:rPr>
-              <a:t> – </a:t>
-            </a:r>
-            <a:r>
-              <a:rPr lang="en-US" sz="2000" dirty="0" err="1">
-                <a:solidFill>
-                  <a:schemeClr val="tx1">
-                    <a:lumMod val="95000"/>
-                  </a:schemeClr>
-                </a:solidFill>
-              </a:rPr>
-              <a:t>системата</a:t>
-            </a:r>
-            <a:r>
-              <a:rPr lang="en-US" sz="2000" dirty="0">
-                <a:solidFill>
-                  <a:schemeClr val="tx1">
-                    <a:lumMod val="95000"/>
-                  </a:schemeClr>
-                </a:solidFill>
-              </a:rPr>
-              <a:t> </a:t>
-            </a:r>
-            <a:r>
-              <a:rPr lang="en-US" sz="2000" dirty="0" err="1">
-                <a:solidFill>
-                  <a:schemeClr val="tx1">
-                    <a:lumMod val="95000"/>
-                  </a:schemeClr>
-                </a:solidFill>
-              </a:rPr>
-              <a:t>поддържа</a:t>
-            </a:r>
-            <a:r>
-              <a:rPr lang="en-US" sz="2000" dirty="0">
-                <a:solidFill>
-                  <a:schemeClr val="tx1">
-                    <a:lumMod val="95000"/>
-                  </a:schemeClr>
-                </a:solidFill>
-              </a:rPr>
-              <a:t> </a:t>
-            </a:r>
-            <a:r>
-              <a:rPr lang="en-US" sz="2000" dirty="0" err="1">
-                <a:solidFill>
-                  <a:schemeClr val="tx1">
-                    <a:lumMod val="95000"/>
-                  </a:schemeClr>
-                </a:solidFill>
-              </a:rPr>
-              <a:t>до</a:t>
-            </a:r>
-            <a:r>
-              <a:rPr lang="en-US" sz="2000" dirty="0">
-                <a:solidFill>
-                  <a:schemeClr val="tx1">
-                    <a:lumMod val="95000"/>
-                  </a:schemeClr>
-                </a:solidFill>
-              </a:rPr>
-              <a:t> 1000 </a:t>
-            </a:r>
-            <a:r>
-              <a:rPr lang="en-US" sz="2000" dirty="0" err="1">
-                <a:solidFill>
-                  <a:schemeClr val="tx1">
-                    <a:lumMod val="95000"/>
-                  </a:schemeClr>
-                </a:solidFill>
-              </a:rPr>
-              <a:t>активни</a:t>
-            </a:r>
-            <a:r>
-              <a:rPr lang="en-US" sz="2000" dirty="0">
-                <a:solidFill>
-                  <a:schemeClr val="tx1">
-                    <a:lumMod val="95000"/>
-                  </a:schemeClr>
-                </a:solidFill>
-              </a:rPr>
-              <a:t> </a:t>
-            </a:r>
-            <a:r>
-              <a:rPr lang="en-US" sz="2000" dirty="0" err="1">
-                <a:solidFill>
-                  <a:schemeClr val="tx1">
-                    <a:lumMod val="95000"/>
-                  </a:schemeClr>
-                </a:solidFill>
-              </a:rPr>
-              <a:t>лекторски</a:t>
-            </a:r>
-            <a:r>
-              <a:rPr lang="en-US" sz="2000" dirty="0">
-                <a:solidFill>
-                  <a:schemeClr val="tx1">
-                    <a:lumMod val="95000"/>
-                  </a:schemeClr>
-                </a:solidFill>
-              </a:rPr>
-              <a:t> </a:t>
-            </a:r>
-            <a:r>
-              <a:rPr lang="en-US" sz="2000" dirty="0" err="1">
-                <a:solidFill>
-                  <a:schemeClr val="tx1">
-                    <a:lumMod val="95000"/>
-                  </a:schemeClr>
-                </a:solidFill>
-              </a:rPr>
-              <a:t>акаунта</a:t>
-            </a:r>
-            <a:r>
-              <a:rPr lang="en-US" sz="2000" dirty="0">
-                <a:solidFill>
-                  <a:schemeClr val="tx1">
-                    <a:lumMod val="95000"/>
-                  </a:schemeClr>
-                </a:solidFill>
-              </a:rPr>
-              <a:t>.</a:t>
-            </a:r>
-          </a:p>
-        </p:txBody>
-      </p:sp>
-    </p:spTree>
-    <p:extLst>
-      <p:ext uri="{BB962C8B-B14F-4D97-AF65-F5344CB8AC3E}">
-        <p14:creationId xmlns:p14="http://schemas.microsoft.com/office/powerpoint/2010/main" val="930090048"/>
-      </p:ext>
-    </p:extLst>
-  </p:cSld>
-  <p:clrMapOvr>
-    <a:masterClrMapping/>
-  </p:clrMapOvr>
-</p:sld>
-</file>
-
-<file path=ppt/slides/slide25.xml><?xml version="1.0" encoding="utf-8"?>
-<p:sld xmlns:a="http://schemas.openxmlformats.org/drawingml/2006/main" xmlns:r="http://schemas.openxmlformats.org/officeDocument/2006/relationships" xmlns:p="http://schemas.openxmlformats.org/presentationml/2006/main">
-  <p:cSld>
-    <p:spTree>
-      <p:nvGrpSpPr>
-        <p:cNvPr id="1" name=""/>
-        <p:cNvGrpSpPr/>
-        <p:nvPr/>
-      </p:nvGrpSpPr>
-      <p:grpSpPr>
-        <a:xfrm>
-          <a:off x="0" y="0"/>
-          <a:ext cx="0" cy="0"/>
-          <a:chOff x="0" y="0"/>
-          <a:chExt cx="0" cy="0"/>
-        </a:xfrm>
-      </p:grpSpPr>
-      <p:sp>
-        <p:nvSpPr>
-          <p:cNvPr id="2" name="Title 1"/>
-          <p:cNvSpPr>
-            <a:spLocks noGrp="1"/>
-          </p:cNvSpPr>
-          <p:nvPr>
-            <p:ph type="title"/>
-          </p:nvPr>
-        </p:nvSpPr>
-        <p:spPr>
-          <a:xfrm>
-            <a:off x="4498109" y="155477"/>
-            <a:ext cx="3510539" cy="1507067"/>
-          </a:xfrm>
-        </p:spPr>
-        <p:txBody>
-          <a:bodyPr/>
-          <a:lstStyle/>
-          <a:p>
-            <a:r>
-              <a:rPr lang="en-US" dirty="0"/>
-              <a:t>(F)</a:t>
-            </a:r>
-            <a:r>
-              <a:rPr lang="en-US" dirty="0" err="1"/>
-              <a:t>urPS</a:t>
-            </a:r>
-            <a:endParaRPr lang="en-US" dirty="0"/>
-          </a:p>
-        </p:txBody>
-      </p:sp>
-      <p:sp>
-        <p:nvSpPr>
-          <p:cNvPr id="3" name="Content Placeholder 2"/>
-          <p:cNvSpPr>
-            <a:spLocks noGrp="1"/>
-          </p:cNvSpPr>
-          <p:nvPr>
-            <p:ph idx="1"/>
-          </p:nvPr>
-        </p:nvSpPr>
-        <p:spPr>
-          <a:xfrm>
-            <a:off x="711920" y="794327"/>
-            <a:ext cx="10870479" cy="5264727"/>
-          </a:xfrm>
-        </p:spPr>
-        <p:txBody>
-          <a:bodyPr>
-            <a:normAutofit/>
-          </a:bodyPr>
-          <a:lstStyle/>
-          <a:p>
             <a:r>
               <a:rPr lang="en-US" sz="2400" b="1" dirty="0">
                 <a:solidFill>
@@ -16582,7 +16460,7 @@
 </p:sld>
 </file>
 
-<file path=ppt/slides/slide26.xml><?xml version="1.0" encoding="utf-8"?>
+<file path=ppt/slides/slide25.xml><?xml version="1.0" encoding="utf-8"?>
 <p:sld xmlns:a="http://schemas.openxmlformats.org/drawingml/2006/main" xmlns:r="http://schemas.openxmlformats.org/officeDocument/2006/relationships" xmlns:p="http://schemas.openxmlformats.org/presentationml/2006/main">
   <p:cSld>
     <p:spTree>

--- a/APIS_2.1.pptx
+++ b/APIS_2.1.pptx
@@ -9094,9 +9094,9 @@
       </p:sp>
       <p:pic>
         <p:nvPicPr>
-          <p:cNvPr id="7170" name="Picture 2" descr="admin_lecturer_login.png"/>
+          <p:cNvPr id="2" name="Picture 1"/>
           <p:cNvPicPr>
-            <a:picLocks noChangeAspect="1" noChangeArrowheads="1"/>
+            <a:picLocks noChangeAspect="1"/>
           </p:cNvPicPr>
           <p:nvPr/>
         </p:nvPicPr>
@@ -9108,29 +9108,18 @@
               </a:ext>
             </a:extLst>
           </a:blip>
-          <a:srcRect/>
           <a:stretch>
             <a:fillRect/>
           </a:stretch>
         </p:blipFill>
-        <p:spPr bwMode="auto">
+        <p:spPr>
           <a:xfrm>
-            <a:off x="5107718" y="1505859"/>
-            <a:ext cx="6819900" cy="5191126"/>
+            <a:off x="4832561" y="1376736"/>
+            <a:ext cx="7052596" cy="5368247"/>
           </a:xfrm>
           <a:prstGeom prst="rect">
             <a:avLst/>
           </a:prstGeom>
-          <a:noFill/>
-          <a:extLst>
-            <a:ext uri="{909E8E84-426E-40DD-AFC4-6F175D3DCCD1}">
-              <a14:hiddenFill xmlns:a14="http://schemas.microsoft.com/office/drawing/2010/main">
-                <a:solidFill>
-                  <a:srgbClr val="FFFFFF"/>
-                </a:solidFill>
-              </a14:hiddenFill>
-            </a:ext>
-          </a:extLst>
         </p:spPr>
       </p:pic>
     </p:spTree>
@@ -9324,9 +9313,9 @@
       </p:sp>
       <p:pic>
         <p:nvPicPr>
-          <p:cNvPr id="9218" name="Picture 2" descr="admin_register_lecturer.png"/>
+          <p:cNvPr id="2" name="Picture 1"/>
           <p:cNvPicPr>
-            <a:picLocks noChangeAspect="1" noChangeArrowheads="1"/>
+            <a:picLocks noChangeAspect="1"/>
           </p:cNvPicPr>
           <p:nvPr/>
         </p:nvPicPr>
@@ -9338,29 +9327,18 @@
               </a:ext>
             </a:extLst>
           </a:blip>
-          <a:srcRect/>
           <a:stretch>
             <a:fillRect/>
           </a:stretch>
         </p:blipFill>
-        <p:spPr bwMode="auto">
+        <p:spPr>
           <a:xfrm>
-            <a:off x="4962418" y="1299957"/>
-            <a:ext cx="7099729" cy="5433921"/>
+            <a:off x="4572000" y="1345915"/>
+            <a:ext cx="7201856" cy="5512085"/>
           </a:xfrm>
           <a:prstGeom prst="rect">
             <a:avLst/>
           </a:prstGeom>
-          <a:noFill/>
-          <a:extLst>
-            <a:ext uri="{909E8E84-426E-40DD-AFC4-6F175D3DCCD1}">
-              <a14:hiddenFill xmlns:a14="http://schemas.microsoft.com/office/drawing/2010/main">
-                <a:solidFill>
-                  <a:srgbClr val="FFFFFF"/>
-                </a:solidFill>
-              </a14:hiddenFill>
-            </a:ext>
-          </a:extLst>
         </p:spPr>
       </p:pic>
     </p:spTree>
@@ -9499,47 +9477,6 @@
           </a:p>
         </p:txBody>
       </p:sp>
-      <p:pic>
-        <p:nvPicPr>
-          <p:cNvPr id="1026" name="Picture 2" descr="admin_add_room.png"/>
-          <p:cNvPicPr>
-            <a:picLocks noChangeAspect="1" noChangeArrowheads="1"/>
-          </p:cNvPicPr>
-          <p:nvPr/>
-        </p:nvPicPr>
-        <p:blipFill>
-          <a:blip r:embed="rId3">
-            <a:extLst>
-              <a:ext uri="{28A0092B-C50C-407E-A947-70E740481C1C}">
-                <a14:useLocalDpi xmlns:a14="http://schemas.microsoft.com/office/drawing/2010/main" val="0"/>
-              </a:ext>
-            </a:extLst>
-          </a:blip>
-          <a:srcRect/>
-          <a:stretch>
-            <a:fillRect/>
-          </a:stretch>
-        </p:blipFill>
-        <p:spPr bwMode="auto">
-          <a:xfrm>
-            <a:off x="99848" y="1181527"/>
-            <a:ext cx="7249971" cy="5503429"/>
-          </a:xfrm>
-          <a:prstGeom prst="rect">
-            <a:avLst/>
-          </a:prstGeom>
-          <a:noFill/>
-          <a:extLst>
-            <a:ext uri="{909E8E84-426E-40DD-AFC4-6F175D3DCCD1}">
-              <a14:hiddenFill xmlns:a14="http://schemas.microsoft.com/office/drawing/2010/main">
-                <a:solidFill>
-                  <a:srgbClr val="FFFFFF"/>
-                </a:solidFill>
-              </a14:hiddenFill>
-            </a:ext>
-          </a:extLst>
-        </p:spPr>
-      </p:pic>
       <p:sp>
         <p:nvSpPr>
           <p:cNvPr id="5" name="TextBox 4"/>
@@ -9599,6 +9536,36 @@
           </a:p>
         </p:txBody>
       </p:sp>
+      <p:pic>
+        <p:nvPicPr>
+          <p:cNvPr id="2" name="Picture 1"/>
+          <p:cNvPicPr>
+            <a:picLocks noChangeAspect="1"/>
+          </p:cNvPicPr>
+          <p:nvPr/>
+        </p:nvPicPr>
+        <p:blipFill>
+          <a:blip r:embed="rId3">
+            <a:extLst>
+              <a:ext uri="{28A0092B-C50C-407E-A947-70E740481C1C}">
+                <a14:useLocalDpi xmlns:a14="http://schemas.microsoft.com/office/drawing/2010/main" val="0"/>
+              </a:ext>
+            </a:extLst>
+          </a:blip>
+          <a:stretch>
+            <a:fillRect/>
+          </a:stretch>
+        </p:blipFill>
+        <p:spPr>
+          <a:xfrm>
+            <a:off x="328773" y="1221130"/>
+            <a:ext cx="7222740" cy="5482757"/>
+          </a:xfrm>
+          <a:prstGeom prst="rect">
+            <a:avLst/>
+          </a:prstGeom>
+        </p:spPr>
+      </p:pic>
     </p:spTree>
     <p:extLst>
       <p:ext uri="{BB962C8B-B14F-4D97-AF65-F5344CB8AC3E}">
@@ -9784,9 +9751,9 @@
       </p:sp>
       <p:pic>
         <p:nvPicPr>
-          <p:cNvPr id="4098" name="Picture 2" descr="admin_calendars.png"/>
+          <p:cNvPr id="2" name="Picture 1"/>
           <p:cNvPicPr>
-            <a:picLocks noChangeAspect="1" noChangeArrowheads="1"/>
+            <a:picLocks noChangeAspect="1"/>
           </p:cNvPicPr>
           <p:nvPr/>
         </p:nvPicPr>
@@ -9798,29 +9765,18 @@
               </a:ext>
             </a:extLst>
           </a:blip>
-          <a:srcRect/>
           <a:stretch>
             <a:fillRect/>
           </a:stretch>
         </p:blipFill>
-        <p:spPr bwMode="auto">
+        <p:spPr>
           <a:xfrm>
-            <a:off x="71919" y="1858308"/>
-            <a:ext cx="9839325" cy="4857751"/>
+            <a:off x="616449" y="1677161"/>
+            <a:ext cx="10459092" cy="5163734"/>
           </a:xfrm>
           <a:prstGeom prst="rect">
             <a:avLst/>
           </a:prstGeom>
-          <a:noFill/>
-          <a:extLst>
-            <a:ext uri="{909E8E84-426E-40DD-AFC4-6F175D3DCCD1}">
-              <a14:hiddenFill xmlns:a14="http://schemas.microsoft.com/office/drawing/2010/main">
-                <a:solidFill>
-                  <a:srgbClr val="FFFFFF"/>
-                </a:solidFill>
-              </a14:hiddenFill>
-            </a:ext>
-          </a:extLst>
         </p:spPr>
       </p:pic>
     </p:spTree>
@@ -10008,9 +9964,9 @@
       </p:sp>
       <p:pic>
         <p:nvPicPr>
-          <p:cNvPr id="5122" name="Picture 2" descr="lecturer_panel.png"/>
+          <p:cNvPr id="2" name="Picture 1"/>
           <p:cNvPicPr>
-            <a:picLocks noChangeAspect="1" noChangeArrowheads="1"/>
+            <a:picLocks noChangeAspect="1"/>
           </p:cNvPicPr>
           <p:nvPr/>
         </p:nvPicPr>
@@ -10022,29 +9978,18 @@
               </a:ext>
             </a:extLst>
           </a:blip>
-          <a:srcRect/>
           <a:stretch>
             <a:fillRect/>
           </a:stretch>
         </p:blipFill>
-        <p:spPr bwMode="auto">
+        <p:spPr>
           <a:xfrm>
-            <a:off x="2828497" y="1677161"/>
-            <a:ext cx="9096375" cy="4895850"/>
+            <a:off x="2928296" y="1602769"/>
+            <a:ext cx="9079085" cy="4886544"/>
           </a:xfrm>
           <a:prstGeom prst="rect">
             <a:avLst/>
           </a:prstGeom>
-          <a:noFill/>
-          <a:extLst>
-            <a:ext uri="{909E8E84-426E-40DD-AFC4-6F175D3DCCD1}">
-              <a14:hiddenFill xmlns:a14="http://schemas.microsoft.com/office/drawing/2010/main">
-                <a:solidFill>
-                  <a:srgbClr val="FFFFFF"/>
-                </a:solidFill>
-              </a14:hiddenFill>
-            </a:ext>
-          </a:extLst>
         </p:spPr>
       </p:pic>
     </p:spTree>
@@ -10232,9 +10177,9 @@
       </p:sp>
       <p:pic>
         <p:nvPicPr>
-          <p:cNvPr id="8196" name="Picture 4" descr="https://scontent-frx5-1.xx.fbcdn.net/v/t35.0-12/18575122_1630576953619828_921399099_o.png?oh=0d5ad5779cb898450e22a3078649147c&amp;oe=591CC7C2"/>
+          <p:cNvPr id="2" name="Picture 1"/>
           <p:cNvPicPr>
-            <a:picLocks noChangeAspect="1" noChangeArrowheads="1"/>
+            <a:picLocks noChangeAspect="1"/>
           </p:cNvPicPr>
           <p:nvPr/>
         </p:nvPicPr>
@@ -10246,29 +10191,18 @@
               </a:ext>
             </a:extLst>
           </a:blip>
-          <a:srcRect/>
           <a:stretch>
             <a:fillRect/>
           </a:stretch>
         </p:blipFill>
-        <p:spPr bwMode="auto">
+        <p:spPr>
           <a:xfrm>
-            <a:off x="3472664" y="1677161"/>
-            <a:ext cx="8633789" cy="4712573"/>
+            <a:off x="3213484" y="1677161"/>
+            <a:ext cx="8803856" cy="4534542"/>
           </a:xfrm>
           <a:prstGeom prst="rect">
             <a:avLst/>
           </a:prstGeom>
-          <a:noFill/>
-          <a:extLst>
-            <a:ext uri="{909E8E84-426E-40DD-AFC4-6F175D3DCCD1}">
-              <a14:hiddenFill xmlns:a14="http://schemas.microsoft.com/office/drawing/2010/main">
-                <a:solidFill>
-                  <a:srgbClr val="FFFFFF"/>
-                </a:solidFill>
-              </a14:hiddenFill>
-            </a:ext>
-          </a:extLst>
         </p:spPr>
       </p:pic>
     </p:spTree>
@@ -10456,9 +10390,9 @@
       </p:sp>
       <p:pic>
         <p:nvPicPr>
-          <p:cNvPr id="6146" name="Picture 2" descr="admin_edit_lecturer.png"/>
+          <p:cNvPr id="3" name="Picture 2"/>
           <p:cNvPicPr>
-            <a:picLocks noChangeAspect="1" noChangeArrowheads="1"/>
+            <a:picLocks noChangeAspect="1"/>
           </p:cNvPicPr>
           <p:nvPr/>
         </p:nvPicPr>
@@ -10470,29 +10404,18 @@
               </a:ext>
             </a:extLst>
           </a:blip>
-          <a:srcRect/>
           <a:stretch>
             <a:fillRect/>
           </a:stretch>
         </p:blipFill>
-        <p:spPr bwMode="auto">
+        <p:spPr>
           <a:xfrm>
-            <a:off x="4839128" y="1137823"/>
-            <a:ext cx="7264320" cy="5567479"/>
+            <a:off x="4431686" y="1284268"/>
+            <a:ext cx="7167837" cy="5493531"/>
           </a:xfrm>
           <a:prstGeom prst="rect">
             <a:avLst/>
           </a:prstGeom>
-          <a:noFill/>
-          <a:extLst>
-            <a:ext uri="{909E8E84-426E-40DD-AFC4-6F175D3DCCD1}">
-              <a14:hiddenFill xmlns:a14="http://schemas.microsoft.com/office/drawing/2010/main">
-                <a:solidFill>
-                  <a:srgbClr val="FFFFFF"/>
-                </a:solidFill>
-              </a14:hiddenFill>
-            </a:ext>
-          </a:extLst>
         </p:spPr>
       </p:pic>
     </p:spTree>

--- a/APIS_2.1.pptx
+++ b/APIS_2.1.pptx
@@ -10475,37 +10475,15 @@
           </a:p>
         </p:txBody>
       </p:sp>
-      <p:sp>
-        <p:nvSpPr>
-          <p:cNvPr id="3" name="Content Placeholder 2"/>
-          <p:cNvSpPr>
-            <a:spLocks noGrp="1"/>
-          </p:cNvSpPr>
+      <p:pic>
+        <p:nvPicPr>
+          <p:cNvPr id="4" name="Content Placeholder 3"/>
+          <p:cNvPicPr>
+            <a:picLocks noGrp="1" noChangeAspect="1"/>
+          </p:cNvPicPr>
           <p:nvPr>
             <p:ph idx="1"/>
           </p:nvPr>
-        </p:nvSpPr>
-        <p:spPr>
-          <a:xfrm>
-            <a:off x="1321209" y="1586785"/>
-            <a:ext cx="8534400" cy="3615267"/>
-          </a:xfrm>
-        </p:spPr>
-        <p:txBody>
-          <a:bodyPr/>
-          <a:lstStyle/>
-          <a:p>
-            <a:endParaRPr lang="bg-BG" dirty="0"/>
-          </a:p>
-        </p:txBody>
-      </p:sp>
-      <p:pic>
-        <p:nvPicPr>
-          <p:cNvPr id="5" name="Picture 4"/>
-          <p:cNvPicPr>
-            <a:picLocks noChangeAspect="1"/>
-          </p:cNvPicPr>
-          <p:nvPr/>
         </p:nvPicPr>
         <p:blipFill>
           <a:blip r:embed="rId2">
@@ -10521,12 +10499,9 @@
         </p:blipFill>
         <p:spPr>
           <a:xfrm>
-            <a:off x="0" y="1370950"/>
-            <a:ext cx="12192000" cy="5348998"/>
+            <a:off x="904126" y="7658"/>
+            <a:ext cx="10623479" cy="6850342"/>
           </a:xfrm>
-          <a:prstGeom prst="rect">
-            <a:avLst/>
-          </a:prstGeom>
         </p:spPr>
       </p:pic>
     </p:spTree>
